--- a/공유문서/수정요청/최종수정요청_1220/수정화면점검_생산외주품질_20161219_최신.pptx
+++ b/공유문서/수정요청/최종수정요청_1220/수정화면점검_생산외주품질_20161219_최신.pptx
@@ -228,14 +228,14 @@
           <a:effectLst/>
           <a:extLst>
             <a:ext uri="{909E8E84-426E-40DD-AFC4-6F175D3DCCD1}">
-              <a14:hiddenFill xmlns:a14="http://schemas.microsoft.com/office/drawing/2010/main">
+              <a14:hiddenFill xmlns:a14="http://schemas.microsoft.com/office/drawing/2010/main" xmlns="">
                 <a:solidFill>
                   <a:schemeClr val="accent1"/>
                 </a:solidFill>
               </a14:hiddenFill>
             </a:ext>
             <a:ext uri="{91240B29-F687-4F45-9708-019B960494DF}">
-              <a14:hiddenLine xmlns:a14="http://schemas.microsoft.com/office/drawing/2010/main" w="9525">
+              <a14:hiddenLine xmlns:a14="http://schemas.microsoft.com/office/drawing/2010/main" xmlns="" w="9525">
                 <a:solidFill>
                   <a:schemeClr val="tx1"/>
                 </a:solidFill>
@@ -245,7 +245,7 @@
               </a14:hiddenLine>
             </a:ext>
             <a:ext uri="{AF507438-7753-43E0-B8FC-AC1667EBCBE1}">
-              <a14:hiddenEffects xmlns:a14="http://schemas.microsoft.com/office/drawing/2010/main">
+              <a14:hiddenEffects xmlns:a14="http://schemas.microsoft.com/office/drawing/2010/main" xmlns="">
                 <a:effectLst>
                   <a:outerShdw dist="35921" dir="2700000" algn="ctr" rotWithShape="0">
                     <a:schemeClr val="bg2"/>
@@ -299,14 +299,14 @@
           <a:effectLst/>
           <a:extLst>
             <a:ext uri="{909E8E84-426E-40DD-AFC4-6F175D3DCCD1}">
-              <a14:hiddenFill xmlns:a14="http://schemas.microsoft.com/office/drawing/2010/main">
+              <a14:hiddenFill xmlns:a14="http://schemas.microsoft.com/office/drawing/2010/main" xmlns="">
                 <a:solidFill>
                   <a:schemeClr val="accent1"/>
                 </a:solidFill>
               </a14:hiddenFill>
             </a:ext>
             <a:ext uri="{91240B29-F687-4F45-9708-019B960494DF}">
-              <a14:hiddenLine xmlns:a14="http://schemas.microsoft.com/office/drawing/2010/main" w="9525">
+              <a14:hiddenLine xmlns:a14="http://schemas.microsoft.com/office/drawing/2010/main" xmlns="" w="9525">
                 <a:solidFill>
                   <a:schemeClr val="tx1"/>
                 </a:solidFill>
@@ -316,7 +316,7 @@
               </a14:hiddenLine>
             </a:ext>
             <a:ext uri="{AF507438-7753-43E0-B8FC-AC1667EBCBE1}">
-              <a14:hiddenEffects xmlns:a14="http://schemas.microsoft.com/office/drawing/2010/main">
+              <a14:hiddenEffects xmlns:a14="http://schemas.microsoft.com/office/drawing/2010/main" xmlns="">
                 <a:effectLst>
                   <a:outerShdw dist="35921" dir="2700000" algn="ctr" rotWithShape="0">
                     <a:schemeClr val="bg2"/>
@@ -370,14 +370,14 @@
           <a:effectLst/>
           <a:extLst>
             <a:ext uri="{909E8E84-426E-40DD-AFC4-6F175D3DCCD1}">
-              <a14:hiddenFill xmlns:a14="http://schemas.microsoft.com/office/drawing/2010/main">
+              <a14:hiddenFill xmlns:a14="http://schemas.microsoft.com/office/drawing/2010/main" xmlns="">
                 <a:solidFill>
                   <a:schemeClr val="accent1"/>
                 </a:solidFill>
               </a14:hiddenFill>
             </a:ext>
             <a:ext uri="{91240B29-F687-4F45-9708-019B960494DF}">
-              <a14:hiddenLine xmlns:a14="http://schemas.microsoft.com/office/drawing/2010/main" w="9525">
+              <a14:hiddenLine xmlns:a14="http://schemas.microsoft.com/office/drawing/2010/main" xmlns="" w="9525">
                 <a:solidFill>
                   <a:schemeClr val="tx1"/>
                 </a:solidFill>
@@ -387,7 +387,7 @@
               </a14:hiddenLine>
             </a:ext>
             <a:ext uri="{AF507438-7753-43E0-B8FC-AC1667EBCBE1}">
-              <a14:hiddenEffects xmlns:a14="http://schemas.microsoft.com/office/drawing/2010/main">
+              <a14:hiddenEffects xmlns:a14="http://schemas.microsoft.com/office/drawing/2010/main" xmlns="">
                 <a:effectLst>
                   <a:outerShdw dist="35921" dir="2700000" algn="ctr" rotWithShape="0">
                     <a:schemeClr val="bg2"/>
@@ -441,14 +441,14 @@
           <a:effectLst/>
           <a:extLst>
             <a:ext uri="{909E8E84-426E-40DD-AFC4-6F175D3DCCD1}">
-              <a14:hiddenFill xmlns:a14="http://schemas.microsoft.com/office/drawing/2010/main">
+              <a14:hiddenFill xmlns:a14="http://schemas.microsoft.com/office/drawing/2010/main" xmlns="">
                 <a:solidFill>
                   <a:schemeClr val="accent1"/>
                 </a:solidFill>
               </a14:hiddenFill>
             </a:ext>
             <a:ext uri="{91240B29-F687-4F45-9708-019B960494DF}">
-              <a14:hiddenLine xmlns:a14="http://schemas.microsoft.com/office/drawing/2010/main" w="9525">
+              <a14:hiddenLine xmlns:a14="http://schemas.microsoft.com/office/drawing/2010/main" xmlns="" w="9525">
                 <a:solidFill>
                   <a:schemeClr val="tx1"/>
                 </a:solidFill>
@@ -458,7 +458,7 @@
               </a14:hiddenLine>
             </a:ext>
             <a:ext uri="{AF507438-7753-43E0-B8FC-AC1667EBCBE1}">
-              <a14:hiddenEffects xmlns:a14="http://schemas.microsoft.com/office/drawing/2010/main">
+              <a14:hiddenEffects xmlns:a14="http://schemas.microsoft.com/office/drawing/2010/main" xmlns="">
                 <a:effectLst>
                   <a:outerShdw dist="35921" dir="2700000" algn="ctr" rotWithShape="0">
                     <a:schemeClr val="bg2"/>
@@ -495,7 +495,7 @@
     </p:spTree>
     <p:extLst>
       <p:ext uri="{BB962C8B-B14F-4D97-AF65-F5344CB8AC3E}">
-        <p14:creationId xmlns:p14="http://schemas.microsoft.com/office/powerpoint/2010/main" val="2069468955"/>
+        <p14:creationId xmlns:p14="http://schemas.microsoft.com/office/powerpoint/2010/main" xmlns="" val="2069468955"/>
       </p:ext>
     </p:extLst>
   </p:cSld>
@@ -553,14 +553,14 @@
           <a:effectLst/>
           <a:extLst>
             <a:ext uri="{909E8E84-426E-40DD-AFC4-6F175D3DCCD1}">
-              <a14:hiddenFill xmlns:a14="http://schemas.microsoft.com/office/drawing/2010/main">
+              <a14:hiddenFill xmlns:a14="http://schemas.microsoft.com/office/drawing/2010/main" xmlns="">
                 <a:solidFill>
                   <a:schemeClr val="accent1"/>
                 </a:solidFill>
               </a14:hiddenFill>
             </a:ext>
             <a:ext uri="{91240B29-F687-4F45-9708-019B960494DF}">
-              <a14:hiddenLine xmlns:a14="http://schemas.microsoft.com/office/drawing/2010/main" w="9525">
+              <a14:hiddenLine xmlns:a14="http://schemas.microsoft.com/office/drawing/2010/main" xmlns="" w="9525">
                 <a:solidFill>
                   <a:schemeClr val="tx1"/>
                 </a:solidFill>
@@ -570,7 +570,7 @@
               </a14:hiddenLine>
             </a:ext>
             <a:ext uri="{AF507438-7753-43E0-B8FC-AC1667EBCBE1}">
-              <a14:hiddenEffects xmlns:a14="http://schemas.microsoft.com/office/drawing/2010/main">
+              <a14:hiddenEffects xmlns:a14="http://schemas.microsoft.com/office/drawing/2010/main" xmlns="">
                 <a:effectLst>
                   <a:outerShdw dist="35921" dir="2700000" algn="ctr" rotWithShape="0">
                     <a:schemeClr val="bg2"/>
@@ -624,14 +624,14 @@
           <a:effectLst/>
           <a:extLst>
             <a:ext uri="{909E8E84-426E-40DD-AFC4-6F175D3DCCD1}">
-              <a14:hiddenFill xmlns:a14="http://schemas.microsoft.com/office/drawing/2010/main">
+              <a14:hiddenFill xmlns:a14="http://schemas.microsoft.com/office/drawing/2010/main" xmlns="">
                 <a:solidFill>
                   <a:schemeClr val="accent1"/>
                 </a:solidFill>
               </a14:hiddenFill>
             </a:ext>
             <a:ext uri="{91240B29-F687-4F45-9708-019B960494DF}">
-              <a14:hiddenLine xmlns:a14="http://schemas.microsoft.com/office/drawing/2010/main" w="9525">
+              <a14:hiddenLine xmlns:a14="http://schemas.microsoft.com/office/drawing/2010/main" xmlns="" w="9525">
                 <a:solidFill>
                   <a:schemeClr val="tx1"/>
                 </a:solidFill>
@@ -641,7 +641,7 @@
               </a14:hiddenLine>
             </a:ext>
             <a:ext uri="{AF507438-7753-43E0-B8FC-AC1667EBCBE1}">
-              <a14:hiddenEffects xmlns:a14="http://schemas.microsoft.com/office/drawing/2010/main">
+              <a14:hiddenEffects xmlns:a14="http://schemas.microsoft.com/office/drawing/2010/main" xmlns="">
                 <a:effectLst>
                   <a:outerShdw dist="35921" dir="2700000" algn="ctr" rotWithShape="0">
                     <a:schemeClr val="bg2"/>
@@ -700,7 +700,7 @@
           <a:effectLst/>
           <a:extLst>
             <a:ext uri="{AF507438-7753-43E0-B8FC-AC1667EBCBE1}">
-              <a14:hiddenEffects xmlns:a14="http://schemas.microsoft.com/office/drawing/2010/main">
+              <a14:hiddenEffects xmlns:a14="http://schemas.microsoft.com/office/drawing/2010/main" xmlns="">
                 <a:effectLst>
                   <a:outerShdw dist="35921" dir="2700000" algn="ctr" rotWithShape="0">
                     <a:srgbClr val="808080"/>
@@ -709,7 +709,7 @@
               </a14:hiddenEffects>
             </a:ext>
             <a:ext uri="{53640926-AAD7-44D8-BBD7-CCE9431645EC}">
-              <a14:shadowObscured xmlns:a14="http://schemas.microsoft.com/office/drawing/2010/main" val="1"/>
+              <a14:shadowObscured xmlns:a14="http://schemas.microsoft.com/office/drawing/2010/main" xmlns="" val="1"/>
             </a:ext>
           </a:extLst>
         </p:spPr>
@@ -739,14 +739,14 @@
           <a:effectLst/>
           <a:extLst>
             <a:ext uri="{909E8E84-426E-40DD-AFC4-6F175D3DCCD1}">
-              <a14:hiddenFill xmlns:a14="http://schemas.microsoft.com/office/drawing/2010/main">
+              <a14:hiddenFill xmlns:a14="http://schemas.microsoft.com/office/drawing/2010/main" xmlns="">
                 <a:solidFill>
                   <a:schemeClr val="accent1"/>
                 </a:solidFill>
               </a14:hiddenFill>
             </a:ext>
             <a:ext uri="{91240B29-F687-4F45-9708-019B960494DF}">
-              <a14:hiddenLine xmlns:a14="http://schemas.microsoft.com/office/drawing/2010/main" w="9525">
+              <a14:hiddenLine xmlns:a14="http://schemas.microsoft.com/office/drawing/2010/main" xmlns="" w="9525">
                 <a:solidFill>
                   <a:schemeClr val="tx1"/>
                 </a:solidFill>
@@ -756,7 +756,7 @@
               </a14:hiddenLine>
             </a:ext>
             <a:ext uri="{AF507438-7753-43E0-B8FC-AC1667EBCBE1}">
-              <a14:hiddenEffects xmlns:a14="http://schemas.microsoft.com/office/drawing/2010/main">
+              <a14:hiddenEffects xmlns:a14="http://schemas.microsoft.com/office/drawing/2010/main" xmlns="">
                 <a:effectLst>
                   <a:outerShdw dist="35921" dir="2700000" algn="ctr" rotWithShape="0">
                     <a:schemeClr val="bg2"/>
@@ -835,14 +835,14 @@
           <a:effectLst/>
           <a:extLst>
             <a:ext uri="{909E8E84-426E-40DD-AFC4-6F175D3DCCD1}">
-              <a14:hiddenFill xmlns:a14="http://schemas.microsoft.com/office/drawing/2010/main">
+              <a14:hiddenFill xmlns:a14="http://schemas.microsoft.com/office/drawing/2010/main" xmlns="">
                 <a:solidFill>
                   <a:schemeClr val="accent1"/>
                 </a:solidFill>
               </a14:hiddenFill>
             </a:ext>
             <a:ext uri="{91240B29-F687-4F45-9708-019B960494DF}">
-              <a14:hiddenLine xmlns:a14="http://schemas.microsoft.com/office/drawing/2010/main" w="9525">
+              <a14:hiddenLine xmlns:a14="http://schemas.microsoft.com/office/drawing/2010/main" xmlns="" w="9525">
                 <a:solidFill>
                   <a:schemeClr val="tx1"/>
                 </a:solidFill>
@@ -852,7 +852,7 @@
               </a14:hiddenLine>
             </a:ext>
             <a:ext uri="{AF507438-7753-43E0-B8FC-AC1667EBCBE1}">
-              <a14:hiddenEffects xmlns:a14="http://schemas.microsoft.com/office/drawing/2010/main">
+              <a14:hiddenEffects xmlns:a14="http://schemas.microsoft.com/office/drawing/2010/main" xmlns="">
                 <a:effectLst>
                   <a:outerShdw dist="35921" dir="2700000" algn="ctr" rotWithShape="0">
                     <a:schemeClr val="bg2"/>
@@ -906,14 +906,14 @@
           <a:effectLst/>
           <a:extLst>
             <a:ext uri="{909E8E84-426E-40DD-AFC4-6F175D3DCCD1}">
-              <a14:hiddenFill xmlns:a14="http://schemas.microsoft.com/office/drawing/2010/main">
+              <a14:hiddenFill xmlns:a14="http://schemas.microsoft.com/office/drawing/2010/main" xmlns="">
                 <a:solidFill>
                   <a:schemeClr val="accent1"/>
                 </a:solidFill>
               </a14:hiddenFill>
             </a:ext>
             <a:ext uri="{91240B29-F687-4F45-9708-019B960494DF}">
-              <a14:hiddenLine xmlns:a14="http://schemas.microsoft.com/office/drawing/2010/main" w="9525">
+              <a14:hiddenLine xmlns:a14="http://schemas.microsoft.com/office/drawing/2010/main" xmlns="" w="9525">
                 <a:solidFill>
                   <a:schemeClr val="tx1"/>
                 </a:solidFill>
@@ -923,7 +923,7 @@
               </a14:hiddenLine>
             </a:ext>
             <a:ext uri="{AF507438-7753-43E0-B8FC-AC1667EBCBE1}">
-              <a14:hiddenEffects xmlns:a14="http://schemas.microsoft.com/office/drawing/2010/main">
+              <a14:hiddenEffects xmlns:a14="http://schemas.microsoft.com/office/drawing/2010/main" xmlns="">
                 <a:effectLst>
                   <a:outerShdw dist="35921" dir="2700000" algn="ctr" rotWithShape="0">
                     <a:schemeClr val="bg2"/>
@@ -960,7 +960,7 @@
     </p:spTree>
     <p:extLst>
       <p:ext uri="{BB962C8B-B14F-4D97-AF65-F5344CB8AC3E}">
-        <p14:creationId xmlns:p14="http://schemas.microsoft.com/office/powerpoint/2010/main" val="4157978950"/>
+        <p14:creationId xmlns:p14="http://schemas.microsoft.com/office/powerpoint/2010/main" xmlns="" val="4157978950"/>
       </p:ext>
     </p:extLst>
   </p:cSld>
@@ -1165,7 +1165,7 @@
     </p:spTree>
     <p:extLst>
       <p:ext uri="{BB962C8B-B14F-4D97-AF65-F5344CB8AC3E}">
-        <p14:creationId xmlns:p14="http://schemas.microsoft.com/office/powerpoint/2010/main" val="3794266527"/>
+        <p14:creationId xmlns:p14="http://schemas.microsoft.com/office/powerpoint/2010/main" xmlns="" val="3794266527"/>
       </p:ext>
     </p:extLst>
   </p:cSld>
@@ -1250,7 +1250,7 @@
     </p:spTree>
     <p:extLst>
       <p:ext uri="{BB962C8B-B14F-4D97-AF65-F5344CB8AC3E}">
-        <p14:creationId xmlns:p14="http://schemas.microsoft.com/office/powerpoint/2010/main" val="4288828532"/>
+        <p14:creationId xmlns:p14="http://schemas.microsoft.com/office/powerpoint/2010/main" xmlns="" val="4288828532"/>
       </p:ext>
     </p:extLst>
   </p:cSld>
@@ -1335,7 +1335,7 @@
     </p:spTree>
     <p:extLst>
       <p:ext uri="{BB962C8B-B14F-4D97-AF65-F5344CB8AC3E}">
-        <p14:creationId xmlns:p14="http://schemas.microsoft.com/office/powerpoint/2010/main" val="3173634484"/>
+        <p14:creationId xmlns:p14="http://schemas.microsoft.com/office/powerpoint/2010/main" xmlns="" val="3173634484"/>
       </p:ext>
     </p:extLst>
   </p:cSld>
@@ -1420,7 +1420,7 @@
     </p:spTree>
     <p:extLst>
       <p:ext uri="{BB962C8B-B14F-4D97-AF65-F5344CB8AC3E}">
-        <p14:creationId xmlns:p14="http://schemas.microsoft.com/office/powerpoint/2010/main" val="2641915775"/>
+        <p14:creationId xmlns:p14="http://schemas.microsoft.com/office/powerpoint/2010/main" xmlns="" val="2641915775"/>
       </p:ext>
     </p:extLst>
   </p:cSld>
@@ -1505,7 +1505,7 @@
     </p:spTree>
     <p:extLst>
       <p:ext uri="{BB962C8B-B14F-4D97-AF65-F5344CB8AC3E}">
-        <p14:creationId xmlns:p14="http://schemas.microsoft.com/office/powerpoint/2010/main" val="2641915775"/>
+        <p14:creationId xmlns:p14="http://schemas.microsoft.com/office/powerpoint/2010/main" xmlns="" val="2641915775"/>
       </p:ext>
     </p:extLst>
   </p:cSld>
@@ -1590,7 +1590,7 @@
     </p:spTree>
     <p:extLst>
       <p:ext uri="{BB962C8B-B14F-4D97-AF65-F5344CB8AC3E}">
-        <p14:creationId xmlns:p14="http://schemas.microsoft.com/office/powerpoint/2010/main" val="1182601076"/>
+        <p14:creationId xmlns:p14="http://schemas.microsoft.com/office/powerpoint/2010/main" xmlns="" val="1182601076"/>
       </p:ext>
     </p:extLst>
   </p:cSld>
@@ -1675,7 +1675,7 @@
     </p:spTree>
     <p:extLst>
       <p:ext uri="{BB962C8B-B14F-4D97-AF65-F5344CB8AC3E}">
-        <p14:creationId xmlns:p14="http://schemas.microsoft.com/office/powerpoint/2010/main" val="1182601076"/>
+        <p14:creationId xmlns:p14="http://schemas.microsoft.com/office/powerpoint/2010/main" xmlns="" val="1182601076"/>
       </p:ext>
     </p:extLst>
   </p:cSld>
@@ -1760,7 +1760,7 @@
     </p:spTree>
     <p:extLst>
       <p:ext uri="{BB962C8B-B14F-4D97-AF65-F5344CB8AC3E}">
-        <p14:creationId xmlns:p14="http://schemas.microsoft.com/office/powerpoint/2010/main" val="3838235953"/>
+        <p14:creationId xmlns:p14="http://schemas.microsoft.com/office/powerpoint/2010/main" xmlns="" val="3838235953"/>
       </p:ext>
     </p:extLst>
   </p:cSld>
@@ -1836,7 +1836,7 @@
             <a:effectLst/>
             <a:extLst>
               <a:ext uri="{91240B29-F687-4F45-9708-019B960494DF}">
-                <a14:hiddenLine xmlns:a14="http://schemas.microsoft.com/office/drawing/2010/main" w="9525">
+                <a14:hiddenLine xmlns:a14="http://schemas.microsoft.com/office/drawing/2010/main" xmlns="" w="9525">
                   <a:solidFill>
                     <a:schemeClr val="tx1"/>
                   </a:solidFill>
@@ -1846,7 +1846,7 @@
                 </a14:hiddenLine>
               </a:ext>
               <a:ext uri="{AF507438-7753-43E0-B8FC-AC1667EBCBE1}">
-                <a14:hiddenEffects xmlns:a14="http://schemas.microsoft.com/office/drawing/2010/main">
+                <a14:hiddenEffects xmlns:a14="http://schemas.microsoft.com/office/drawing/2010/main" xmlns="">
                   <a:effectLst>
                     <a:outerShdw dist="35921" dir="2700000" algn="ctr" rotWithShape="0">
                       <a:schemeClr val="bg2"/>
@@ -1899,7 +1899,7 @@
             </a:ln>
             <a:extLst>
               <a:ext uri="{91240B29-F687-4F45-9708-019B960494DF}">
-                <a14:hiddenLine xmlns:a14="http://schemas.microsoft.com/office/drawing/2010/main" w="9525">
+                <a14:hiddenLine xmlns:a14="http://schemas.microsoft.com/office/drawing/2010/main" xmlns="" w="9525">
                   <a:solidFill>
                     <a:srgbClr val="000000"/>
                   </a:solidFill>
@@ -1969,7 +1969,7 @@
               </a:ln>
               <a:extLst>
                 <a:ext uri="{91240B29-F687-4F45-9708-019B960494DF}">
-                  <a14:hiddenLine xmlns:a14="http://schemas.microsoft.com/office/drawing/2010/main" w="9525">
+                  <a14:hiddenLine xmlns:a14="http://schemas.microsoft.com/office/drawing/2010/main" xmlns="" w="9525">
                     <a:solidFill>
                       <a:srgbClr val="000000"/>
                     </a:solidFill>
@@ -2023,7 +2023,7 @@
               </a:ln>
               <a:extLst>
                 <a:ext uri="{91240B29-F687-4F45-9708-019B960494DF}">
-                  <a14:hiddenLine xmlns:a14="http://schemas.microsoft.com/office/drawing/2010/main" w="9525">
+                  <a14:hiddenLine xmlns:a14="http://schemas.microsoft.com/office/drawing/2010/main" xmlns="" w="9525">
                     <a:solidFill>
                       <a:srgbClr val="000000"/>
                     </a:solidFill>
@@ -2077,7 +2077,7 @@
               </a:ln>
               <a:extLst>
                 <a:ext uri="{91240B29-F687-4F45-9708-019B960494DF}">
-                  <a14:hiddenLine xmlns:a14="http://schemas.microsoft.com/office/drawing/2010/main" w="9525">
+                  <a14:hiddenLine xmlns:a14="http://schemas.microsoft.com/office/drawing/2010/main" xmlns="" w="9525">
                     <a:solidFill>
                       <a:srgbClr val="000000"/>
                     </a:solidFill>
@@ -2131,7 +2131,7 @@
               </a:ln>
               <a:extLst>
                 <a:ext uri="{91240B29-F687-4F45-9708-019B960494DF}">
-                  <a14:hiddenLine xmlns:a14="http://schemas.microsoft.com/office/drawing/2010/main" w="9525">
+                  <a14:hiddenLine xmlns:a14="http://schemas.microsoft.com/office/drawing/2010/main" xmlns="" w="9525">
                     <a:solidFill>
                       <a:srgbClr val="000000"/>
                     </a:solidFill>
@@ -2185,7 +2185,7 @@
               </a:ln>
               <a:extLst>
                 <a:ext uri="{91240B29-F687-4F45-9708-019B960494DF}">
-                  <a14:hiddenLine xmlns:a14="http://schemas.microsoft.com/office/drawing/2010/main" w="9525">
+                  <a14:hiddenLine xmlns:a14="http://schemas.microsoft.com/office/drawing/2010/main" xmlns="" w="9525">
                     <a:solidFill>
                       <a:srgbClr val="000000"/>
                     </a:solidFill>
@@ -2239,7 +2239,7 @@
               </a:ln>
               <a:extLst>
                 <a:ext uri="{91240B29-F687-4F45-9708-019B960494DF}">
-                  <a14:hiddenLine xmlns:a14="http://schemas.microsoft.com/office/drawing/2010/main" w="9525">
+                  <a14:hiddenLine xmlns:a14="http://schemas.microsoft.com/office/drawing/2010/main" xmlns="" w="9525">
                     <a:solidFill>
                       <a:srgbClr val="000000"/>
                     </a:solidFill>
@@ -2293,7 +2293,7 @@
               </a:ln>
               <a:extLst>
                 <a:ext uri="{91240B29-F687-4F45-9708-019B960494DF}">
-                  <a14:hiddenLine xmlns:a14="http://schemas.microsoft.com/office/drawing/2010/main" w="9525">
+                  <a14:hiddenLine xmlns:a14="http://schemas.microsoft.com/office/drawing/2010/main" xmlns="" w="9525">
                     <a:solidFill>
                       <a:srgbClr val="000000"/>
                     </a:solidFill>
@@ -2347,7 +2347,7 @@
               </a:ln>
               <a:extLst>
                 <a:ext uri="{91240B29-F687-4F45-9708-019B960494DF}">
-                  <a14:hiddenLine xmlns:a14="http://schemas.microsoft.com/office/drawing/2010/main" w="9525">
+                  <a14:hiddenLine xmlns:a14="http://schemas.microsoft.com/office/drawing/2010/main" xmlns="" w="9525">
                     <a:solidFill>
                       <a:srgbClr val="000000"/>
                     </a:solidFill>
@@ -2401,7 +2401,7 @@
               </a:ln>
               <a:extLst>
                 <a:ext uri="{91240B29-F687-4F45-9708-019B960494DF}">
-                  <a14:hiddenLine xmlns:a14="http://schemas.microsoft.com/office/drawing/2010/main" w="9525">
+                  <a14:hiddenLine xmlns:a14="http://schemas.microsoft.com/office/drawing/2010/main" xmlns="" w="9525">
                     <a:solidFill>
                       <a:srgbClr val="000000"/>
                     </a:solidFill>
@@ -2455,7 +2455,7 @@
               </a:ln>
               <a:extLst>
                 <a:ext uri="{91240B29-F687-4F45-9708-019B960494DF}">
-                  <a14:hiddenLine xmlns:a14="http://schemas.microsoft.com/office/drawing/2010/main" w="9525">
+                  <a14:hiddenLine xmlns:a14="http://schemas.microsoft.com/office/drawing/2010/main" xmlns="" w="9525">
                     <a:solidFill>
                       <a:srgbClr val="000000"/>
                     </a:solidFill>
@@ -2814,7 +2814,7 @@
     </p:spTree>
     <p:extLst>
       <p:ext uri="{BB962C8B-B14F-4D97-AF65-F5344CB8AC3E}">
-        <p14:creationId xmlns:p14="http://schemas.microsoft.com/office/powerpoint/2010/main" val="86913377"/>
+        <p14:creationId xmlns:p14="http://schemas.microsoft.com/office/powerpoint/2010/main" xmlns="" val="86913377"/>
       </p:ext>
     </p:extLst>
   </p:cSld>
@@ -3004,7 +3004,7 @@
     </p:spTree>
     <p:extLst>
       <p:ext uri="{BB962C8B-B14F-4D97-AF65-F5344CB8AC3E}">
-        <p14:creationId xmlns:p14="http://schemas.microsoft.com/office/powerpoint/2010/main" val="4273429077"/>
+        <p14:creationId xmlns:p14="http://schemas.microsoft.com/office/powerpoint/2010/main" xmlns="" val="4273429077"/>
       </p:ext>
     </p:extLst>
   </p:cSld>
@@ -3266,7 +3266,7 @@
     </p:spTree>
     <p:extLst>
       <p:ext uri="{BB962C8B-B14F-4D97-AF65-F5344CB8AC3E}">
-        <p14:creationId xmlns:p14="http://schemas.microsoft.com/office/powerpoint/2010/main" val="831120082"/>
+        <p14:creationId xmlns:p14="http://schemas.microsoft.com/office/powerpoint/2010/main" xmlns="" val="831120082"/>
       </p:ext>
     </p:extLst>
   </p:cSld>
@@ -3499,7 +3499,7 @@
     </p:spTree>
     <p:extLst>
       <p:ext uri="{BB962C8B-B14F-4D97-AF65-F5344CB8AC3E}">
-        <p14:creationId xmlns:p14="http://schemas.microsoft.com/office/powerpoint/2010/main" val="2373605731"/>
+        <p14:creationId xmlns:p14="http://schemas.microsoft.com/office/powerpoint/2010/main" xmlns="" val="2373605731"/>
       </p:ext>
     </p:extLst>
   </p:cSld>
@@ -3732,7 +3732,7 @@
     </p:spTree>
     <p:extLst>
       <p:ext uri="{BB962C8B-B14F-4D97-AF65-F5344CB8AC3E}">
-        <p14:creationId xmlns:p14="http://schemas.microsoft.com/office/powerpoint/2010/main" val="1881871935"/>
+        <p14:creationId xmlns:p14="http://schemas.microsoft.com/office/powerpoint/2010/main" xmlns="" val="1881871935"/>
       </p:ext>
     </p:extLst>
   </p:cSld>
@@ -3912,7 +3912,7 @@
     </p:spTree>
     <p:extLst>
       <p:ext uri="{BB962C8B-B14F-4D97-AF65-F5344CB8AC3E}">
-        <p14:creationId xmlns:p14="http://schemas.microsoft.com/office/powerpoint/2010/main" val="2048350811"/>
+        <p14:creationId xmlns:p14="http://schemas.microsoft.com/office/powerpoint/2010/main" xmlns="" val="2048350811"/>
       </p:ext>
     </p:extLst>
   </p:cSld>
@@ -4114,7 +4114,7 @@
     </p:spTree>
     <p:extLst>
       <p:ext uri="{BB962C8B-B14F-4D97-AF65-F5344CB8AC3E}">
-        <p14:creationId xmlns:p14="http://schemas.microsoft.com/office/powerpoint/2010/main" val="2196783589"/>
+        <p14:creationId xmlns:p14="http://schemas.microsoft.com/office/powerpoint/2010/main" xmlns="" val="2196783589"/>
       </p:ext>
     </p:extLst>
   </p:cSld>
@@ -4412,7 +4412,7 @@
     </p:spTree>
     <p:extLst>
       <p:ext uri="{BB962C8B-B14F-4D97-AF65-F5344CB8AC3E}">
-        <p14:creationId xmlns:p14="http://schemas.microsoft.com/office/powerpoint/2010/main" val="814128731"/>
+        <p14:creationId xmlns:p14="http://schemas.microsoft.com/office/powerpoint/2010/main" xmlns="" val="814128731"/>
       </p:ext>
     </p:extLst>
   </p:cSld>
@@ -4849,7 +4849,7 @@
     </p:spTree>
     <p:extLst>
       <p:ext uri="{BB962C8B-B14F-4D97-AF65-F5344CB8AC3E}">
-        <p14:creationId xmlns:p14="http://schemas.microsoft.com/office/powerpoint/2010/main" val="692798999"/>
+        <p14:creationId xmlns:p14="http://schemas.microsoft.com/office/powerpoint/2010/main" xmlns="" val="692798999"/>
       </p:ext>
     </p:extLst>
   </p:cSld>
@@ -4977,7 +4977,7 @@
     </p:spTree>
     <p:extLst>
       <p:ext uri="{BB962C8B-B14F-4D97-AF65-F5344CB8AC3E}">
-        <p14:creationId xmlns:p14="http://schemas.microsoft.com/office/powerpoint/2010/main" val="971838808"/>
+        <p14:creationId xmlns:p14="http://schemas.microsoft.com/office/powerpoint/2010/main" xmlns="" val="971838808"/>
       </p:ext>
     </p:extLst>
   </p:cSld>
@@ -5082,7 +5082,7 @@
     </p:spTree>
     <p:extLst>
       <p:ext uri="{BB962C8B-B14F-4D97-AF65-F5344CB8AC3E}">
-        <p14:creationId xmlns:p14="http://schemas.microsoft.com/office/powerpoint/2010/main" val="4268550838"/>
+        <p14:creationId xmlns:p14="http://schemas.microsoft.com/office/powerpoint/2010/main" xmlns="" val="4268550838"/>
       </p:ext>
     </p:extLst>
   </p:cSld>
@@ -5369,7 +5369,7 @@
     </p:spTree>
     <p:extLst>
       <p:ext uri="{BB962C8B-B14F-4D97-AF65-F5344CB8AC3E}">
-        <p14:creationId xmlns:p14="http://schemas.microsoft.com/office/powerpoint/2010/main" val="835405000"/>
+        <p14:creationId xmlns:p14="http://schemas.microsoft.com/office/powerpoint/2010/main" xmlns="" val="835405000"/>
       </p:ext>
     </p:extLst>
   </p:cSld>
@@ -5636,7 +5636,7 @@
     </p:spTree>
     <p:extLst>
       <p:ext uri="{BB962C8B-B14F-4D97-AF65-F5344CB8AC3E}">
-        <p14:creationId xmlns:p14="http://schemas.microsoft.com/office/powerpoint/2010/main" val="1218909942"/>
+        <p14:creationId xmlns:p14="http://schemas.microsoft.com/office/powerpoint/2010/main" xmlns="" val="1218909942"/>
       </p:ext>
     </p:extLst>
   </p:cSld>
@@ -5697,14 +5697,14 @@
           <a:effectLst/>
           <a:extLst>
             <a:ext uri="{909E8E84-426E-40DD-AFC4-6F175D3DCCD1}">
-              <a14:hiddenFill xmlns:a14="http://schemas.microsoft.com/office/drawing/2010/main">
+              <a14:hiddenFill xmlns:a14="http://schemas.microsoft.com/office/drawing/2010/main" xmlns="">
                 <a:solidFill>
                   <a:schemeClr val="accent1"/>
                 </a:solidFill>
               </a14:hiddenFill>
             </a:ext>
             <a:ext uri="{91240B29-F687-4F45-9708-019B960494DF}">
-              <a14:hiddenLine xmlns:a14="http://schemas.microsoft.com/office/drawing/2010/main" w="9525">
+              <a14:hiddenLine xmlns:a14="http://schemas.microsoft.com/office/drawing/2010/main" xmlns="" w="9525">
                 <a:solidFill>
                   <a:schemeClr val="tx1"/>
                 </a:solidFill>
@@ -5714,7 +5714,7 @@
               </a14:hiddenLine>
             </a:ext>
             <a:ext uri="{AF507438-7753-43E0-B8FC-AC1667EBCBE1}">
-              <a14:hiddenEffects xmlns:a14="http://schemas.microsoft.com/office/drawing/2010/main">
+              <a14:hiddenEffects xmlns:a14="http://schemas.microsoft.com/office/drawing/2010/main" xmlns="">
                 <a:effectLst>
                   <a:outerShdw dist="35921" dir="2700000" algn="ctr" rotWithShape="0">
                     <a:schemeClr val="bg2"/>
@@ -5767,14 +5767,14 @@
           <a:effectLst/>
           <a:extLst>
             <a:ext uri="{909E8E84-426E-40DD-AFC4-6F175D3DCCD1}">
-              <a14:hiddenFill xmlns:a14="http://schemas.microsoft.com/office/drawing/2010/main">
+              <a14:hiddenFill xmlns:a14="http://schemas.microsoft.com/office/drawing/2010/main" xmlns="">
                 <a:solidFill>
                   <a:schemeClr val="accent1"/>
                 </a:solidFill>
               </a14:hiddenFill>
             </a:ext>
             <a:ext uri="{91240B29-F687-4F45-9708-019B960494DF}">
-              <a14:hiddenLine xmlns:a14="http://schemas.microsoft.com/office/drawing/2010/main" w="9525">
+              <a14:hiddenLine xmlns:a14="http://schemas.microsoft.com/office/drawing/2010/main" xmlns="" w="9525">
                 <a:solidFill>
                   <a:schemeClr val="tx1"/>
                 </a:solidFill>
@@ -5784,7 +5784,7 @@
               </a14:hiddenLine>
             </a:ext>
             <a:ext uri="{AF507438-7753-43E0-B8FC-AC1667EBCBE1}">
-              <a14:hiddenEffects xmlns:a14="http://schemas.microsoft.com/office/drawing/2010/main">
+              <a14:hiddenEffects xmlns:a14="http://schemas.microsoft.com/office/drawing/2010/main" xmlns="">
                 <a:effectLst>
                   <a:outerShdw dist="35921" dir="2700000" algn="ctr" rotWithShape="0">
                     <a:schemeClr val="bg2"/>
@@ -5867,7 +5867,7 @@
             <a:effectLst/>
             <a:extLst>
               <a:ext uri="{91240B29-F687-4F45-9708-019B960494DF}">
-                <a14:hiddenLine xmlns:a14="http://schemas.microsoft.com/office/drawing/2010/main" w="9525">
+                <a14:hiddenLine xmlns:a14="http://schemas.microsoft.com/office/drawing/2010/main" xmlns="" w="9525">
                   <a:solidFill>
                     <a:schemeClr val="tx1"/>
                   </a:solidFill>
@@ -5877,7 +5877,7 @@
                 </a14:hiddenLine>
               </a:ext>
               <a:ext uri="{AF507438-7753-43E0-B8FC-AC1667EBCBE1}">
-                <a14:hiddenEffects xmlns:a14="http://schemas.microsoft.com/office/drawing/2010/main">
+                <a14:hiddenEffects xmlns:a14="http://schemas.microsoft.com/office/drawing/2010/main" xmlns="">
                   <a:effectLst>
                     <a:outerShdw dist="35921" dir="2700000" algn="ctr" rotWithShape="0">
                       <a:schemeClr val="bg2"/>
@@ -5938,7 +5938,7 @@
             </a:ln>
             <a:extLst>
               <a:ext uri="{91240B29-F687-4F45-9708-019B960494DF}">
-                <a14:hiddenLine xmlns:a14="http://schemas.microsoft.com/office/drawing/2010/main" w="9525">
+                <a14:hiddenLine xmlns:a14="http://schemas.microsoft.com/office/drawing/2010/main" xmlns="" w="9525">
                   <a:solidFill>
                     <a:srgbClr val="000000"/>
                   </a:solidFill>
@@ -5992,7 +5992,7 @@
             </a:ln>
             <a:extLst>
               <a:ext uri="{91240B29-F687-4F45-9708-019B960494DF}">
-                <a14:hiddenLine xmlns:a14="http://schemas.microsoft.com/office/drawing/2010/main" w="9525">
+                <a14:hiddenLine xmlns:a14="http://schemas.microsoft.com/office/drawing/2010/main" xmlns="" w="9525">
                   <a:solidFill>
                     <a:srgbClr val="000000"/>
                   </a:solidFill>
@@ -6041,7 +6041,7 @@
             </a:ln>
             <a:extLst>
               <a:ext uri="{91240B29-F687-4F45-9708-019B960494DF}">
-                <a14:hiddenLine xmlns:a14="http://schemas.microsoft.com/office/drawing/2010/main" w="9525">
+                <a14:hiddenLine xmlns:a14="http://schemas.microsoft.com/office/drawing/2010/main" xmlns="" w="9525">
                   <a:solidFill>
                     <a:srgbClr val="000000"/>
                   </a:solidFill>
@@ -6090,7 +6090,7 @@
             </a:ln>
             <a:extLst>
               <a:ext uri="{91240B29-F687-4F45-9708-019B960494DF}">
-                <a14:hiddenLine xmlns:a14="http://schemas.microsoft.com/office/drawing/2010/main" w="9525">
+                <a14:hiddenLine xmlns:a14="http://schemas.microsoft.com/office/drawing/2010/main" xmlns="" w="9525">
                   <a:solidFill>
                     <a:srgbClr val="000000"/>
                   </a:solidFill>
@@ -6139,7 +6139,7 @@
             </a:ln>
             <a:extLst>
               <a:ext uri="{91240B29-F687-4F45-9708-019B960494DF}">
-                <a14:hiddenLine xmlns:a14="http://schemas.microsoft.com/office/drawing/2010/main" w="9525">
+                <a14:hiddenLine xmlns:a14="http://schemas.microsoft.com/office/drawing/2010/main" xmlns="" w="9525">
                   <a:solidFill>
                     <a:srgbClr val="000000"/>
                   </a:solidFill>
@@ -6188,7 +6188,7 @@
             </a:ln>
             <a:extLst>
               <a:ext uri="{91240B29-F687-4F45-9708-019B960494DF}">
-                <a14:hiddenLine xmlns:a14="http://schemas.microsoft.com/office/drawing/2010/main" w="9525">
+                <a14:hiddenLine xmlns:a14="http://schemas.microsoft.com/office/drawing/2010/main" xmlns="" w="9525">
                   <a:solidFill>
                     <a:srgbClr val="000000"/>
                   </a:solidFill>
@@ -6242,7 +6242,7 @@
             </a:ln>
             <a:extLst>
               <a:ext uri="{91240B29-F687-4F45-9708-019B960494DF}">
-                <a14:hiddenLine xmlns:a14="http://schemas.microsoft.com/office/drawing/2010/main" w="9525">
+                <a14:hiddenLine xmlns:a14="http://schemas.microsoft.com/office/drawing/2010/main" xmlns="" w="9525">
                   <a:solidFill>
                     <a:srgbClr val="000000"/>
                   </a:solidFill>
@@ -6291,7 +6291,7 @@
             </a:ln>
             <a:extLst>
               <a:ext uri="{91240B29-F687-4F45-9708-019B960494DF}">
-                <a14:hiddenLine xmlns:a14="http://schemas.microsoft.com/office/drawing/2010/main" w="9525">
+                <a14:hiddenLine xmlns:a14="http://schemas.microsoft.com/office/drawing/2010/main" xmlns="" w="9525">
                   <a:solidFill>
                     <a:srgbClr val="000000"/>
                   </a:solidFill>
@@ -6342,14 +6342,14 @@
           <a:effectLst/>
           <a:extLst>
             <a:ext uri="{909E8E84-426E-40DD-AFC4-6F175D3DCCD1}">
-              <a14:hiddenFill xmlns:a14="http://schemas.microsoft.com/office/drawing/2010/main">
+              <a14:hiddenFill xmlns:a14="http://schemas.microsoft.com/office/drawing/2010/main" xmlns="">
                 <a:solidFill>
                   <a:schemeClr val="accent1"/>
                 </a:solidFill>
               </a14:hiddenFill>
             </a:ext>
             <a:ext uri="{91240B29-F687-4F45-9708-019B960494DF}">
-              <a14:hiddenLine xmlns:a14="http://schemas.microsoft.com/office/drawing/2010/main" w="9525">
+              <a14:hiddenLine xmlns:a14="http://schemas.microsoft.com/office/drawing/2010/main" xmlns="" w="9525">
                 <a:solidFill>
                   <a:schemeClr val="tx1"/>
                 </a:solidFill>
@@ -6359,7 +6359,7 @@
               </a14:hiddenLine>
             </a:ext>
             <a:ext uri="{AF507438-7753-43E0-B8FC-AC1667EBCBE1}">
-              <a14:hiddenEffects xmlns:a14="http://schemas.microsoft.com/office/drawing/2010/main">
+              <a14:hiddenEffects xmlns:a14="http://schemas.microsoft.com/office/drawing/2010/main" xmlns="">
                 <a:effectLst>
                   <a:outerShdw dist="35921" dir="2700000" algn="ctr" rotWithShape="0">
                     <a:schemeClr val="bg2"/>
@@ -6410,14 +6410,14 @@
           <a:effectLst/>
           <a:extLst>
             <a:ext uri="{909E8E84-426E-40DD-AFC4-6F175D3DCCD1}">
-              <a14:hiddenFill xmlns:a14="http://schemas.microsoft.com/office/drawing/2010/main">
+              <a14:hiddenFill xmlns:a14="http://schemas.microsoft.com/office/drawing/2010/main" xmlns="">
                 <a:solidFill>
                   <a:schemeClr val="accent1"/>
                 </a:solidFill>
               </a14:hiddenFill>
             </a:ext>
             <a:ext uri="{91240B29-F687-4F45-9708-019B960494DF}">
-              <a14:hiddenLine xmlns:a14="http://schemas.microsoft.com/office/drawing/2010/main" w="9525">
+              <a14:hiddenLine xmlns:a14="http://schemas.microsoft.com/office/drawing/2010/main" xmlns="" w="9525">
                 <a:solidFill>
                   <a:schemeClr val="tx1"/>
                 </a:solidFill>
@@ -6427,7 +6427,7 @@
               </a14:hiddenLine>
             </a:ext>
             <a:ext uri="{AF507438-7753-43E0-B8FC-AC1667EBCBE1}">
-              <a14:hiddenEffects xmlns:a14="http://schemas.microsoft.com/office/drawing/2010/main">
+              <a14:hiddenEffects xmlns:a14="http://schemas.microsoft.com/office/drawing/2010/main" xmlns="">
                 <a:effectLst>
                   <a:outerShdw dist="35921" dir="2700000" algn="ctr" rotWithShape="0">
                     <a:schemeClr val="bg2"/>
@@ -6506,14 +6506,14 @@
           <a:effectLst/>
           <a:extLst>
             <a:ext uri="{909E8E84-426E-40DD-AFC4-6F175D3DCCD1}">
-              <a14:hiddenFill xmlns:a14="http://schemas.microsoft.com/office/drawing/2010/main">
+              <a14:hiddenFill xmlns:a14="http://schemas.microsoft.com/office/drawing/2010/main" xmlns="">
                 <a:solidFill>
                   <a:schemeClr val="accent1"/>
                 </a:solidFill>
               </a14:hiddenFill>
             </a:ext>
             <a:ext uri="{91240B29-F687-4F45-9708-019B960494DF}">
-              <a14:hiddenLine xmlns:a14="http://schemas.microsoft.com/office/drawing/2010/main" w="9525">
+              <a14:hiddenLine xmlns:a14="http://schemas.microsoft.com/office/drawing/2010/main" xmlns="" w="9525">
                 <a:solidFill>
                   <a:schemeClr val="tx1"/>
                 </a:solidFill>
@@ -6523,7 +6523,7 @@
               </a14:hiddenLine>
             </a:ext>
             <a:ext uri="{AF507438-7753-43E0-B8FC-AC1667EBCBE1}">
-              <a14:hiddenEffects xmlns:a14="http://schemas.microsoft.com/office/drawing/2010/main">
+              <a14:hiddenEffects xmlns:a14="http://schemas.microsoft.com/office/drawing/2010/main" xmlns="">
                 <a:effectLst>
                   <a:outerShdw dist="35921" dir="2700000" algn="ctr" rotWithShape="0">
                     <a:schemeClr val="bg2"/>
@@ -7232,7 +7232,7 @@
             <a:effectLst/>
             <a:extLst>
               <a:ext uri="{AF507438-7753-43E0-B8FC-AC1667EBCBE1}">
-                <a14:hiddenEffects xmlns:a14="http://schemas.microsoft.com/office/drawing/2010/main">
+                <a14:hiddenEffects xmlns:a14="http://schemas.microsoft.com/office/drawing/2010/main" xmlns="">
                   <a:effectLst>
                     <a:outerShdw dist="35921" dir="2700000" algn="ctr" rotWithShape="0">
                       <a:schemeClr val="bg2"/>
@@ -7272,7 +7272,7 @@
             <a:effectLst/>
             <a:extLst>
               <a:ext uri="{AF507438-7753-43E0-B8FC-AC1667EBCBE1}">
-                <a14:hiddenEffects xmlns:a14="http://schemas.microsoft.com/office/drawing/2010/main">
+                <a14:hiddenEffects xmlns:a14="http://schemas.microsoft.com/office/drawing/2010/main" xmlns="">
                   <a:effectLst>
                     <a:outerShdw dist="35921" dir="2700000" algn="ctr" rotWithShape="0">
                       <a:schemeClr val="bg2"/>
@@ -7312,7 +7312,7 @@
             <a:effectLst/>
             <a:extLst>
               <a:ext uri="{AF507438-7753-43E0-B8FC-AC1667EBCBE1}">
-                <a14:hiddenEffects xmlns:a14="http://schemas.microsoft.com/office/drawing/2010/main">
+                <a14:hiddenEffects xmlns:a14="http://schemas.microsoft.com/office/drawing/2010/main" xmlns="">
                   <a:effectLst>
                     <a:outerShdw dist="35921" dir="2700000" algn="ctr" rotWithShape="0">
                       <a:schemeClr val="bg2"/>
@@ -7355,7 +7355,7 @@
             <a:effectLst/>
             <a:extLst>
               <a:ext uri="{AF507438-7753-43E0-B8FC-AC1667EBCBE1}">
-                <a14:hiddenEffects xmlns:a14="http://schemas.microsoft.com/office/drawing/2010/main">
+                <a14:hiddenEffects xmlns:a14="http://schemas.microsoft.com/office/drawing/2010/main" xmlns="">
                   <a:effectLst>
                     <a:outerShdw dist="35921" dir="2700000" algn="ctr" rotWithShape="0">
                       <a:schemeClr val="bg2"/>
@@ -7406,7 +7406,7 @@
     </p:spTree>
     <p:extLst>
       <p:ext uri="{BB962C8B-B14F-4D97-AF65-F5344CB8AC3E}">
-        <p14:creationId xmlns:p14="http://schemas.microsoft.com/office/powerpoint/2010/main" val="3390025326"/>
+        <p14:creationId xmlns:p14="http://schemas.microsoft.com/office/powerpoint/2010/main" xmlns="" val="3390025326"/>
       </p:ext>
     </p:extLst>
   </p:cSld>
@@ -7416,6 +7416,13 @@
   <p:transition spd="med">
     <p:blinds dir="vert"/>
   </p:transition>
+  <p:timing>
+    <p:tnLst>
+      <p:par>
+        <p:cTn id="1" dur="indefinite" restart="never" nodeType="tmRoot"/>
+      </p:par>
+    </p:tnLst>
+  </p:timing>
 </p:sld>
 </file>
 
@@ -7671,7 +7678,7 @@
             <a:effectLst/>
             <a:extLst>
               <a:ext uri="{AF507438-7753-43E0-B8FC-AC1667EBCBE1}">
-                <a14:hiddenEffects xmlns:a14="http://schemas.microsoft.com/office/drawing/2010/main">
+                <a14:hiddenEffects xmlns:a14="http://schemas.microsoft.com/office/drawing/2010/main" xmlns="">
                   <a:effectLst>
                     <a:outerShdw dist="35921" dir="2700000" algn="ctr" rotWithShape="0">
                       <a:schemeClr val="bg2"/>
@@ -7711,7 +7718,7 @@
             <a:effectLst/>
             <a:extLst>
               <a:ext uri="{AF507438-7753-43E0-B8FC-AC1667EBCBE1}">
-                <a14:hiddenEffects xmlns:a14="http://schemas.microsoft.com/office/drawing/2010/main">
+                <a14:hiddenEffects xmlns:a14="http://schemas.microsoft.com/office/drawing/2010/main" xmlns="">
                   <a:effectLst>
                     <a:outerShdw dist="35921" dir="2700000" algn="ctr" rotWithShape="0">
                       <a:schemeClr val="bg2"/>
@@ -7751,7 +7758,7 @@
             <a:effectLst/>
             <a:extLst>
               <a:ext uri="{AF507438-7753-43E0-B8FC-AC1667EBCBE1}">
-                <a14:hiddenEffects xmlns:a14="http://schemas.microsoft.com/office/drawing/2010/main">
+                <a14:hiddenEffects xmlns:a14="http://schemas.microsoft.com/office/drawing/2010/main" xmlns="">
                   <a:effectLst>
                     <a:outerShdw dist="35921" dir="2700000" algn="ctr" rotWithShape="0">
                       <a:schemeClr val="bg2"/>
@@ -7794,7 +7801,7 @@
             <a:effectLst/>
             <a:extLst>
               <a:ext uri="{AF507438-7753-43E0-B8FC-AC1667EBCBE1}">
-                <a14:hiddenEffects xmlns:a14="http://schemas.microsoft.com/office/drawing/2010/main">
+                <a14:hiddenEffects xmlns:a14="http://schemas.microsoft.com/office/drawing/2010/main" xmlns="">
                   <a:effectLst>
                     <a:outerShdw dist="35921" dir="2700000" algn="ctr" rotWithShape="0">
                       <a:schemeClr val="bg2"/>
@@ -8353,10 +8360,10 @@
           <p:nvPr/>
         </p:nvPicPr>
         <p:blipFill>
-          <a:blip r:embed="rId3">
+          <a:blip r:embed="rId3" cstate="print">
             <a:extLst>
               <a:ext uri="{28A0092B-C50C-407E-A947-70E740481C1C}">
-                <a14:useLocalDpi xmlns:a14="http://schemas.microsoft.com/office/drawing/2010/main" val="0"/>
+                <a14:useLocalDpi xmlns:a14="http://schemas.microsoft.com/office/drawing/2010/main" xmlns="" val="0"/>
               </a:ext>
             </a:extLst>
           </a:blip>
@@ -8380,14 +8387,14 @@
           <a:effectLst/>
           <a:extLst>
             <a:ext uri="{909E8E84-426E-40DD-AFC4-6F175D3DCCD1}">
-              <a14:hiddenFill xmlns:a14="http://schemas.microsoft.com/office/drawing/2010/main">
+              <a14:hiddenFill xmlns:a14="http://schemas.microsoft.com/office/drawing/2010/main" xmlns="">
                 <a:solidFill>
                   <a:schemeClr val="accent1"/>
                 </a:solidFill>
               </a14:hiddenFill>
             </a:ext>
             <a:ext uri="{91240B29-F687-4F45-9708-019B960494DF}">
-              <a14:hiddenLine xmlns:a14="http://schemas.microsoft.com/office/drawing/2010/main" w="9525">
+              <a14:hiddenLine xmlns:a14="http://schemas.microsoft.com/office/drawing/2010/main" xmlns="" w="9525">
                 <a:solidFill>
                   <a:schemeClr val="tx1"/>
                 </a:solidFill>
@@ -8397,7 +8404,7 @@
               </a14:hiddenLine>
             </a:ext>
             <a:ext uri="{AF507438-7753-43E0-B8FC-AC1667EBCBE1}">
-              <a14:hiddenEffects xmlns:a14="http://schemas.microsoft.com/office/drawing/2010/main">
+              <a14:hiddenEffects xmlns:a14="http://schemas.microsoft.com/office/drawing/2010/main" xmlns="">
                 <a:effectLst>
                   <a:outerShdw dist="35921" dir="2700000" algn="ctr" rotWithShape="0">
                     <a:schemeClr val="bg2"/>
@@ -8912,7 +8919,7 @@
     </p:spTree>
     <p:extLst>
       <p:ext uri="{BB962C8B-B14F-4D97-AF65-F5344CB8AC3E}">
-        <p14:creationId xmlns:p14="http://schemas.microsoft.com/office/powerpoint/2010/main" val="1895355952"/>
+        <p14:creationId xmlns:p14="http://schemas.microsoft.com/office/powerpoint/2010/main" xmlns="" val="1895355952"/>
       </p:ext>
     </p:extLst>
   </p:cSld>
@@ -8958,10 +8965,10 @@
           <p:nvPr/>
         </p:nvPicPr>
         <p:blipFill>
-          <a:blip r:embed="rId2">
+          <a:blip r:embed="rId2" cstate="print">
             <a:extLst>
               <a:ext uri="{28A0092B-C50C-407E-A947-70E740481C1C}">
-                <a14:useLocalDpi xmlns:a14="http://schemas.microsoft.com/office/drawing/2010/main" val="0"/>
+                <a14:useLocalDpi xmlns:a14="http://schemas.microsoft.com/office/drawing/2010/main" xmlns="" val="0"/>
               </a:ext>
             </a:extLst>
           </a:blip>
@@ -8985,14 +8992,14 @@
           <a:effectLst/>
           <a:extLst>
             <a:ext uri="{909E8E84-426E-40DD-AFC4-6F175D3DCCD1}">
-              <a14:hiddenFill xmlns:a14="http://schemas.microsoft.com/office/drawing/2010/main">
+              <a14:hiddenFill xmlns:a14="http://schemas.microsoft.com/office/drawing/2010/main" xmlns="">
                 <a:solidFill>
                   <a:schemeClr val="accent1"/>
                 </a:solidFill>
               </a14:hiddenFill>
             </a:ext>
             <a:ext uri="{91240B29-F687-4F45-9708-019B960494DF}">
-              <a14:hiddenLine xmlns:a14="http://schemas.microsoft.com/office/drawing/2010/main" w="9525">
+              <a14:hiddenLine xmlns:a14="http://schemas.microsoft.com/office/drawing/2010/main" xmlns="" w="9525">
                 <a:solidFill>
                   <a:schemeClr val="tx1"/>
                 </a:solidFill>
@@ -9002,7 +9009,7 @@
               </a14:hiddenLine>
             </a:ext>
             <a:ext uri="{AF507438-7753-43E0-B8FC-AC1667EBCBE1}">
-              <a14:hiddenEffects xmlns:a14="http://schemas.microsoft.com/office/drawing/2010/main">
+              <a14:hiddenEffects xmlns:a14="http://schemas.microsoft.com/office/drawing/2010/main" xmlns="">
                 <a:effectLst>
                   <a:outerShdw dist="35921" dir="2700000" algn="ctr" rotWithShape="0">
                     <a:schemeClr val="bg2"/>
@@ -9537,7 +9544,7 @@
     </p:spTree>
     <p:extLst>
       <p:ext uri="{BB962C8B-B14F-4D97-AF65-F5344CB8AC3E}">
-        <p14:creationId xmlns:p14="http://schemas.microsoft.com/office/powerpoint/2010/main" val="4054635138"/>
+        <p14:creationId xmlns:p14="http://schemas.microsoft.com/office/powerpoint/2010/main" xmlns="" val="4054635138"/>
       </p:ext>
     </p:extLst>
   </p:cSld>
@@ -9800,7 +9807,7 @@
             <a:effectLst/>
             <a:extLst>
               <a:ext uri="{AF507438-7753-43E0-B8FC-AC1667EBCBE1}">
-                <a14:hiddenEffects xmlns:a14="http://schemas.microsoft.com/office/drawing/2010/main">
+                <a14:hiddenEffects xmlns:a14="http://schemas.microsoft.com/office/drawing/2010/main" xmlns="">
                   <a:effectLst>
                     <a:outerShdw dist="35921" dir="2700000" algn="ctr" rotWithShape="0">
                       <a:schemeClr val="bg2"/>
@@ -9840,7 +9847,7 @@
             <a:effectLst/>
             <a:extLst>
               <a:ext uri="{AF507438-7753-43E0-B8FC-AC1667EBCBE1}">
-                <a14:hiddenEffects xmlns:a14="http://schemas.microsoft.com/office/drawing/2010/main">
+                <a14:hiddenEffects xmlns:a14="http://schemas.microsoft.com/office/drawing/2010/main" xmlns="">
                   <a:effectLst>
                     <a:outerShdw dist="35921" dir="2700000" algn="ctr" rotWithShape="0">
                       <a:schemeClr val="bg2"/>
@@ -9880,7 +9887,7 @@
             <a:effectLst/>
             <a:extLst>
               <a:ext uri="{AF507438-7753-43E0-B8FC-AC1667EBCBE1}">
-                <a14:hiddenEffects xmlns:a14="http://schemas.microsoft.com/office/drawing/2010/main">
+                <a14:hiddenEffects xmlns:a14="http://schemas.microsoft.com/office/drawing/2010/main" xmlns="">
                   <a:effectLst>
                     <a:outerShdw dist="35921" dir="2700000" algn="ctr" rotWithShape="0">
                       <a:schemeClr val="bg2"/>
@@ -9923,7 +9930,7 @@
             <a:effectLst/>
             <a:extLst>
               <a:ext uri="{AF507438-7753-43E0-B8FC-AC1667EBCBE1}">
-                <a14:hiddenEffects xmlns:a14="http://schemas.microsoft.com/office/drawing/2010/main">
+                <a14:hiddenEffects xmlns:a14="http://schemas.microsoft.com/office/drawing/2010/main" xmlns="">
                   <a:effectLst>
                     <a:outerShdw dist="35921" dir="2700000" algn="ctr" rotWithShape="0">
                       <a:schemeClr val="bg2"/>
@@ -10218,10 +10225,10 @@
           <p:nvPr/>
         </p:nvPicPr>
         <p:blipFill>
-          <a:blip r:embed="rId3">
+          <a:blip r:embed="rId3" cstate="print">
             <a:extLst>
               <a:ext uri="{28A0092B-C50C-407E-A947-70E740481C1C}">
-                <a14:useLocalDpi xmlns:a14="http://schemas.microsoft.com/office/drawing/2010/main" val="0"/>
+                <a14:useLocalDpi xmlns:a14="http://schemas.microsoft.com/office/drawing/2010/main" xmlns="" val="0"/>
               </a:ext>
             </a:extLst>
           </a:blip>
@@ -10245,14 +10252,14 @@
           <a:effectLst/>
           <a:extLst>
             <a:ext uri="{909E8E84-426E-40DD-AFC4-6F175D3DCCD1}">
-              <a14:hiddenFill xmlns:a14="http://schemas.microsoft.com/office/drawing/2010/main">
+              <a14:hiddenFill xmlns:a14="http://schemas.microsoft.com/office/drawing/2010/main" xmlns="">
                 <a:solidFill>
                   <a:schemeClr val="accent1"/>
                 </a:solidFill>
               </a14:hiddenFill>
             </a:ext>
             <a:ext uri="{91240B29-F687-4F45-9708-019B960494DF}">
-              <a14:hiddenLine xmlns:a14="http://schemas.microsoft.com/office/drawing/2010/main" w="9525">
+              <a14:hiddenLine xmlns:a14="http://schemas.microsoft.com/office/drawing/2010/main" xmlns="" w="9525">
                 <a:solidFill>
                   <a:schemeClr val="tx1"/>
                 </a:solidFill>
@@ -10262,7 +10269,7 @@
               </a14:hiddenLine>
             </a:ext>
             <a:ext uri="{AF507438-7753-43E0-B8FC-AC1667EBCBE1}">
-              <a14:hiddenEffects xmlns:a14="http://schemas.microsoft.com/office/drawing/2010/main">
+              <a14:hiddenEffects xmlns:a14="http://schemas.microsoft.com/office/drawing/2010/main" xmlns="">
                 <a:effectLst>
                   <a:outerShdw dist="35921" dir="2700000" algn="ctr" rotWithShape="0">
                     <a:schemeClr val="bg2"/>
@@ -10929,7 +10936,7 @@
     </p:spTree>
     <p:extLst>
       <p:ext uri="{BB962C8B-B14F-4D97-AF65-F5344CB8AC3E}">
-        <p14:creationId xmlns:p14="http://schemas.microsoft.com/office/powerpoint/2010/main" val="2018697791"/>
+        <p14:creationId xmlns:p14="http://schemas.microsoft.com/office/powerpoint/2010/main" xmlns="" val="2018697791"/>
       </p:ext>
     </p:extLst>
   </p:cSld>
@@ -11057,10 +11064,10 @@
           <p:nvPr/>
         </p:nvPicPr>
         <p:blipFill>
-          <a:blip r:embed="rId3">
+          <a:blip r:embed="rId3" cstate="print">
             <a:extLst>
               <a:ext uri="{28A0092B-C50C-407E-A947-70E740481C1C}">
-                <a14:useLocalDpi xmlns:a14="http://schemas.microsoft.com/office/drawing/2010/main" val="0"/>
+                <a14:useLocalDpi xmlns:a14="http://schemas.microsoft.com/office/drawing/2010/main" xmlns="" val="0"/>
               </a:ext>
             </a:extLst>
           </a:blip>
@@ -11084,14 +11091,14 @@
           <a:effectLst/>
           <a:extLst>
             <a:ext uri="{909E8E84-426E-40DD-AFC4-6F175D3DCCD1}">
-              <a14:hiddenFill xmlns:a14="http://schemas.microsoft.com/office/drawing/2010/main">
+              <a14:hiddenFill xmlns:a14="http://schemas.microsoft.com/office/drawing/2010/main" xmlns="">
                 <a:solidFill>
                   <a:schemeClr val="accent1"/>
                 </a:solidFill>
               </a14:hiddenFill>
             </a:ext>
             <a:ext uri="{91240B29-F687-4F45-9708-019B960494DF}">
-              <a14:hiddenLine xmlns:a14="http://schemas.microsoft.com/office/drawing/2010/main" w="9525">
+              <a14:hiddenLine xmlns:a14="http://schemas.microsoft.com/office/drawing/2010/main" xmlns="" w="9525">
                 <a:solidFill>
                   <a:schemeClr val="tx1"/>
                 </a:solidFill>
@@ -11101,7 +11108,7 @@
               </a14:hiddenLine>
             </a:ext>
             <a:ext uri="{AF507438-7753-43E0-B8FC-AC1667EBCBE1}">
-              <a14:hiddenEffects xmlns:a14="http://schemas.microsoft.com/office/drawing/2010/main">
+              <a14:hiddenEffects xmlns:a14="http://schemas.microsoft.com/office/drawing/2010/main" xmlns="">
                 <a:effectLst>
                   <a:outerShdw dist="35921" dir="2700000" algn="ctr" rotWithShape="0">
                     <a:schemeClr val="bg2"/>
@@ -11704,7 +11711,7 @@
     </p:spTree>
     <p:extLst>
       <p:ext uri="{BB962C8B-B14F-4D97-AF65-F5344CB8AC3E}">
-        <p14:creationId xmlns:p14="http://schemas.microsoft.com/office/powerpoint/2010/main" val="2744647316"/>
+        <p14:creationId xmlns:p14="http://schemas.microsoft.com/office/powerpoint/2010/main" xmlns="" val="2744647316"/>
       </p:ext>
     </p:extLst>
   </p:cSld>
@@ -11967,7 +11974,7 @@
             <a:effectLst/>
             <a:extLst>
               <a:ext uri="{AF507438-7753-43E0-B8FC-AC1667EBCBE1}">
-                <a14:hiddenEffects xmlns:a14="http://schemas.microsoft.com/office/drawing/2010/main">
+                <a14:hiddenEffects xmlns:a14="http://schemas.microsoft.com/office/drawing/2010/main" xmlns="">
                   <a:effectLst>
                     <a:outerShdw dist="35921" dir="2700000" algn="ctr" rotWithShape="0">
                       <a:schemeClr val="bg2"/>
@@ -12007,7 +12014,7 @@
             <a:effectLst/>
             <a:extLst>
               <a:ext uri="{AF507438-7753-43E0-B8FC-AC1667EBCBE1}">
-                <a14:hiddenEffects xmlns:a14="http://schemas.microsoft.com/office/drawing/2010/main">
+                <a14:hiddenEffects xmlns:a14="http://schemas.microsoft.com/office/drawing/2010/main" xmlns="">
                   <a:effectLst>
                     <a:outerShdw dist="35921" dir="2700000" algn="ctr" rotWithShape="0">
                       <a:schemeClr val="bg2"/>
@@ -12047,7 +12054,7 @@
             <a:effectLst/>
             <a:extLst>
               <a:ext uri="{AF507438-7753-43E0-B8FC-AC1667EBCBE1}">
-                <a14:hiddenEffects xmlns:a14="http://schemas.microsoft.com/office/drawing/2010/main">
+                <a14:hiddenEffects xmlns:a14="http://schemas.microsoft.com/office/drawing/2010/main" xmlns="">
                   <a:effectLst>
                     <a:outerShdw dist="35921" dir="2700000" algn="ctr" rotWithShape="0">
                       <a:schemeClr val="bg2"/>
@@ -12090,7 +12097,7 @@
             <a:effectLst/>
             <a:extLst>
               <a:ext uri="{AF507438-7753-43E0-B8FC-AC1667EBCBE1}">
-                <a14:hiddenEffects xmlns:a14="http://schemas.microsoft.com/office/drawing/2010/main">
+                <a14:hiddenEffects xmlns:a14="http://schemas.microsoft.com/office/drawing/2010/main" xmlns="">
                   <a:effectLst>
                     <a:outerShdw dist="35921" dir="2700000" algn="ctr" rotWithShape="0">
                       <a:schemeClr val="bg2"/>
@@ -12465,10 +12472,10 @@
           <p:nvPr/>
         </p:nvPicPr>
         <p:blipFill>
-          <a:blip r:embed="rId3">
+          <a:blip r:embed="rId3" cstate="print">
             <a:extLst>
               <a:ext uri="{28A0092B-C50C-407E-A947-70E740481C1C}">
-                <a14:useLocalDpi xmlns:a14="http://schemas.microsoft.com/office/drawing/2010/main" val="0"/>
+                <a14:useLocalDpi xmlns:a14="http://schemas.microsoft.com/office/drawing/2010/main" xmlns="" val="0"/>
               </a:ext>
             </a:extLst>
           </a:blip>
@@ -12492,14 +12499,14 @@
           <a:effectLst/>
           <a:extLst>
             <a:ext uri="{909E8E84-426E-40DD-AFC4-6F175D3DCCD1}">
-              <a14:hiddenFill xmlns:a14="http://schemas.microsoft.com/office/drawing/2010/main">
+              <a14:hiddenFill xmlns:a14="http://schemas.microsoft.com/office/drawing/2010/main" xmlns="">
                 <a:solidFill>
                   <a:schemeClr val="accent1"/>
                 </a:solidFill>
               </a14:hiddenFill>
             </a:ext>
             <a:ext uri="{91240B29-F687-4F45-9708-019B960494DF}">
-              <a14:hiddenLine xmlns:a14="http://schemas.microsoft.com/office/drawing/2010/main" w="9525">
+              <a14:hiddenLine xmlns:a14="http://schemas.microsoft.com/office/drawing/2010/main" xmlns="" w="9525">
                 <a:solidFill>
                   <a:schemeClr val="tx1"/>
                 </a:solidFill>
@@ -12509,7 +12516,7 @@
               </a14:hiddenLine>
             </a:ext>
             <a:ext uri="{AF507438-7753-43E0-B8FC-AC1667EBCBE1}">
-              <a14:hiddenEffects xmlns:a14="http://schemas.microsoft.com/office/drawing/2010/main">
+              <a14:hiddenEffects xmlns:a14="http://schemas.microsoft.com/office/drawing/2010/main" xmlns="">
                 <a:effectLst>
                   <a:outerShdw dist="35921" dir="2700000" algn="ctr" rotWithShape="0">
                     <a:schemeClr val="bg2"/>
@@ -12964,7 +12971,7 @@
     </p:spTree>
     <p:extLst>
       <p:ext uri="{BB962C8B-B14F-4D97-AF65-F5344CB8AC3E}">
-        <p14:creationId xmlns:p14="http://schemas.microsoft.com/office/powerpoint/2010/main" val="3732044603"/>
+        <p14:creationId xmlns:p14="http://schemas.microsoft.com/office/powerpoint/2010/main" xmlns="" val="3732044603"/>
       </p:ext>
     </p:extLst>
   </p:cSld>
@@ -13010,10 +13017,10 @@
           <p:nvPr/>
         </p:nvPicPr>
         <p:blipFill>
-          <a:blip r:embed="rId2">
+          <a:blip r:embed="rId2" cstate="print">
             <a:extLst>
               <a:ext uri="{28A0092B-C50C-407E-A947-70E740481C1C}">
-                <a14:useLocalDpi xmlns:a14="http://schemas.microsoft.com/office/drawing/2010/main" val="0"/>
+                <a14:useLocalDpi xmlns:a14="http://schemas.microsoft.com/office/drawing/2010/main" xmlns="" val="0"/>
               </a:ext>
             </a:extLst>
           </a:blip>
@@ -13037,14 +13044,14 @@
           <a:effectLst/>
           <a:extLst>
             <a:ext uri="{909E8E84-426E-40DD-AFC4-6F175D3DCCD1}">
-              <a14:hiddenFill xmlns:a14="http://schemas.microsoft.com/office/drawing/2010/main">
+              <a14:hiddenFill xmlns:a14="http://schemas.microsoft.com/office/drawing/2010/main" xmlns="">
                 <a:solidFill>
                   <a:schemeClr val="accent1"/>
                 </a:solidFill>
               </a14:hiddenFill>
             </a:ext>
             <a:ext uri="{91240B29-F687-4F45-9708-019B960494DF}">
-              <a14:hiddenLine xmlns:a14="http://schemas.microsoft.com/office/drawing/2010/main" w="9525">
+              <a14:hiddenLine xmlns:a14="http://schemas.microsoft.com/office/drawing/2010/main" xmlns="" w="9525">
                 <a:solidFill>
                   <a:schemeClr val="tx1"/>
                 </a:solidFill>
@@ -13054,7 +13061,7 @@
               </a14:hiddenLine>
             </a:ext>
             <a:ext uri="{AF507438-7753-43E0-B8FC-AC1667EBCBE1}">
-              <a14:hiddenEffects xmlns:a14="http://schemas.microsoft.com/office/drawing/2010/main">
+              <a14:hiddenEffects xmlns:a14="http://schemas.microsoft.com/office/drawing/2010/main" xmlns="">
                 <a:effectLst>
                   <a:outerShdw dist="35921" dir="2700000" algn="ctr" rotWithShape="0">
                     <a:schemeClr val="bg2"/>
@@ -13385,7 +13392,7 @@
     </p:spTree>
     <p:extLst>
       <p:ext uri="{BB962C8B-B14F-4D97-AF65-F5344CB8AC3E}">
-        <p14:creationId xmlns:p14="http://schemas.microsoft.com/office/powerpoint/2010/main" val="230723396"/>
+        <p14:creationId xmlns:p14="http://schemas.microsoft.com/office/powerpoint/2010/main" xmlns="" val="230723396"/>
       </p:ext>
     </p:extLst>
   </p:cSld>
@@ -13422,10 +13429,10 @@
           <p:nvPr/>
         </p:nvPicPr>
         <p:blipFill>
-          <a:blip r:embed="rId2">
+          <a:blip r:embed="rId2" cstate="print">
             <a:extLst>
               <a:ext uri="{28A0092B-C50C-407E-A947-70E740481C1C}">
-                <a14:useLocalDpi xmlns:a14="http://schemas.microsoft.com/office/drawing/2010/main" val="0"/>
+                <a14:useLocalDpi xmlns:a14="http://schemas.microsoft.com/office/drawing/2010/main" xmlns="" val="0"/>
               </a:ext>
             </a:extLst>
           </a:blip>
@@ -13449,14 +13456,14 @@
           <a:effectLst/>
           <a:extLst>
             <a:ext uri="{909E8E84-426E-40DD-AFC4-6F175D3DCCD1}">
-              <a14:hiddenFill xmlns:a14="http://schemas.microsoft.com/office/drawing/2010/main">
+              <a14:hiddenFill xmlns:a14="http://schemas.microsoft.com/office/drawing/2010/main" xmlns="">
                 <a:solidFill>
                   <a:schemeClr val="accent1"/>
                 </a:solidFill>
               </a14:hiddenFill>
             </a:ext>
             <a:ext uri="{91240B29-F687-4F45-9708-019B960494DF}">
-              <a14:hiddenLine xmlns:a14="http://schemas.microsoft.com/office/drawing/2010/main" w="9525">
+              <a14:hiddenLine xmlns:a14="http://schemas.microsoft.com/office/drawing/2010/main" xmlns="" w="9525">
                 <a:solidFill>
                   <a:schemeClr val="tx1"/>
                 </a:solidFill>
@@ -13466,7 +13473,7 @@
               </a14:hiddenLine>
             </a:ext>
             <a:ext uri="{AF507438-7753-43E0-B8FC-AC1667EBCBE1}">
-              <a14:hiddenEffects xmlns:a14="http://schemas.microsoft.com/office/drawing/2010/main">
+              <a14:hiddenEffects xmlns:a14="http://schemas.microsoft.com/office/drawing/2010/main" xmlns="">
                 <a:effectLst>
                   <a:outerShdw dist="35921" dir="2700000" algn="ctr" rotWithShape="0">
                     <a:schemeClr val="bg2"/>
@@ -13919,7 +13926,7 @@
     </p:spTree>
     <p:extLst>
       <p:ext uri="{BB962C8B-B14F-4D97-AF65-F5344CB8AC3E}">
-        <p14:creationId xmlns:p14="http://schemas.microsoft.com/office/powerpoint/2010/main" val="2887726845"/>
+        <p14:creationId xmlns:p14="http://schemas.microsoft.com/office/powerpoint/2010/main" xmlns="" val="2887726845"/>
       </p:ext>
     </p:extLst>
   </p:cSld>
@@ -13965,10 +13972,10 @@
           <p:nvPr/>
         </p:nvPicPr>
         <p:blipFill>
-          <a:blip r:embed="rId2">
+          <a:blip r:embed="rId2" cstate="print">
             <a:extLst>
               <a:ext uri="{28A0092B-C50C-407E-A947-70E740481C1C}">
-                <a14:useLocalDpi xmlns:a14="http://schemas.microsoft.com/office/drawing/2010/main" val="0"/>
+                <a14:useLocalDpi xmlns:a14="http://schemas.microsoft.com/office/drawing/2010/main" xmlns="" val="0"/>
               </a:ext>
             </a:extLst>
           </a:blip>
@@ -13992,14 +13999,14 @@
           <a:effectLst/>
           <a:extLst>
             <a:ext uri="{909E8E84-426E-40DD-AFC4-6F175D3DCCD1}">
-              <a14:hiddenFill xmlns:a14="http://schemas.microsoft.com/office/drawing/2010/main">
+              <a14:hiddenFill xmlns:a14="http://schemas.microsoft.com/office/drawing/2010/main" xmlns="">
                 <a:solidFill>
                   <a:schemeClr val="accent1"/>
                 </a:solidFill>
               </a14:hiddenFill>
             </a:ext>
             <a:ext uri="{91240B29-F687-4F45-9708-019B960494DF}">
-              <a14:hiddenLine xmlns:a14="http://schemas.microsoft.com/office/drawing/2010/main" w="9525">
+              <a14:hiddenLine xmlns:a14="http://schemas.microsoft.com/office/drawing/2010/main" xmlns="" w="9525">
                 <a:solidFill>
                   <a:schemeClr val="tx1"/>
                 </a:solidFill>
@@ -14009,7 +14016,7 @@
               </a14:hiddenLine>
             </a:ext>
             <a:ext uri="{AF507438-7753-43E0-B8FC-AC1667EBCBE1}">
-              <a14:hiddenEffects xmlns:a14="http://schemas.microsoft.com/office/drawing/2010/main">
+              <a14:hiddenEffects xmlns:a14="http://schemas.microsoft.com/office/drawing/2010/main" xmlns="">
                 <a:effectLst>
                   <a:outerShdw dist="35921" dir="2700000" algn="ctr" rotWithShape="0">
                     <a:schemeClr val="bg2"/>
@@ -14888,10 +14895,90 @@
           </a:p>
         </p:txBody>
       </p:sp>
+      <p:sp>
+        <p:nvSpPr>
+          <p:cNvPr id="16" name="직사각형 15"/>
+          <p:cNvSpPr/>
+          <p:nvPr/>
+        </p:nvSpPr>
+        <p:spPr bwMode="auto">
+          <a:xfrm>
+            <a:off x="5580112" y="692696"/>
+            <a:ext cx="4032448" cy="2088232"/>
+          </a:xfrm>
+          <a:prstGeom prst="rect">
+            <a:avLst/>
+          </a:prstGeom>
+          <a:solidFill>
+            <a:schemeClr val="accent1"/>
+          </a:solidFill>
+          <a:ln w="9525" cap="flat" cmpd="sng" algn="ctr">
+            <a:solidFill>
+              <a:schemeClr val="tx1"/>
+            </a:solidFill>
+            <a:prstDash val="solid"/>
+            <a:round/>
+            <a:headEnd type="none" w="med" len="med"/>
+            <a:tailEnd type="none" w="med" len="med"/>
+          </a:ln>
+          <a:effectLst/>
+          <a:extLst>
+            <a:ext uri="{AF507438-7753-43E0-B8FC-AC1667EBCBE1}">
+              <a14:hiddenEffects xmlns="" xmlns:a14="http://schemas.microsoft.com/office/drawing/2010/main">
+                <a:effectLst>
+                  <a:outerShdw dist="35921" dir="2700000" algn="ctr" rotWithShape="0">
+                    <a:schemeClr val="bg2"/>
+                  </a:outerShdw>
+                </a:effectLst>
+              </a14:hiddenEffects>
+            </a:ext>
+          </a:extLst>
+        </p:spPr>
+        <p:txBody>
+          <a:bodyPr vert="horz" wrap="none" lIns="91440" tIns="45720" rIns="91440" bIns="45720" numCol="1" rtlCol="0" anchor="ctr" anchorCtr="0" compatLnSpc="1">
+            <a:prstTxWarp prst="textNoShape">
+              <a:avLst/>
+            </a:prstTxWarp>
+          </a:bodyPr>
+          <a:lstStyle/>
+          <a:p>
+            <a:pPr marL="0" marR="0" indent="0" algn="ctr" defTabSz="914400" rtl="0" eaLnBrk="0" fontAlgn="base" latinLnBrk="0" hangingPunct="0">
+              <a:lnSpc>
+                <a:spcPct val="100000"/>
+              </a:lnSpc>
+              <a:spcBef>
+                <a:spcPct val="0"/>
+              </a:spcBef>
+              <a:spcAft>
+                <a:spcPct val="0"/>
+              </a:spcAft>
+              <a:buClrTx/>
+              <a:buSzTx/>
+              <a:buFontTx/>
+              <a:buNone/>
+              <a:tabLst/>
+            </a:pPr>
+            <a:r>
+              <a:rPr lang="ko-KR" altLang="en-US" sz="3600" dirty="0" smtClean="0"/>
+              <a:t>완료</a:t>
+            </a:r>
+            <a:endParaRPr kumimoji="0" lang="ko-KR" altLang="en-US" sz="3600" b="0" i="0" u="none" strike="noStrike" cap="none" normalizeH="0" baseline="0" dirty="0" smtClean="0">
+              <a:ln>
+                <a:noFill/>
+              </a:ln>
+              <a:solidFill>
+                <a:schemeClr val="tx1"/>
+              </a:solidFill>
+              <a:effectLst/>
+              <a:latin typeface="Arial" charset="0"/>
+            </a:endParaRPr>
+          </a:p>
+        </p:txBody>
+      </p:sp>
     </p:spTree>
     <p:extLst>
       <p:ext uri="{BB962C8B-B14F-4D97-AF65-F5344CB8AC3E}">
-        <p14:creationId xmlns:p14="http://schemas.microsoft.com/office/powerpoint/2010/main" val="284837022"/>
+        <p14:creationId xmlns:p14="http://schemas.microsoft.com/office/powerpoint/2010/main" xmlns="" val="284837022"/>
       </p:ext>
     </p:extLst>
   </p:cSld>
@@ -15154,7 +15241,7 @@
             <a:effectLst/>
             <a:extLst>
               <a:ext uri="{AF507438-7753-43E0-B8FC-AC1667EBCBE1}">
-                <a14:hiddenEffects xmlns:a14="http://schemas.microsoft.com/office/drawing/2010/main">
+                <a14:hiddenEffects xmlns:a14="http://schemas.microsoft.com/office/drawing/2010/main" xmlns="">
                   <a:effectLst>
                     <a:outerShdw dist="35921" dir="2700000" algn="ctr" rotWithShape="0">
                       <a:schemeClr val="bg2"/>
@@ -15194,7 +15281,7 @@
             <a:effectLst/>
             <a:extLst>
               <a:ext uri="{AF507438-7753-43E0-B8FC-AC1667EBCBE1}">
-                <a14:hiddenEffects xmlns:a14="http://schemas.microsoft.com/office/drawing/2010/main">
+                <a14:hiddenEffects xmlns:a14="http://schemas.microsoft.com/office/drawing/2010/main" xmlns="">
                   <a:effectLst>
                     <a:outerShdw dist="35921" dir="2700000" algn="ctr" rotWithShape="0">
                       <a:schemeClr val="bg2"/>
@@ -15234,7 +15321,7 @@
             <a:effectLst/>
             <a:extLst>
               <a:ext uri="{AF507438-7753-43E0-B8FC-AC1667EBCBE1}">
-                <a14:hiddenEffects xmlns:a14="http://schemas.microsoft.com/office/drawing/2010/main">
+                <a14:hiddenEffects xmlns:a14="http://schemas.microsoft.com/office/drawing/2010/main" xmlns="">
                   <a:effectLst>
                     <a:outerShdw dist="35921" dir="2700000" algn="ctr" rotWithShape="0">
                       <a:schemeClr val="bg2"/>
@@ -15277,7 +15364,7 @@
             <a:effectLst/>
             <a:extLst>
               <a:ext uri="{AF507438-7753-43E0-B8FC-AC1667EBCBE1}">
-                <a14:hiddenEffects xmlns:a14="http://schemas.microsoft.com/office/drawing/2010/main">
+                <a14:hiddenEffects xmlns:a14="http://schemas.microsoft.com/office/drawing/2010/main" xmlns="">
                   <a:effectLst>
                     <a:outerShdw dist="35921" dir="2700000" algn="ctr" rotWithShape="0">
                       <a:schemeClr val="bg2"/>
@@ -15328,7 +15415,7 @@
     </p:spTree>
     <p:extLst>
       <p:ext uri="{BB962C8B-B14F-4D97-AF65-F5344CB8AC3E}">
-        <p14:creationId xmlns:p14="http://schemas.microsoft.com/office/powerpoint/2010/main" val="618581666"/>
+        <p14:creationId xmlns:p14="http://schemas.microsoft.com/office/powerpoint/2010/main" xmlns="" val="618581666"/>
       </p:ext>
     </p:extLst>
   </p:cSld>
@@ -15593,7 +15680,7 @@
             <a:effectLst/>
             <a:extLst>
               <a:ext uri="{AF507438-7753-43E0-B8FC-AC1667EBCBE1}">
-                <a14:hiddenEffects xmlns:a14="http://schemas.microsoft.com/office/drawing/2010/main">
+                <a14:hiddenEffects xmlns:a14="http://schemas.microsoft.com/office/drawing/2010/main" xmlns="">
                   <a:effectLst>
                     <a:outerShdw dist="35921" dir="2700000" algn="ctr" rotWithShape="0">
                       <a:schemeClr val="bg2"/>
@@ -15633,7 +15720,7 @@
             <a:effectLst/>
             <a:extLst>
               <a:ext uri="{AF507438-7753-43E0-B8FC-AC1667EBCBE1}">
-                <a14:hiddenEffects xmlns:a14="http://schemas.microsoft.com/office/drawing/2010/main">
+                <a14:hiddenEffects xmlns:a14="http://schemas.microsoft.com/office/drawing/2010/main" xmlns="">
                   <a:effectLst>
                     <a:outerShdw dist="35921" dir="2700000" algn="ctr" rotWithShape="0">
                       <a:schemeClr val="bg2"/>
@@ -15673,7 +15760,7 @@
             <a:effectLst/>
             <a:extLst>
               <a:ext uri="{AF507438-7753-43E0-B8FC-AC1667EBCBE1}">
-                <a14:hiddenEffects xmlns:a14="http://schemas.microsoft.com/office/drawing/2010/main">
+                <a14:hiddenEffects xmlns:a14="http://schemas.microsoft.com/office/drawing/2010/main" xmlns="">
                   <a:effectLst>
                     <a:outerShdw dist="35921" dir="2700000" algn="ctr" rotWithShape="0">
                       <a:schemeClr val="bg2"/>
@@ -15716,7 +15803,7 @@
             <a:effectLst/>
             <a:extLst>
               <a:ext uri="{AF507438-7753-43E0-B8FC-AC1667EBCBE1}">
-                <a14:hiddenEffects xmlns:a14="http://schemas.microsoft.com/office/drawing/2010/main">
+                <a14:hiddenEffects xmlns:a14="http://schemas.microsoft.com/office/drawing/2010/main" xmlns="">
                   <a:effectLst>
                     <a:outerShdw dist="35921" dir="2700000" algn="ctr" rotWithShape="0">
                       <a:schemeClr val="bg2"/>
@@ -16373,10 +16460,10 @@
           <p:nvPr/>
         </p:nvPicPr>
         <p:blipFill>
-          <a:blip r:embed="rId3">
+          <a:blip r:embed="rId3" cstate="print">
             <a:extLst>
               <a:ext uri="{28A0092B-C50C-407E-A947-70E740481C1C}">
-                <a14:useLocalDpi xmlns:a14="http://schemas.microsoft.com/office/drawing/2010/main" val="0"/>
+                <a14:useLocalDpi xmlns:a14="http://schemas.microsoft.com/office/drawing/2010/main" xmlns="" val="0"/>
               </a:ext>
             </a:extLst>
           </a:blip>
@@ -16400,14 +16487,14 @@
           <a:effectLst/>
           <a:extLst>
             <a:ext uri="{909E8E84-426E-40DD-AFC4-6F175D3DCCD1}">
-              <a14:hiddenFill xmlns:a14="http://schemas.microsoft.com/office/drawing/2010/main">
+              <a14:hiddenFill xmlns:a14="http://schemas.microsoft.com/office/drawing/2010/main" xmlns="">
                 <a:solidFill>
                   <a:schemeClr val="accent1"/>
                 </a:solidFill>
               </a14:hiddenFill>
             </a:ext>
             <a:ext uri="{91240B29-F687-4F45-9708-019B960494DF}">
-              <a14:hiddenLine xmlns:a14="http://schemas.microsoft.com/office/drawing/2010/main" w="9525">
+              <a14:hiddenLine xmlns:a14="http://schemas.microsoft.com/office/drawing/2010/main" xmlns="" w="9525">
                 <a:solidFill>
                   <a:schemeClr val="tx1"/>
                 </a:solidFill>
@@ -16417,7 +16504,7 @@
               </a14:hiddenLine>
             </a:ext>
             <a:ext uri="{AF507438-7753-43E0-B8FC-AC1667EBCBE1}">
-              <a14:hiddenEffects xmlns:a14="http://schemas.microsoft.com/office/drawing/2010/main">
+              <a14:hiddenEffects xmlns:a14="http://schemas.microsoft.com/office/drawing/2010/main" xmlns="">
                 <a:effectLst>
                   <a:outerShdw dist="35921" dir="2700000" algn="ctr" rotWithShape="0">
                     <a:schemeClr val="bg2"/>
@@ -16801,7 +16888,7 @@
     </p:spTree>
     <p:extLst>
       <p:ext uri="{BB962C8B-B14F-4D97-AF65-F5344CB8AC3E}">
-        <p14:creationId xmlns:p14="http://schemas.microsoft.com/office/powerpoint/2010/main" val="1662562472"/>
+        <p14:creationId xmlns:p14="http://schemas.microsoft.com/office/powerpoint/2010/main" xmlns="" val="1662562472"/>
       </p:ext>
     </p:extLst>
   </p:cSld>
@@ -17279,10 +17366,10 @@
           <p:nvPr/>
         </p:nvPicPr>
         <p:blipFill>
-          <a:blip r:embed="rId2">
+          <a:blip r:embed="rId2" cstate="print">
             <a:extLst>
               <a:ext uri="{28A0092B-C50C-407E-A947-70E740481C1C}">
-                <a14:useLocalDpi xmlns:a14="http://schemas.microsoft.com/office/drawing/2010/main" val="0"/>
+                <a14:useLocalDpi xmlns:a14="http://schemas.microsoft.com/office/drawing/2010/main" xmlns="" val="0"/>
               </a:ext>
             </a:extLst>
           </a:blip>
@@ -17306,14 +17393,14 @@
           <a:effectLst/>
           <a:extLst>
             <a:ext uri="{909E8E84-426E-40DD-AFC4-6F175D3DCCD1}">
-              <a14:hiddenFill xmlns:a14="http://schemas.microsoft.com/office/drawing/2010/main">
+              <a14:hiddenFill xmlns:a14="http://schemas.microsoft.com/office/drawing/2010/main" xmlns="">
                 <a:solidFill>
                   <a:schemeClr val="accent1"/>
                 </a:solidFill>
               </a14:hiddenFill>
             </a:ext>
             <a:ext uri="{91240B29-F687-4F45-9708-019B960494DF}">
-              <a14:hiddenLine xmlns:a14="http://schemas.microsoft.com/office/drawing/2010/main" w="9525">
+              <a14:hiddenLine xmlns:a14="http://schemas.microsoft.com/office/drawing/2010/main" xmlns="" w="9525">
                 <a:solidFill>
                   <a:schemeClr val="tx1"/>
                 </a:solidFill>
@@ -17323,7 +17410,7 @@
               </a14:hiddenLine>
             </a:ext>
             <a:ext uri="{AF507438-7753-43E0-B8FC-AC1667EBCBE1}">
-              <a14:hiddenEffects xmlns:a14="http://schemas.microsoft.com/office/drawing/2010/main">
+              <a14:hiddenEffects xmlns:a14="http://schemas.microsoft.com/office/drawing/2010/main" xmlns="">
                 <a:effectLst>
                   <a:outerShdw dist="35921" dir="2700000" algn="ctr" rotWithShape="0">
                     <a:schemeClr val="bg2"/>
@@ -17386,10 +17473,10 @@
           <p:nvPr/>
         </p:nvPicPr>
         <p:blipFill>
-          <a:blip r:embed="rId3">
+          <a:blip r:embed="rId3" cstate="print">
             <a:extLst>
               <a:ext uri="{28A0092B-C50C-407E-A947-70E740481C1C}">
-                <a14:useLocalDpi xmlns:a14="http://schemas.microsoft.com/office/drawing/2010/main" val="0"/>
+                <a14:useLocalDpi xmlns:a14="http://schemas.microsoft.com/office/drawing/2010/main" xmlns="" val="0"/>
               </a:ext>
             </a:extLst>
           </a:blip>
@@ -17413,14 +17500,14 @@
           <a:effectLst/>
           <a:extLst>
             <a:ext uri="{909E8E84-426E-40DD-AFC4-6F175D3DCCD1}">
-              <a14:hiddenFill xmlns:a14="http://schemas.microsoft.com/office/drawing/2010/main">
+              <a14:hiddenFill xmlns:a14="http://schemas.microsoft.com/office/drawing/2010/main" xmlns="">
                 <a:solidFill>
                   <a:schemeClr val="accent1"/>
                 </a:solidFill>
               </a14:hiddenFill>
             </a:ext>
             <a:ext uri="{91240B29-F687-4F45-9708-019B960494DF}">
-              <a14:hiddenLine xmlns:a14="http://schemas.microsoft.com/office/drawing/2010/main" w="9525">
+              <a14:hiddenLine xmlns:a14="http://schemas.microsoft.com/office/drawing/2010/main" xmlns="" w="9525">
                 <a:solidFill>
                   <a:schemeClr val="tx1"/>
                 </a:solidFill>
@@ -17430,7 +17517,7 @@
               </a14:hiddenLine>
             </a:ext>
             <a:ext uri="{AF507438-7753-43E0-B8FC-AC1667EBCBE1}">
-              <a14:hiddenEffects xmlns:a14="http://schemas.microsoft.com/office/drawing/2010/main">
+              <a14:hiddenEffects xmlns:a14="http://schemas.microsoft.com/office/drawing/2010/main" xmlns="">
                 <a:effectLst>
                   <a:outerShdw dist="35921" dir="2700000" algn="ctr" rotWithShape="0">
                     <a:schemeClr val="bg2"/>
@@ -17470,7 +17557,7 @@
           <a:effectLst/>
           <a:extLst>
             <a:ext uri="{AF507438-7753-43E0-B8FC-AC1667EBCBE1}">
-              <a14:hiddenEffects xmlns:a14="http://schemas.microsoft.com/office/drawing/2010/main">
+              <a14:hiddenEffects xmlns:a14="http://schemas.microsoft.com/office/drawing/2010/main" xmlns="">
                 <a:effectLst>
                   <a:outerShdw dist="35921" dir="2700000" algn="ctr" rotWithShape="0">
                     <a:schemeClr val="bg2"/>
@@ -17547,7 +17634,7 @@
     </p:spTree>
     <p:extLst>
       <p:ext uri="{BB962C8B-B14F-4D97-AF65-F5344CB8AC3E}">
-        <p14:creationId xmlns:p14="http://schemas.microsoft.com/office/powerpoint/2010/main" val="3377013049"/>
+        <p14:creationId xmlns:p14="http://schemas.microsoft.com/office/powerpoint/2010/main" xmlns="" val="3377013049"/>
       </p:ext>
     </p:extLst>
   </p:cSld>
@@ -17819,7 +17906,7 @@
             <a:effectLst/>
             <a:extLst>
               <a:ext uri="{AF507438-7753-43E0-B8FC-AC1667EBCBE1}">
-                <a14:hiddenEffects xmlns:a14="http://schemas.microsoft.com/office/drawing/2010/main">
+                <a14:hiddenEffects xmlns:a14="http://schemas.microsoft.com/office/drawing/2010/main" xmlns="">
                   <a:effectLst>
                     <a:outerShdw dist="35921" dir="2700000" algn="ctr" rotWithShape="0">
                       <a:schemeClr val="bg2"/>
@@ -17859,7 +17946,7 @@
             <a:effectLst/>
             <a:extLst>
               <a:ext uri="{AF507438-7753-43E0-B8FC-AC1667EBCBE1}">
-                <a14:hiddenEffects xmlns:a14="http://schemas.microsoft.com/office/drawing/2010/main">
+                <a14:hiddenEffects xmlns:a14="http://schemas.microsoft.com/office/drawing/2010/main" xmlns="">
                   <a:effectLst>
                     <a:outerShdw dist="35921" dir="2700000" algn="ctr" rotWithShape="0">
                       <a:schemeClr val="bg2"/>
@@ -17899,7 +17986,7 @@
             <a:effectLst/>
             <a:extLst>
               <a:ext uri="{AF507438-7753-43E0-B8FC-AC1667EBCBE1}">
-                <a14:hiddenEffects xmlns:a14="http://schemas.microsoft.com/office/drawing/2010/main">
+                <a14:hiddenEffects xmlns:a14="http://schemas.microsoft.com/office/drawing/2010/main" xmlns="">
                   <a:effectLst>
                     <a:outerShdw dist="35921" dir="2700000" algn="ctr" rotWithShape="0">
                       <a:schemeClr val="bg2"/>
@@ -17942,7 +18029,7 @@
             <a:effectLst/>
             <a:extLst>
               <a:ext uri="{AF507438-7753-43E0-B8FC-AC1667EBCBE1}">
-                <a14:hiddenEffects xmlns:a14="http://schemas.microsoft.com/office/drawing/2010/main">
+                <a14:hiddenEffects xmlns:a14="http://schemas.microsoft.com/office/drawing/2010/main" xmlns="">
                   <a:effectLst>
                     <a:outerShdw dist="35921" dir="2700000" algn="ctr" rotWithShape="0">
                       <a:schemeClr val="bg2"/>
@@ -18533,10 +18620,10 @@
           <p:nvPr/>
         </p:nvPicPr>
         <p:blipFill>
-          <a:blip r:embed="rId3">
+          <a:blip r:embed="rId3" cstate="print">
             <a:extLst>
               <a:ext uri="{28A0092B-C50C-407E-A947-70E740481C1C}">
-                <a14:useLocalDpi xmlns:a14="http://schemas.microsoft.com/office/drawing/2010/main" val="0"/>
+                <a14:useLocalDpi xmlns:a14="http://schemas.microsoft.com/office/drawing/2010/main" xmlns="" val="0"/>
               </a:ext>
             </a:extLst>
           </a:blip>
@@ -18560,14 +18647,14 @@
           <a:effectLst/>
           <a:extLst>
             <a:ext uri="{909E8E84-426E-40DD-AFC4-6F175D3DCCD1}">
-              <a14:hiddenFill xmlns:a14="http://schemas.microsoft.com/office/drawing/2010/main">
+              <a14:hiddenFill xmlns:a14="http://schemas.microsoft.com/office/drawing/2010/main" xmlns="">
                 <a:solidFill>
                   <a:schemeClr val="accent1"/>
                 </a:solidFill>
               </a14:hiddenFill>
             </a:ext>
             <a:ext uri="{91240B29-F687-4F45-9708-019B960494DF}">
-              <a14:hiddenLine xmlns:a14="http://schemas.microsoft.com/office/drawing/2010/main" w="9525">
+              <a14:hiddenLine xmlns:a14="http://schemas.microsoft.com/office/drawing/2010/main" xmlns="" w="9525">
                 <a:solidFill>
                   <a:schemeClr val="tx1"/>
                 </a:solidFill>
@@ -18577,7 +18664,7 @@
               </a14:hiddenLine>
             </a:ext>
             <a:ext uri="{AF507438-7753-43E0-B8FC-AC1667EBCBE1}">
-              <a14:hiddenEffects xmlns:a14="http://schemas.microsoft.com/office/drawing/2010/main">
+              <a14:hiddenEffects xmlns:a14="http://schemas.microsoft.com/office/drawing/2010/main" xmlns="">
                 <a:effectLst>
                   <a:outerShdw dist="35921" dir="2700000" algn="ctr" rotWithShape="0">
                     <a:schemeClr val="bg2"/>
@@ -19035,7 +19122,7 @@
     </p:spTree>
     <p:extLst>
       <p:ext uri="{BB962C8B-B14F-4D97-AF65-F5344CB8AC3E}">
-        <p14:creationId xmlns:p14="http://schemas.microsoft.com/office/powerpoint/2010/main" val="904620072"/>
+        <p14:creationId xmlns:p14="http://schemas.microsoft.com/office/powerpoint/2010/main" xmlns="" val="904620072"/>
       </p:ext>
     </p:extLst>
   </p:cSld>
@@ -19081,10 +19168,10 @@
           <p:nvPr/>
         </p:nvPicPr>
         <p:blipFill>
-          <a:blip r:embed="rId3">
+          <a:blip r:embed="rId3" cstate="print">
             <a:extLst>
               <a:ext uri="{28A0092B-C50C-407E-A947-70E740481C1C}">
-                <a14:useLocalDpi xmlns:a14="http://schemas.microsoft.com/office/drawing/2010/main" val="0"/>
+                <a14:useLocalDpi xmlns:a14="http://schemas.microsoft.com/office/drawing/2010/main" xmlns="" val="0"/>
               </a:ext>
             </a:extLst>
           </a:blip>
@@ -19108,14 +19195,14 @@
           <a:effectLst/>
           <a:extLst>
             <a:ext uri="{909E8E84-426E-40DD-AFC4-6F175D3DCCD1}">
-              <a14:hiddenFill xmlns:a14="http://schemas.microsoft.com/office/drawing/2010/main">
+              <a14:hiddenFill xmlns:a14="http://schemas.microsoft.com/office/drawing/2010/main" xmlns="">
                 <a:solidFill>
                   <a:schemeClr val="accent1"/>
                 </a:solidFill>
               </a14:hiddenFill>
             </a:ext>
             <a:ext uri="{91240B29-F687-4F45-9708-019B960494DF}">
-              <a14:hiddenLine xmlns:a14="http://schemas.microsoft.com/office/drawing/2010/main" w="9525">
+              <a14:hiddenLine xmlns:a14="http://schemas.microsoft.com/office/drawing/2010/main" xmlns="" w="9525">
                 <a:solidFill>
                   <a:schemeClr val="tx1"/>
                 </a:solidFill>
@@ -19125,7 +19212,7 @@
               </a14:hiddenLine>
             </a:ext>
             <a:ext uri="{AF507438-7753-43E0-B8FC-AC1667EBCBE1}">
-              <a14:hiddenEffects xmlns:a14="http://schemas.microsoft.com/office/drawing/2010/main">
+              <a14:hiddenEffects xmlns:a14="http://schemas.microsoft.com/office/drawing/2010/main" xmlns="">
                 <a:effectLst>
                   <a:outerShdw dist="35921" dir="2700000" algn="ctr" rotWithShape="0">
                     <a:schemeClr val="bg2"/>
@@ -19548,7 +19635,7 @@
     </p:spTree>
     <p:extLst>
       <p:ext uri="{BB962C8B-B14F-4D97-AF65-F5344CB8AC3E}">
-        <p14:creationId xmlns:p14="http://schemas.microsoft.com/office/powerpoint/2010/main" val="1593118089"/>
+        <p14:creationId xmlns:p14="http://schemas.microsoft.com/office/powerpoint/2010/main" xmlns="" val="1593118089"/>
       </p:ext>
     </p:extLst>
   </p:cSld>
@@ -19811,7 +19898,7 @@
             <a:effectLst/>
             <a:extLst>
               <a:ext uri="{AF507438-7753-43E0-B8FC-AC1667EBCBE1}">
-                <a14:hiddenEffects xmlns:a14="http://schemas.microsoft.com/office/drawing/2010/main">
+                <a14:hiddenEffects xmlns:a14="http://schemas.microsoft.com/office/drawing/2010/main" xmlns="">
                   <a:effectLst>
                     <a:outerShdw dist="35921" dir="2700000" algn="ctr" rotWithShape="0">
                       <a:schemeClr val="bg2"/>
@@ -19851,7 +19938,7 @@
             <a:effectLst/>
             <a:extLst>
               <a:ext uri="{AF507438-7753-43E0-B8FC-AC1667EBCBE1}">
-                <a14:hiddenEffects xmlns:a14="http://schemas.microsoft.com/office/drawing/2010/main">
+                <a14:hiddenEffects xmlns:a14="http://schemas.microsoft.com/office/drawing/2010/main" xmlns="">
                   <a:effectLst>
                     <a:outerShdw dist="35921" dir="2700000" algn="ctr" rotWithShape="0">
                       <a:schemeClr val="bg2"/>
@@ -19891,7 +19978,7 @@
             <a:effectLst/>
             <a:extLst>
               <a:ext uri="{AF507438-7753-43E0-B8FC-AC1667EBCBE1}">
-                <a14:hiddenEffects xmlns:a14="http://schemas.microsoft.com/office/drawing/2010/main">
+                <a14:hiddenEffects xmlns:a14="http://schemas.microsoft.com/office/drawing/2010/main" xmlns="">
                   <a:effectLst>
                     <a:outerShdw dist="35921" dir="2700000" algn="ctr" rotWithShape="0">
                       <a:schemeClr val="bg2"/>
@@ -19934,7 +20021,7 @@
             <a:effectLst/>
             <a:extLst>
               <a:ext uri="{AF507438-7753-43E0-B8FC-AC1667EBCBE1}">
-                <a14:hiddenEffects xmlns:a14="http://schemas.microsoft.com/office/drawing/2010/main">
+                <a14:hiddenEffects xmlns:a14="http://schemas.microsoft.com/office/drawing/2010/main" xmlns="">
                   <a:effectLst>
                     <a:outerShdw dist="35921" dir="2700000" algn="ctr" rotWithShape="0">
                       <a:schemeClr val="bg2"/>
@@ -20579,10 +20666,10 @@
           <p:nvPr/>
         </p:nvPicPr>
         <p:blipFill>
-          <a:blip r:embed="rId4">
+          <a:blip r:embed="rId4" cstate="print">
             <a:extLst>
               <a:ext uri="{28A0092B-C50C-407E-A947-70E740481C1C}">
-                <a14:useLocalDpi xmlns:a14="http://schemas.microsoft.com/office/drawing/2010/main" val="0"/>
+                <a14:useLocalDpi xmlns:a14="http://schemas.microsoft.com/office/drawing/2010/main" xmlns="" val="0"/>
               </a:ext>
             </a:extLst>
           </a:blip>
@@ -20606,14 +20693,14 @@
           <a:effectLst/>
           <a:extLst>
             <a:ext uri="{909E8E84-426E-40DD-AFC4-6F175D3DCCD1}">
-              <a14:hiddenFill xmlns:a14="http://schemas.microsoft.com/office/drawing/2010/main">
+              <a14:hiddenFill xmlns:a14="http://schemas.microsoft.com/office/drawing/2010/main" xmlns="">
                 <a:solidFill>
                   <a:schemeClr val="accent1"/>
                 </a:solidFill>
               </a14:hiddenFill>
             </a:ext>
             <a:ext uri="{91240B29-F687-4F45-9708-019B960494DF}">
-              <a14:hiddenLine xmlns:a14="http://schemas.microsoft.com/office/drawing/2010/main" w="9525">
+              <a14:hiddenLine xmlns:a14="http://schemas.microsoft.com/office/drawing/2010/main" xmlns="" w="9525">
                 <a:solidFill>
                   <a:schemeClr val="tx1"/>
                 </a:solidFill>
@@ -20623,7 +20710,7 @@
               </a14:hiddenLine>
             </a:ext>
             <a:ext uri="{AF507438-7753-43E0-B8FC-AC1667EBCBE1}">
-              <a14:hiddenEffects xmlns:a14="http://schemas.microsoft.com/office/drawing/2010/main">
+              <a14:hiddenEffects xmlns:a14="http://schemas.microsoft.com/office/drawing/2010/main" xmlns="">
                 <a:effectLst>
                   <a:outerShdw dist="35921" dir="2700000" algn="ctr" rotWithShape="0">
                     <a:schemeClr val="bg2"/>
@@ -21010,7 +21097,7 @@
     </p:spTree>
     <p:extLst>
       <p:ext uri="{BB962C8B-B14F-4D97-AF65-F5344CB8AC3E}">
-        <p14:creationId xmlns:p14="http://schemas.microsoft.com/office/powerpoint/2010/main" val="2669528604"/>
+        <p14:creationId xmlns:p14="http://schemas.microsoft.com/office/powerpoint/2010/main" xmlns="" val="2669528604"/>
       </p:ext>
     </p:extLst>
   </p:cSld>
@@ -21056,10 +21143,10 @@
           <p:nvPr/>
         </p:nvPicPr>
         <p:blipFill>
-          <a:blip r:embed="rId2">
+          <a:blip r:embed="rId2" cstate="print">
             <a:extLst>
               <a:ext uri="{28A0092B-C50C-407E-A947-70E740481C1C}">
-                <a14:useLocalDpi xmlns:a14="http://schemas.microsoft.com/office/drawing/2010/main" val="0"/>
+                <a14:useLocalDpi xmlns:a14="http://schemas.microsoft.com/office/drawing/2010/main" xmlns="" val="0"/>
               </a:ext>
             </a:extLst>
           </a:blip>
@@ -21083,14 +21170,14 @@
           <a:effectLst/>
           <a:extLst>
             <a:ext uri="{909E8E84-426E-40DD-AFC4-6F175D3DCCD1}">
-              <a14:hiddenFill xmlns:a14="http://schemas.microsoft.com/office/drawing/2010/main">
+              <a14:hiddenFill xmlns:a14="http://schemas.microsoft.com/office/drawing/2010/main" xmlns="">
                 <a:solidFill>
                   <a:schemeClr val="accent1"/>
                 </a:solidFill>
               </a14:hiddenFill>
             </a:ext>
             <a:ext uri="{91240B29-F687-4F45-9708-019B960494DF}">
-              <a14:hiddenLine xmlns:a14="http://schemas.microsoft.com/office/drawing/2010/main" w="9525">
+              <a14:hiddenLine xmlns:a14="http://schemas.microsoft.com/office/drawing/2010/main" xmlns="" w="9525">
                 <a:solidFill>
                   <a:schemeClr val="tx1"/>
                 </a:solidFill>
@@ -21100,7 +21187,7 @@
               </a14:hiddenLine>
             </a:ext>
             <a:ext uri="{AF507438-7753-43E0-B8FC-AC1667EBCBE1}">
-              <a14:hiddenEffects xmlns:a14="http://schemas.microsoft.com/office/drawing/2010/main">
+              <a14:hiddenEffects xmlns:a14="http://schemas.microsoft.com/office/drawing/2010/main" xmlns="">
                 <a:effectLst>
                   <a:outerShdw dist="35921" dir="2700000" algn="ctr" rotWithShape="0">
                     <a:schemeClr val="bg2"/>
@@ -21426,7 +21513,7 @@
     </p:spTree>
     <p:extLst>
       <p:ext uri="{BB962C8B-B14F-4D97-AF65-F5344CB8AC3E}">
-        <p14:creationId xmlns:p14="http://schemas.microsoft.com/office/powerpoint/2010/main" val="4212739828"/>
+        <p14:creationId xmlns:p14="http://schemas.microsoft.com/office/powerpoint/2010/main" xmlns="" val="4212739828"/>
       </p:ext>
     </p:extLst>
   </p:cSld>
@@ -21717,10 +21804,10 @@
           <p:nvPr/>
         </p:nvPicPr>
         <p:blipFill>
-          <a:blip r:embed="rId3">
+          <a:blip r:embed="rId3" cstate="print">
             <a:extLst>
               <a:ext uri="{28A0092B-C50C-407E-A947-70E740481C1C}">
-                <a14:useLocalDpi xmlns:a14="http://schemas.microsoft.com/office/drawing/2010/main" val="0"/>
+                <a14:useLocalDpi xmlns:a14="http://schemas.microsoft.com/office/drawing/2010/main" xmlns="" val="0"/>
               </a:ext>
             </a:extLst>
           </a:blip>
@@ -21744,14 +21831,14 @@
           <a:effectLst/>
           <a:extLst>
             <a:ext uri="{909E8E84-426E-40DD-AFC4-6F175D3DCCD1}">
-              <a14:hiddenFill xmlns:a14="http://schemas.microsoft.com/office/drawing/2010/main">
+              <a14:hiddenFill xmlns:a14="http://schemas.microsoft.com/office/drawing/2010/main" xmlns="">
                 <a:solidFill>
                   <a:schemeClr val="accent1"/>
                 </a:solidFill>
               </a14:hiddenFill>
             </a:ext>
             <a:ext uri="{91240B29-F687-4F45-9708-019B960494DF}">
-              <a14:hiddenLine xmlns:a14="http://schemas.microsoft.com/office/drawing/2010/main" w="9525">
+              <a14:hiddenLine xmlns:a14="http://schemas.microsoft.com/office/drawing/2010/main" xmlns="" w="9525">
                 <a:solidFill>
                   <a:schemeClr val="tx1"/>
                 </a:solidFill>
@@ -21761,7 +21848,7 @@
               </a14:hiddenLine>
             </a:ext>
             <a:ext uri="{AF507438-7753-43E0-B8FC-AC1667EBCBE1}">
-              <a14:hiddenEffects xmlns:a14="http://schemas.microsoft.com/office/drawing/2010/main">
+              <a14:hiddenEffects xmlns:a14="http://schemas.microsoft.com/office/drawing/2010/main" xmlns="">
                 <a:effectLst>
                   <a:outerShdw dist="35921" dir="2700000" algn="ctr" rotWithShape="0">
                     <a:schemeClr val="bg2"/>
@@ -21912,7 +21999,7 @@
     </p:spTree>
     <p:extLst>
       <p:ext uri="{BB962C8B-B14F-4D97-AF65-F5344CB8AC3E}">
-        <p14:creationId xmlns:p14="http://schemas.microsoft.com/office/powerpoint/2010/main" val="1586258510"/>
+        <p14:creationId xmlns:p14="http://schemas.microsoft.com/office/powerpoint/2010/main" xmlns="" val="1586258510"/>
       </p:ext>
     </p:extLst>
   </p:cSld>
@@ -22175,7 +22262,7 @@
             <a:effectLst/>
             <a:extLst>
               <a:ext uri="{AF507438-7753-43E0-B8FC-AC1667EBCBE1}">
-                <a14:hiddenEffects xmlns:a14="http://schemas.microsoft.com/office/drawing/2010/main">
+                <a14:hiddenEffects xmlns:a14="http://schemas.microsoft.com/office/drawing/2010/main" xmlns="">
                   <a:effectLst>
                     <a:outerShdw dist="35921" dir="2700000" algn="ctr" rotWithShape="0">
                       <a:schemeClr val="bg2"/>
@@ -22215,7 +22302,7 @@
             <a:effectLst/>
             <a:extLst>
               <a:ext uri="{AF507438-7753-43E0-B8FC-AC1667EBCBE1}">
-                <a14:hiddenEffects xmlns:a14="http://schemas.microsoft.com/office/drawing/2010/main">
+                <a14:hiddenEffects xmlns:a14="http://schemas.microsoft.com/office/drawing/2010/main" xmlns="">
                   <a:effectLst>
                     <a:outerShdw dist="35921" dir="2700000" algn="ctr" rotWithShape="0">
                       <a:schemeClr val="bg2"/>
@@ -22255,7 +22342,7 @@
             <a:effectLst/>
             <a:extLst>
               <a:ext uri="{AF507438-7753-43E0-B8FC-AC1667EBCBE1}">
-                <a14:hiddenEffects xmlns:a14="http://schemas.microsoft.com/office/drawing/2010/main">
+                <a14:hiddenEffects xmlns:a14="http://schemas.microsoft.com/office/drawing/2010/main" xmlns="">
                   <a:effectLst>
                     <a:outerShdw dist="35921" dir="2700000" algn="ctr" rotWithShape="0">
                       <a:schemeClr val="bg2"/>
@@ -22298,7 +22385,7 @@
             <a:effectLst/>
             <a:extLst>
               <a:ext uri="{AF507438-7753-43E0-B8FC-AC1667EBCBE1}">
-                <a14:hiddenEffects xmlns:a14="http://schemas.microsoft.com/office/drawing/2010/main">
+                <a14:hiddenEffects xmlns:a14="http://schemas.microsoft.com/office/drawing/2010/main" xmlns="">
                   <a:effectLst>
                     <a:outerShdw dist="35921" dir="2700000" algn="ctr" rotWithShape="0">
                       <a:schemeClr val="bg2"/>
@@ -22349,7 +22436,7 @@
     </p:spTree>
     <p:extLst>
       <p:ext uri="{BB962C8B-B14F-4D97-AF65-F5344CB8AC3E}">
-        <p14:creationId xmlns:p14="http://schemas.microsoft.com/office/powerpoint/2010/main" val="15774180"/>
+        <p14:creationId xmlns:p14="http://schemas.microsoft.com/office/powerpoint/2010/main" xmlns="" val="15774180"/>
       </p:ext>
     </p:extLst>
   </p:cSld>
@@ -22614,7 +22701,7 @@
             <a:effectLst/>
             <a:extLst>
               <a:ext uri="{AF507438-7753-43E0-B8FC-AC1667EBCBE1}">
-                <a14:hiddenEffects xmlns:a14="http://schemas.microsoft.com/office/drawing/2010/main">
+                <a14:hiddenEffects xmlns:a14="http://schemas.microsoft.com/office/drawing/2010/main" xmlns="">
                   <a:effectLst>
                     <a:outerShdw dist="35921" dir="2700000" algn="ctr" rotWithShape="0">
                       <a:schemeClr val="bg2"/>
@@ -22654,7 +22741,7 @@
             <a:effectLst/>
             <a:extLst>
               <a:ext uri="{AF507438-7753-43E0-B8FC-AC1667EBCBE1}">
-                <a14:hiddenEffects xmlns:a14="http://schemas.microsoft.com/office/drawing/2010/main">
+                <a14:hiddenEffects xmlns:a14="http://schemas.microsoft.com/office/drawing/2010/main" xmlns="">
                   <a:effectLst>
                     <a:outerShdw dist="35921" dir="2700000" algn="ctr" rotWithShape="0">
                       <a:schemeClr val="bg2"/>
@@ -22694,7 +22781,7 @@
             <a:effectLst/>
             <a:extLst>
               <a:ext uri="{AF507438-7753-43E0-B8FC-AC1667EBCBE1}">
-                <a14:hiddenEffects xmlns:a14="http://schemas.microsoft.com/office/drawing/2010/main">
+                <a14:hiddenEffects xmlns:a14="http://schemas.microsoft.com/office/drawing/2010/main" xmlns="">
                   <a:effectLst>
                     <a:outerShdw dist="35921" dir="2700000" algn="ctr" rotWithShape="0">
                       <a:schemeClr val="bg2"/>
@@ -22737,7 +22824,7 @@
             <a:effectLst/>
             <a:extLst>
               <a:ext uri="{AF507438-7753-43E0-B8FC-AC1667EBCBE1}">
-                <a14:hiddenEffects xmlns:a14="http://schemas.microsoft.com/office/drawing/2010/main">
+                <a14:hiddenEffects xmlns:a14="http://schemas.microsoft.com/office/drawing/2010/main" xmlns="">
                   <a:effectLst>
                     <a:outerShdw dist="35921" dir="2700000" algn="ctr" rotWithShape="0">
                       <a:schemeClr val="bg2"/>
@@ -23106,10 +23193,10 @@
           <p:nvPr/>
         </p:nvPicPr>
         <p:blipFill>
-          <a:blip r:embed="rId4">
+          <a:blip r:embed="rId4" cstate="print">
             <a:extLst>
               <a:ext uri="{28A0092B-C50C-407E-A947-70E740481C1C}">
-                <a14:useLocalDpi xmlns:a14="http://schemas.microsoft.com/office/drawing/2010/main" val="0"/>
+                <a14:useLocalDpi xmlns:a14="http://schemas.microsoft.com/office/drawing/2010/main" xmlns="" val="0"/>
               </a:ext>
             </a:extLst>
           </a:blip>
@@ -23133,14 +23220,14 @@
           <a:effectLst/>
           <a:extLst>
             <a:ext uri="{909E8E84-426E-40DD-AFC4-6F175D3DCCD1}">
-              <a14:hiddenFill xmlns:a14="http://schemas.microsoft.com/office/drawing/2010/main">
+              <a14:hiddenFill xmlns:a14="http://schemas.microsoft.com/office/drawing/2010/main" xmlns="">
                 <a:solidFill>
                   <a:schemeClr val="accent1"/>
                 </a:solidFill>
               </a14:hiddenFill>
             </a:ext>
             <a:ext uri="{91240B29-F687-4F45-9708-019B960494DF}">
-              <a14:hiddenLine xmlns:a14="http://schemas.microsoft.com/office/drawing/2010/main" w="9525">
+              <a14:hiddenLine xmlns:a14="http://schemas.microsoft.com/office/drawing/2010/main" xmlns="" w="9525">
                 <a:solidFill>
                   <a:schemeClr val="tx1"/>
                 </a:solidFill>
@@ -23150,7 +23237,7 @@
               </a14:hiddenLine>
             </a:ext>
             <a:ext uri="{AF507438-7753-43E0-B8FC-AC1667EBCBE1}">
-              <a14:hiddenEffects xmlns:a14="http://schemas.microsoft.com/office/drawing/2010/main">
+              <a14:hiddenEffects xmlns:a14="http://schemas.microsoft.com/office/drawing/2010/main" xmlns="">
                 <a:effectLst>
                   <a:outerShdw dist="35921" dir="2700000" algn="ctr" rotWithShape="0">
                     <a:schemeClr val="bg2"/>
@@ -23405,7 +23492,7 @@
     </p:spTree>
     <p:extLst>
       <p:ext uri="{BB962C8B-B14F-4D97-AF65-F5344CB8AC3E}">
-        <p14:creationId xmlns:p14="http://schemas.microsoft.com/office/powerpoint/2010/main" val="733890083"/>
+        <p14:creationId xmlns:p14="http://schemas.microsoft.com/office/powerpoint/2010/main" xmlns="" val="733890083"/>
       </p:ext>
     </p:extLst>
   </p:cSld>
@@ -23451,10 +23538,10 @@
           <p:nvPr/>
         </p:nvPicPr>
         <p:blipFill>
-          <a:blip r:embed="rId2">
+          <a:blip r:embed="rId2" cstate="print">
             <a:extLst>
               <a:ext uri="{28A0092B-C50C-407E-A947-70E740481C1C}">
-                <a14:useLocalDpi xmlns:a14="http://schemas.microsoft.com/office/drawing/2010/main" val="0"/>
+                <a14:useLocalDpi xmlns:a14="http://schemas.microsoft.com/office/drawing/2010/main" xmlns="" val="0"/>
               </a:ext>
             </a:extLst>
           </a:blip>
@@ -23478,14 +23565,14 @@
           <a:effectLst/>
           <a:extLst>
             <a:ext uri="{909E8E84-426E-40DD-AFC4-6F175D3DCCD1}">
-              <a14:hiddenFill xmlns:a14="http://schemas.microsoft.com/office/drawing/2010/main">
+              <a14:hiddenFill xmlns:a14="http://schemas.microsoft.com/office/drawing/2010/main" xmlns="">
                 <a:solidFill>
                   <a:schemeClr val="accent1"/>
                 </a:solidFill>
               </a14:hiddenFill>
             </a:ext>
             <a:ext uri="{91240B29-F687-4F45-9708-019B960494DF}">
-              <a14:hiddenLine xmlns:a14="http://schemas.microsoft.com/office/drawing/2010/main" w="9525">
+              <a14:hiddenLine xmlns:a14="http://schemas.microsoft.com/office/drawing/2010/main" xmlns="" w="9525">
                 <a:solidFill>
                   <a:schemeClr val="tx1"/>
                 </a:solidFill>
@@ -23495,7 +23582,7 @@
               </a14:hiddenLine>
             </a:ext>
             <a:ext uri="{AF507438-7753-43E0-B8FC-AC1667EBCBE1}">
-              <a14:hiddenEffects xmlns:a14="http://schemas.microsoft.com/office/drawing/2010/main">
+              <a14:hiddenEffects xmlns:a14="http://schemas.microsoft.com/office/drawing/2010/main" xmlns="">
                 <a:effectLst>
                   <a:outerShdw dist="35921" dir="2700000" algn="ctr" rotWithShape="0">
                     <a:schemeClr val="bg2"/>
@@ -23835,7 +23922,7 @@
     </p:spTree>
     <p:extLst>
       <p:ext uri="{BB962C8B-B14F-4D97-AF65-F5344CB8AC3E}">
-        <p14:creationId xmlns:p14="http://schemas.microsoft.com/office/powerpoint/2010/main" val="812541137"/>
+        <p14:creationId xmlns:p14="http://schemas.microsoft.com/office/powerpoint/2010/main" xmlns="" val="812541137"/>
       </p:ext>
     </p:extLst>
   </p:cSld>
@@ -24098,7 +24185,7 @@
             <a:effectLst/>
             <a:extLst>
               <a:ext uri="{AF507438-7753-43E0-B8FC-AC1667EBCBE1}">
-                <a14:hiddenEffects xmlns:a14="http://schemas.microsoft.com/office/drawing/2010/main">
+                <a14:hiddenEffects xmlns:a14="http://schemas.microsoft.com/office/drawing/2010/main" xmlns="">
                   <a:effectLst>
                     <a:outerShdw dist="35921" dir="2700000" algn="ctr" rotWithShape="0">
                       <a:schemeClr val="bg2"/>
@@ -24138,7 +24225,7 @@
             <a:effectLst/>
             <a:extLst>
               <a:ext uri="{AF507438-7753-43E0-B8FC-AC1667EBCBE1}">
-                <a14:hiddenEffects xmlns:a14="http://schemas.microsoft.com/office/drawing/2010/main">
+                <a14:hiddenEffects xmlns:a14="http://schemas.microsoft.com/office/drawing/2010/main" xmlns="">
                   <a:effectLst>
                     <a:outerShdw dist="35921" dir="2700000" algn="ctr" rotWithShape="0">
                       <a:schemeClr val="bg2"/>
@@ -24178,7 +24265,7 @@
             <a:effectLst/>
             <a:extLst>
               <a:ext uri="{AF507438-7753-43E0-B8FC-AC1667EBCBE1}">
-                <a14:hiddenEffects xmlns:a14="http://schemas.microsoft.com/office/drawing/2010/main">
+                <a14:hiddenEffects xmlns:a14="http://schemas.microsoft.com/office/drawing/2010/main" xmlns="">
                   <a:effectLst>
                     <a:outerShdw dist="35921" dir="2700000" algn="ctr" rotWithShape="0">
                       <a:schemeClr val="bg2"/>
@@ -24221,7 +24308,7 @@
             <a:effectLst/>
             <a:extLst>
               <a:ext uri="{AF507438-7753-43E0-B8FC-AC1667EBCBE1}">
-                <a14:hiddenEffects xmlns:a14="http://schemas.microsoft.com/office/drawing/2010/main">
+                <a14:hiddenEffects xmlns:a14="http://schemas.microsoft.com/office/drawing/2010/main" xmlns="">
                   <a:effectLst>
                     <a:outerShdw dist="35921" dir="2700000" algn="ctr" rotWithShape="0">
                       <a:schemeClr val="bg2"/>
@@ -24847,10 +24934,10 @@
           <p:nvPr/>
         </p:nvPicPr>
         <p:blipFill>
-          <a:blip r:embed="rId4">
+          <a:blip r:embed="rId4" cstate="print">
             <a:extLst>
               <a:ext uri="{28A0092B-C50C-407E-A947-70E740481C1C}">
-                <a14:useLocalDpi xmlns:a14="http://schemas.microsoft.com/office/drawing/2010/main" val="0"/>
+                <a14:useLocalDpi xmlns:a14="http://schemas.microsoft.com/office/drawing/2010/main" xmlns="" val="0"/>
               </a:ext>
             </a:extLst>
           </a:blip>
@@ -24874,14 +24961,14 @@
           <a:effectLst/>
           <a:extLst>
             <a:ext uri="{909E8E84-426E-40DD-AFC4-6F175D3DCCD1}">
-              <a14:hiddenFill xmlns:a14="http://schemas.microsoft.com/office/drawing/2010/main">
+              <a14:hiddenFill xmlns:a14="http://schemas.microsoft.com/office/drawing/2010/main" xmlns="">
                 <a:solidFill>
                   <a:schemeClr val="accent1"/>
                 </a:solidFill>
               </a14:hiddenFill>
             </a:ext>
             <a:ext uri="{91240B29-F687-4F45-9708-019B960494DF}">
-              <a14:hiddenLine xmlns:a14="http://schemas.microsoft.com/office/drawing/2010/main" w="9525">
+              <a14:hiddenLine xmlns:a14="http://schemas.microsoft.com/office/drawing/2010/main" xmlns="" w="9525">
                 <a:solidFill>
                   <a:schemeClr val="tx1"/>
                 </a:solidFill>
@@ -24891,7 +24978,7 @@
               </a14:hiddenLine>
             </a:ext>
             <a:ext uri="{AF507438-7753-43E0-B8FC-AC1667EBCBE1}">
-              <a14:hiddenEffects xmlns:a14="http://schemas.microsoft.com/office/drawing/2010/main">
+              <a14:hiddenEffects xmlns:a14="http://schemas.microsoft.com/office/drawing/2010/main" xmlns="">
                 <a:effectLst>
                   <a:outerShdw dist="35921" dir="2700000" algn="ctr" rotWithShape="0">
                     <a:schemeClr val="bg2"/>
@@ -25039,10 +25126,10 @@
           <p:nvPr/>
         </p:nvPicPr>
         <p:blipFill>
-          <a:blip r:embed="rId5">
+          <a:blip r:embed="rId5" cstate="print">
             <a:extLst>
               <a:ext uri="{28A0092B-C50C-407E-A947-70E740481C1C}">
-                <a14:useLocalDpi xmlns:a14="http://schemas.microsoft.com/office/drawing/2010/main" val="0"/>
+                <a14:useLocalDpi xmlns:a14="http://schemas.microsoft.com/office/drawing/2010/main" xmlns="" val="0"/>
               </a:ext>
             </a:extLst>
           </a:blip>
@@ -25066,14 +25153,14 @@
           <a:effectLst/>
           <a:extLst>
             <a:ext uri="{909E8E84-426E-40DD-AFC4-6F175D3DCCD1}">
-              <a14:hiddenFill xmlns:a14="http://schemas.microsoft.com/office/drawing/2010/main">
+              <a14:hiddenFill xmlns:a14="http://schemas.microsoft.com/office/drawing/2010/main" xmlns="">
                 <a:solidFill>
                   <a:schemeClr val="accent1"/>
                 </a:solidFill>
               </a14:hiddenFill>
             </a:ext>
             <a:ext uri="{91240B29-F687-4F45-9708-019B960494DF}">
-              <a14:hiddenLine xmlns:a14="http://schemas.microsoft.com/office/drawing/2010/main" w="9525">
+              <a14:hiddenLine xmlns:a14="http://schemas.microsoft.com/office/drawing/2010/main" xmlns="" w="9525">
                 <a:solidFill>
                   <a:schemeClr val="tx1"/>
                 </a:solidFill>
@@ -25083,7 +25170,7 @@
               </a14:hiddenLine>
             </a:ext>
             <a:ext uri="{AF507438-7753-43E0-B8FC-AC1667EBCBE1}">
-              <a14:hiddenEffects xmlns:a14="http://schemas.microsoft.com/office/drawing/2010/main">
+              <a14:hiddenEffects xmlns:a14="http://schemas.microsoft.com/office/drawing/2010/main" xmlns="">
                 <a:effectLst>
                   <a:outerShdw dist="35921" dir="2700000" algn="ctr" rotWithShape="0">
                     <a:schemeClr val="bg2"/>
@@ -25125,7 +25212,7 @@
           <a:effectLst/>
           <a:extLst>
             <a:ext uri="{AF507438-7753-43E0-B8FC-AC1667EBCBE1}">
-              <a14:hiddenEffects xmlns:a14="http://schemas.microsoft.com/office/drawing/2010/main">
+              <a14:hiddenEffects xmlns:a14="http://schemas.microsoft.com/office/drawing/2010/main" xmlns="">
                 <a:effectLst>
                   <a:outerShdw dist="35921" dir="2700000" algn="ctr" rotWithShape="0">
                     <a:schemeClr val="bg2"/>
@@ -25145,10 +25232,10 @@
           <p:nvPr/>
         </p:nvPicPr>
         <p:blipFill>
-          <a:blip r:embed="rId6">
+          <a:blip r:embed="rId6" cstate="print">
             <a:extLst>
               <a:ext uri="{28A0092B-C50C-407E-A947-70E740481C1C}">
-                <a14:useLocalDpi xmlns:a14="http://schemas.microsoft.com/office/drawing/2010/main" val="0"/>
+                <a14:useLocalDpi xmlns:a14="http://schemas.microsoft.com/office/drawing/2010/main" xmlns="" val="0"/>
               </a:ext>
             </a:extLst>
           </a:blip>
@@ -25172,14 +25259,14 @@
           <a:effectLst/>
           <a:extLst>
             <a:ext uri="{909E8E84-426E-40DD-AFC4-6F175D3DCCD1}">
-              <a14:hiddenFill xmlns:a14="http://schemas.microsoft.com/office/drawing/2010/main">
+              <a14:hiddenFill xmlns:a14="http://schemas.microsoft.com/office/drawing/2010/main" xmlns="">
                 <a:solidFill>
                   <a:schemeClr val="accent1"/>
                 </a:solidFill>
               </a14:hiddenFill>
             </a:ext>
             <a:ext uri="{91240B29-F687-4F45-9708-019B960494DF}">
-              <a14:hiddenLine xmlns:a14="http://schemas.microsoft.com/office/drawing/2010/main" w="9525">
+              <a14:hiddenLine xmlns:a14="http://schemas.microsoft.com/office/drawing/2010/main" xmlns="" w="9525">
                 <a:solidFill>
                   <a:schemeClr val="tx1"/>
                 </a:solidFill>
@@ -25189,7 +25276,7 @@
               </a14:hiddenLine>
             </a:ext>
             <a:ext uri="{AF507438-7753-43E0-B8FC-AC1667EBCBE1}">
-              <a14:hiddenEffects xmlns:a14="http://schemas.microsoft.com/office/drawing/2010/main">
+              <a14:hiddenEffects xmlns:a14="http://schemas.microsoft.com/office/drawing/2010/main" xmlns="">
                 <a:effectLst>
                   <a:outerShdw dist="35921" dir="2700000" algn="ctr" rotWithShape="0">
                     <a:schemeClr val="bg2"/>
@@ -25229,7 +25316,7 @@
           <a:effectLst/>
           <a:extLst>
             <a:ext uri="{AF507438-7753-43E0-B8FC-AC1667EBCBE1}">
-              <a14:hiddenEffects xmlns:a14="http://schemas.microsoft.com/office/drawing/2010/main">
+              <a14:hiddenEffects xmlns:a14="http://schemas.microsoft.com/office/drawing/2010/main" xmlns="">
                 <a:effectLst>
                   <a:outerShdw dist="35921" dir="2700000" algn="ctr" rotWithShape="0">
                     <a:schemeClr val="bg2"/>
@@ -25356,7 +25443,7 @@
     </p:spTree>
     <p:extLst>
       <p:ext uri="{BB962C8B-B14F-4D97-AF65-F5344CB8AC3E}">
-        <p14:creationId xmlns:p14="http://schemas.microsoft.com/office/powerpoint/2010/main" val="1291722843"/>
+        <p14:creationId xmlns:p14="http://schemas.microsoft.com/office/powerpoint/2010/main" xmlns="" val="1291722843"/>
       </p:ext>
     </p:extLst>
   </p:cSld>
@@ -25402,10 +25489,10 @@
           <p:nvPr/>
         </p:nvPicPr>
         <p:blipFill>
-          <a:blip r:embed="rId2">
+          <a:blip r:embed="rId2" cstate="print">
             <a:extLst>
               <a:ext uri="{28A0092B-C50C-407E-A947-70E740481C1C}">
-                <a14:useLocalDpi xmlns:a14="http://schemas.microsoft.com/office/drawing/2010/main" val="0"/>
+                <a14:useLocalDpi xmlns:a14="http://schemas.microsoft.com/office/drawing/2010/main" xmlns="" val="0"/>
               </a:ext>
             </a:extLst>
           </a:blip>
@@ -25429,14 +25516,14 @@
           <a:effectLst/>
           <a:extLst>
             <a:ext uri="{909E8E84-426E-40DD-AFC4-6F175D3DCCD1}">
-              <a14:hiddenFill xmlns:a14="http://schemas.microsoft.com/office/drawing/2010/main">
+              <a14:hiddenFill xmlns:a14="http://schemas.microsoft.com/office/drawing/2010/main" xmlns="">
                 <a:solidFill>
                   <a:schemeClr val="accent1"/>
                 </a:solidFill>
               </a14:hiddenFill>
             </a:ext>
             <a:ext uri="{91240B29-F687-4F45-9708-019B960494DF}">
-              <a14:hiddenLine xmlns:a14="http://schemas.microsoft.com/office/drawing/2010/main" w="9525">
+              <a14:hiddenLine xmlns:a14="http://schemas.microsoft.com/office/drawing/2010/main" xmlns="" w="9525">
                 <a:solidFill>
                   <a:schemeClr val="tx1"/>
                 </a:solidFill>
@@ -25446,7 +25533,7 @@
               </a14:hiddenLine>
             </a:ext>
             <a:ext uri="{AF507438-7753-43E0-B8FC-AC1667EBCBE1}">
-              <a14:hiddenEffects xmlns:a14="http://schemas.microsoft.com/office/drawing/2010/main">
+              <a14:hiddenEffects xmlns:a14="http://schemas.microsoft.com/office/drawing/2010/main" xmlns="">
                 <a:effectLst>
                   <a:outerShdw dist="35921" dir="2700000" algn="ctr" rotWithShape="0">
                     <a:schemeClr val="bg2"/>
@@ -25937,7 +26024,7 @@
     </p:spTree>
     <p:extLst>
       <p:ext uri="{BB962C8B-B14F-4D97-AF65-F5344CB8AC3E}">
-        <p14:creationId xmlns:p14="http://schemas.microsoft.com/office/powerpoint/2010/main" val="3312357875"/>
+        <p14:creationId xmlns:p14="http://schemas.microsoft.com/office/powerpoint/2010/main" xmlns="" val="3312357875"/>
       </p:ext>
     </p:extLst>
   </p:cSld>
@@ -26200,7 +26287,7 @@
             <a:effectLst/>
             <a:extLst>
               <a:ext uri="{AF507438-7753-43E0-B8FC-AC1667EBCBE1}">
-                <a14:hiddenEffects xmlns:a14="http://schemas.microsoft.com/office/drawing/2010/main">
+                <a14:hiddenEffects xmlns:a14="http://schemas.microsoft.com/office/drawing/2010/main" xmlns="">
                   <a:effectLst>
                     <a:outerShdw dist="35921" dir="2700000" algn="ctr" rotWithShape="0">
                       <a:schemeClr val="bg2"/>
@@ -26240,7 +26327,7 @@
             <a:effectLst/>
             <a:extLst>
               <a:ext uri="{AF507438-7753-43E0-B8FC-AC1667EBCBE1}">
-                <a14:hiddenEffects xmlns:a14="http://schemas.microsoft.com/office/drawing/2010/main">
+                <a14:hiddenEffects xmlns:a14="http://schemas.microsoft.com/office/drawing/2010/main" xmlns="">
                   <a:effectLst>
                     <a:outerShdw dist="35921" dir="2700000" algn="ctr" rotWithShape="0">
                       <a:schemeClr val="bg2"/>
@@ -26280,7 +26367,7 @@
             <a:effectLst/>
             <a:extLst>
               <a:ext uri="{AF507438-7753-43E0-B8FC-AC1667EBCBE1}">
-                <a14:hiddenEffects xmlns:a14="http://schemas.microsoft.com/office/drawing/2010/main">
+                <a14:hiddenEffects xmlns:a14="http://schemas.microsoft.com/office/drawing/2010/main" xmlns="">
                   <a:effectLst>
                     <a:outerShdw dist="35921" dir="2700000" algn="ctr" rotWithShape="0">
                       <a:schemeClr val="bg2"/>
@@ -26323,7 +26410,7 @@
             <a:effectLst/>
             <a:extLst>
               <a:ext uri="{AF507438-7753-43E0-B8FC-AC1667EBCBE1}">
-                <a14:hiddenEffects xmlns:a14="http://schemas.microsoft.com/office/drawing/2010/main">
+                <a14:hiddenEffects xmlns:a14="http://schemas.microsoft.com/office/drawing/2010/main" xmlns="">
                   <a:effectLst>
                     <a:outerShdw dist="35921" dir="2700000" algn="ctr" rotWithShape="0">
                       <a:schemeClr val="bg2"/>
@@ -26858,10 +26945,10 @@
           <p:nvPr/>
         </p:nvPicPr>
         <p:blipFill>
-          <a:blip r:embed="rId4">
+          <a:blip r:embed="rId4" cstate="print">
             <a:extLst>
               <a:ext uri="{28A0092B-C50C-407E-A947-70E740481C1C}">
-                <a14:useLocalDpi xmlns:a14="http://schemas.microsoft.com/office/drawing/2010/main" val="0"/>
+                <a14:useLocalDpi xmlns:a14="http://schemas.microsoft.com/office/drawing/2010/main" xmlns="" val="0"/>
               </a:ext>
             </a:extLst>
           </a:blip>
@@ -26885,14 +26972,14 @@
           <a:effectLst/>
           <a:extLst>
             <a:ext uri="{909E8E84-426E-40DD-AFC4-6F175D3DCCD1}">
-              <a14:hiddenFill xmlns:a14="http://schemas.microsoft.com/office/drawing/2010/main">
+              <a14:hiddenFill xmlns:a14="http://schemas.microsoft.com/office/drawing/2010/main" xmlns="">
                 <a:solidFill>
                   <a:schemeClr val="accent1"/>
                 </a:solidFill>
               </a14:hiddenFill>
             </a:ext>
             <a:ext uri="{91240B29-F687-4F45-9708-019B960494DF}">
-              <a14:hiddenLine xmlns:a14="http://schemas.microsoft.com/office/drawing/2010/main" w="9525">
+              <a14:hiddenLine xmlns:a14="http://schemas.microsoft.com/office/drawing/2010/main" xmlns="" w="9525">
                 <a:solidFill>
                   <a:schemeClr val="tx1"/>
                 </a:solidFill>
@@ -26902,7 +26989,7 @@
               </a14:hiddenLine>
             </a:ext>
             <a:ext uri="{AF507438-7753-43E0-B8FC-AC1667EBCBE1}">
-              <a14:hiddenEffects xmlns:a14="http://schemas.microsoft.com/office/drawing/2010/main">
+              <a14:hiddenEffects xmlns:a14="http://schemas.microsoft.com/office/drawing/2010/main" xmlns="">
                 <a:effectLst>
                   <a:outerShdw dist="35921" dir="2700000" algn="ctr" rotWithShape="0">
                     <a:schemeClr val="bg2"/>
@@ -27267,7 +27354,7 @@
           <a:effectLst/>
           <a:extLst>
             <a:ext uri="{AF507438-7753-43E0-B8FC-AC1667EBCBE1}">
-              <a14:hiddenEffects xmlns:a14="http://schemas.microsoft.com/office/drawing/2010/main">
+              <a14:hiddenEffects xmlns:a14="http://schemas.microsoft.com/office/drawing/2010/main" xmlns="">
                 <a:effectLst>
                   <a:outerShdw dist="35921" dir="2700000" algn="ctr" rotWithShape="0">
                     <a:schemeClr val="bg2"/>
@@ -27394,7 +27481,7 @@
     </p:spTree>
     <p:extLst>
       <p:ext uri="{BB962C8B-B14F-4D97-AF65-F5344CB8AC3E}">
-        <p14:creationId xmlns:p14="http://schemas.microsoft.com/office/powerpoint/2010/main" val="3827280936"/>
+        <p14:creationId xmlns:p14="http://schemas.microsoft.com/office/powerpoint/2010/main" xmlns="" val="3827280936"/>
       </p:ext>
     </p:extLst>
   </p:cSld>
@@ -27666,7 +27753,7 @@
             <a:effectLst/>
             <a:extLst>
               <a:ext uri="{AF507438-7753-43E0-B8FC-AC1667EBCBE1}">
-                <a14:hiddenEffects xmlns:a14="http://schemas.microsoft.com/office/drawing/2010/main">
+                <a14:hiddenEffects xmlns:a14="http://schemas.microsoft.com/office/drawing/2010/main" xmlns="">
                   <a:effectLst>
                     <a:outerShdw dist="35921" dir="2700000" algn="ctr" rotWithShape="0">
                       <a:schemeClr val="bg2"/>
@@ -27706,7 +27793,7 @@
             <a:effectLst/>
             <a:extLst>
               <a:ext uri="{AF507438-7753-43E0-B8FC-AC1667EBCBE1}">
-                <a14:hiddenEffects xmlns:a14="http://schemas.microsoft.com/office/drawing/2010/main">
+                <a14:hiddenEffects xmlns:a14="http://schemas.microsoft.com/office/drawing/2010/main" xmlns="">
                   <a:effectLst>
                     <a:outerShdw dist="35921" dir="2700000" algn="ctr" rotWithShape="0">
                       <a:schemeClr val="bg2"/>
@@ -27746,7 +27833,7 @@
             <a:effectLst/>
             <a:extLst>
               <a:ext uri="{AF507438-7753-43E0-B8FC-AC1667EBCBE1}">
-                <a14:hiddenEffects xmlns:a14="http://schemas.microsoft.com/office/drawing/2010/main">
+                <a14:hiddenEffects xmlns:a14="http://schemas.microsoft.com/office/drawing/2010/main" xmlns="">
                   <a:effectLst>
                     <a:outerShdw dist="35921" dir="2700000" algn="ctr" rotWithShape="0">
                       <a:schemeClr val="bg2"/>
@@ -27789,7 +27876,7 @@
             <a:effectLst/>
             <a:extLst>
               <a:ext uri="{AF507438-7753-43E0-B8FC-AC1667EBCBE1}">
-                <a14:hiddenEffects xmlns:a14="http://schemas.microsoft.com/office/drawing/2010/main">
+                <a14:hiddenEffects xmlns:a14="http://schemas.microsoft.com/office/drawing/2010/main" xmlns="">
                   <a:effectLst>
                     <a:outerShdw dist="35921" dir="2700000" algn="ctr" rotWithShape="0">
                       <a:schemeClr val="bg2"/>
@@ -28433,10 +28520,10 @@
           <p:nvPr/>
         </p:nvPicPr>
         <p:blipFill>
-          <a:blip r:embed="rId4">
+          <a:blip r:embed="rId4" cstate="print">
             <a:extLst>
               <a:ext uri="{28A0092B-C50C-407E-A947-70E740481C1C}">
-                <a14:useLocalDpi xmlns:a14="http://schemas.microsoft.com/office/drawing/2010/main" val="0"/>
+                <a14:useLocalDpi xmlns:a14="http://schemas.microsoft.com/office/drawing/2010/main" xmlns="" val="0"/>
               </a:ext>
             </a:extLst>
           </a:blip>
@@ -28460,14 +28547,14 @@
           <a:effectLst/>
           <a:extLst>
             <a:ext uri="{909E8E84-426E-40DD-AFC4-6F175D3DCCD1}">
-              <a14:hiddenFill xmlns:a14="http://schemas.microsoft.com/office/drawing/2010/main">
+              <a14:hiddenFill xmlns:a14="http://schemas.microsoft.com/office/drawing/2010/main" xmlns="">
                 <a:solidFill>
                   <a:schemeClr val="accent1"/>
                 </a:solidFill>
               </a14:hiddenFill>
             </a:ext>
             <a:ext uri="{91240B29-F687-4F45-9708-019B960494DF}">
-              <a14:hiddenLine xmlns:a14="http://schemas.microsoft.com/office/drawing/2010/main" w="9525">
+              <a14:hiddenLine xmlns:a14="http://schemas.microsoft.com/office/drawing/2010/main" xmlns="" w="9525">
                 <a:solidFill>
                   <a:schemeClr val="tx1"/>
                 </a:solidFill>
@@ -28477,7 +28564,7 @@
               </a14:hiddenLine>
             </a:ext>
             <a:ext uri="{AF507438-7753-43E0-B8FC-AC1667EBCBE1}">
-              <a14:hiddenEffects xmlns:a14="http://schemas.microsoft.com/office/drawing/2010/main">
+              <a14:hiddenEffects xmlns:a14="http://schemas.microsoft.com/office/drawing/2010/main" xmlns="">
                 <a:effectLst>
                   <a:outerShdw dist="35921" dir="2700000" algn="ctr" rotWithShape="0">
                     <a:schemeClr val="bg2"/>
@@ -28561,10 +28648,10 @@
           <p:nvPr/>
         </p:nvPicPr>
         <p:blipFill>
-          <a:blip r:embed="rId5">
+          <a:blip r:embed="rId5" cstate="print">
             <a:extLst>
               <a:ext uri="{28A0092B-C50C-407E-A947-70E740481C1C}">
-                <a14:useLocalDpi xmlns:a14="http://schemas.microsoft.com/office/drawing/2010/main" val="0"/>
+                <a14:useLocalDpi xmlns:a14="http://schemas.microsoft.com/office/drawing/2010/main" xmlns="" val="0"/>
               </a:ext>
             </a:extLst>
           </a:blip>
@@ -28593,14 +28680,14 @@
           <a:effectLst/>
           <a:extLst>
             <a:ext uri="{909E8E84-426E-40DD-AFC4-6F175D3DCCD1}">
-              <a14:hiddenFill xmlns:a14="http://schemas.microsoft.com/office/drawing/2010/main">
+              <a14:hiddenFill xmlns:a14="http://schemas.microsoft.com/office/drawing/2010/main" xmlns="">
                 <a:solidFill>
                   <a:schemeClr val="accent1"/>
                 </a:solidFill>
               </a14:hiddenFill>
             </a:ext>
             <a:ext uri="{AF507438-7753-43E0-B8FC-AC1667EBCBE1}">
-              <a14:hiddenEffects xmlns:a14="http://schemas.microsoft.com/office/drawing/2010/main">
+              <a14:hiddenEffects xmlns:a14="http://schemas.microsoft.com/office/drawing/2010/main" xmlns="">
                 <a:effectLst>
                   <a:outerShdw dist="35921" dir="2700000" algn="ctr" rotWithShape="0">
                     <a:schemeClr val="bg2"/>
@@ -28620,10 +28707,10 @@
           <p:nvPr/>
         </p:nvPicPr>
         <p:blipFill>
-          <a:blip r:embed="rId6">
+          <a:blip r:embed="rId6" cstate="print">
             <a:extLst>
               <a:ext uri="{28A0092B-C50C-407E-A947-70E740481C1C}">
-                <a14:useLocalDpi xmlns:a14="http://schemas.microsoft.com/office/drawing/2010/main" val="0"/>
+                <a14:useLocalDpi xmlns:a14="http://schemas.microsoft.com/office/drawing/2010/main" xmlns="" val="0"/>
               </a:ext>
             </a:extLst>
           </a:blip>
@@ -28647,14 +28734,14 @@
           <a:effectLst/>
           <a:extLst>
             <a:ext uri="{909E8E84-426E-40DD-AFC4-6F175D3DCCD1}">
-              <a14:hiddenFill xmlns:a14="http://schemas.microsoft.com/office/drawing/2010/main">
+              <a14:hiddenFill xmlns:a14="http://schemas.microsoft.com/office/drawing/2010/main" xmlns="">
                 <a:solidFill>
                   <a:schemeClr val="accent1"/>
                 </a:solidFill>
               </a14:hiddenFill>
             </a:ext>
             <a:ext uri="{91240B29-F687-4F45-9708-019B960494DF}">
-              <a14:hiddenLine xmlns:a14="http://schemas.microsoft.com/office/drawing/2010/main" w="9525">
+              <a14:hiddenLine xmlns:a14="http://schemas.microsoft.com/office/drawing/2010/main" xmlns="" w="9525">
                 <a:solidFill>
                   <a:schemeClr val="tx1"/>
                 </a:solidFill>
@@ -28664,7 +28751,7 @@
               </a14:hiddenLine>
             </a:ext>
             <a:ext uri="{AF507438-7753-43E0-B8FC-AC1667EBCBE1}">
-              <a14:hiddenEffects xmlns:a14="http://schemas.microsoft.com/office/drawing/2010/main">
+              <a14:hiddenEffects xmlns:a14="http://schemas.microsoft.com/office/drawing/2010/main" xmlns="">
                 <a:effectLst>
                   <a:outerShdw dist="35921" dir="2700000" algn="ctr" rotWithShape="0">
                     <a:schemeClr val="bg2"/>
@@ -28768,7 +28855,7 @@
           <a:effectLst/>
           <a:extLst>
             <a:ext uri="{AF507438-7753-43E0-B8FC-AC1667EBCBE1}">
-              <a14:hiddenEffects xmlns:a14="http://schemas.microsoft.com/office/drawing/2010/main">
+              <a14:hiddenEffects xmlns:a14="http://schemas.microsoft.com/office/drawing/2010/main" xmlns="">
                 <a:effectLst>
                   <a:outerShdw dist="35921" dir="2700000" algn="ctr" rotWithShape="0">
                     <a:schemeClr val="bg2"/>
@@ -28808,7 +28895,7 @@
           <a:effectLst/>
           <a:extLst>
             <a:ext uri="{AF507438-7753-43E0-B8FC-AC1667EBCBE1}">
-              <a14:hiddenEffects xmlns:a14="http://schemas.microsoft.com/office/drawing/2010/main">
+              <a14:hiddenEffects xmlns:a14="http://schemas.microsoft.com/office/drawing/2010/main" xmlns="">
                 <a:effectLst>
                   <a:outerShdw dist="35921" dir="2700000" algn="ctr" rotWithShape="0">
                     <a:schemeClr val="bg2"/>
@@ -29031,7 +29118,7 @@
     </p:spTree>
     <p:extLst>
       <p:ext uri="{BB962C8B-B14F-4D97-AF65-F5344CB8AC3E}">
-        <p14:creationId xmlns:p14="http://schemas.microsoft.com/office/powerpoint/2010/main" val="1062796908"/>
+        <p14:creationId xmlns:p14="http://schemas.microsoft.com/office/powerpoint/2010/main" xmlns="" val="1062796908"/>
       </p:ext>
     </p:extLst>
   </p:cSld>
@@ -29077,10 +29164,10 @@
           <p:nvPr/>
         </p:nvPicPr>
         <p:blipFill>
-          <a:blip r:embed="rId3">
+          <a:blip r:embed="rId3" cstate="print">
             <a:extLst>
               <a:ext uri="{28A0092B-C50C-407E-A947-70E740481C1C}">
-                <a14:useLocalDpi xmlns:a14="http://schemas.microsoft.com/office/drawing/2010/main" val="0"/>
+                <a14:useLocalDpi xmlns:a14="http://schemas.microsoft.com/office/drawing/2010/main" xmlns="" val="0"/>
               </a:ext>
             </a:extLst>
           </a:blip>
@@ -29104,14 +29191,14 @@
           <a:effectLst/>
           <a:extLst>
             <a:ext uri="{909E8E84-426E-40DD-AFC4-6F175D3DCCD1}">
-              <a14:hiddenFill xmlns:a14="http://schemas.microsoft.com/office/drawing/2010/main">
+              <a14:hiddenFill xmlns:a14="http://schemas.microsoft.com/office/drawing/2010/main" xmlns="">
                 <a:solidFill>
                   <a:schemeClr val="accent1"/>
                 </a:solidFill>
               </a14:hiddenFill>
             </a:ext>
             <a:ext uri="{91240B29-F687-4F45-9708-019B960494DF}">
-              <a14:hiddenLine xmlns:a14="http://schemas.microsoft.com/office/drawing/2010/main" w="9525">
+              <a14:hiddenLine xmlns:a14="http://schemas.microsoft.com/office/drawing/2010/main" xmlns="" w="9525">
                 <a:solidFill>
                   <a:schemeClr val="tx1"/>
                 </a:solidFill>
@@ -29121,7 +29208,7 @@
               </a14:hiddenLine>
             </a:ext>
             <a:ext uri="{AF507438-7753-43E0-B8FC-AC1667EBCBE1}">
-              <a14:hiddenEffects xmlns:a14="http://schemas.microsoft.com/office/drawing/2010/main">
+              <a14:hiddenEffects xmlns:a14="http://schemas.microsoft.com/office/drawing/2010/main" xmlns="">
                 <a:effectLst>
                   <a:outerShdw dist="35921" dir="2700000" algn="ctr" rotWithShape="0">
                     <a:schemeClr val="bg2"/>
@@ -29514,7 +29601,7 @@
     </p:spTree>
     <p:extLst>
       <p:ext uri="{BB962C8B-B14F-4D97-AF65-F5344CB8AC3E}">
-        <p14:creationId xmlns:p14="http://schemas.microsoft.com/office/powerpoint/2010/main" val="1217823275"/>
+        <p14:creationId xmlns:p14="http://schemas.microsoft.com/office/powerpoint/2010/main" xmlns="" val="1217823275"/>
       </p:ext>
     </p:extLst>
   </p:cSld>
@@ -29777,7 +29864,7 @@
             <a:effectLst/>
             <a:extLst>
               <a:ext uri="{AF507438-7753-43E0-B8FC-AC1667EBCBE1}">
-                <a14:hiddenEffects xmlns:a14="http://schemas.microsoft.com/office/drawing/2010/main">
+                <a14:hiddenEffects xmlns:a14="http://schemas.microsoft.com/office/drawing/2010/main" xmlns="">
                   <a:effectLst>
                     <a:outerShdw dist="35921" dir="2700000" algn="ctr" rotWithShape="0">
                       <a:schemeClr val="bg2"/>
@@ -29817,7 +29904,7 @@
             <a:effectLst/>
             <a:extLst>
               <a:ext uri="{AF507438-7753-43E0-B8FC-AC1667EBCBE1}">
-                <a14:hiddenEffects xmlns:a14="http://schemas.microsoft.com/office/drawing/2010/main">
+                <a14:hiddenEffects xmlns:a14="http://schemas.microsoft.com/office/drawing/2010/main" xmlns="">
                   <a:effectLst>
                     <a:outerShdw dist="35921" dir="2700000" algn="ctr" rotWithShape="0">
                       <a:schemeClr val="bg2"/>
@@ -29857,7 +29944,7 @@
             <a:effectLst/>
             <a:extLst>
               <a:ext uri="{AF507438-7753-43E0-B8FC-AC1667EBCBE1}">
-                <a14:hiddenEffects xmlns:a14="http://schemas.microsoft.com/office/drawing/2010/main">
+                <a14:hiddenEffects xmlns:a14="http://schemas.microsoft.com/office/drawing/2010/main" xmlns="">
                   <a:effectLst>
                     <a:outerShdw dist="35921" dir="2700000" algn="ctr" rotWithShape="0">
                       <a:schemeClr val="bg2"/>
@@ -29900,7 +29987,7 @@
             <a:effectLst/>
             <a:extLst>
               <a:ext uri="{AF507438-7753-43E0-B8FC-AC1667EBCBE1}">
-                <a14:hiddenEffects xmlns:a14="http://schemas.microsoft.com/office/drawing/2010/main">
+                <a14:hiddenEffects xmlns:a14="http://schemas.microsoft.com/office/drawing/2010/main" xmlns="">
                   <a:effectLst>
                     <a:outerShdw dist="35921" dir="2700000" algn="ctr" rotWithShape="0">
                       <a:schemeClr val="bg2"/>
@@ -30149,10 +30236,10 @@
           <p:nvPr/>
         </p:nvPicPr>
         <p:blipFill>
-          <a:blip r:embed="rId2">
+          <a:blip r:embed="rId2" cstate="print">
             <a:extLst>
               <a:ext uri="{28A0092B-C50C-407E-A947-70E740481C1C}">
-                <a14:useLocalDpi xmlns:a14="http://schemas.microsoft.com/office/drawing/2010/main" val="0"/>
+                <a14:useLocalDpi xmlns:a14="http://schemas.microsoft.com/office/drawing/2010/main" xmlns="" val="0"/>
               </a:ext>
             </a:extLst>
           </a:blip>
@@ -30176,14 +30263,14 @@
           <a:effectLst/>
           <a:extLst>
             <a:ext uri="{909E8E84-426E-40DD-AFC4-6F175D3DCCD1}">
-              <a14:hiddenFill xmlns:a14="http://schemas.microsoft.com/office/drawing/2010/main">
+              <a14:hiddenFill xmlns:a14="http://schemas.microsoft.com/office/drawing/2010/main" xmlns="">
                 <a:solidFill>
                   <a:schemeClr val="accent1"/>
                 </a:solidFill>
               </a14:hiddenFill>
             </a:ext>
             <a:ext uri="{91240B29-F687-4F45-9708-019B960494DF}">
-              <a14:hiddenLine xmlns:a14="http://schemas.microsoft.com/office/drawing/2010/main" w="9525">
+              <a14:hiddenLine xmlns:a14="http://schemas.microsoft.com/office/drawing/2010/main" xmlns="" w="9525">
                 <a:solidFill>
                   <a:schemeClr val="tx1"/>
                 </a:solidFill>
@@ -30193,7 +30280,7 @@
               </a14:hiddenLine>
             </a:ext>
             <a:ext uri="{AF507438-7753-43E0-B8FC-AC1667EBCBE1}">
-              <a14:hiddenEffects xmlns:a14="http://schemas.microsoft.com/office/drawing/2010/main">
+              <a14:hiddenEffects xmlns:a14="http://schemas.microsoft.com/office/drawing/2010/main" xmlns="">
                 <a:effectLst>
                   <a:outerShdw dist="35921" dir="2700000" algn="ctr" rotWithShape="0">
                     <a:schemeClr val="bg2"/>
@@ -30459,7 +30546,7 @@
     </p:spTree>
     <p:extLst>
       <p:ext uri="{BB962C8B-B14F-4D97-AF65-F5344CB8AC3E}">
-        <p14:creationId xmlns:p14="http://schemas.microsoft.com/office/powerpoint/2010/main" val="494264317"/>
+        <p14:creationId xmlns:p14="http://schemas.microsoft.com/office/powerpoint/2010/main" xmlns="" val="494264317"/>
       </p:ext>
     </p:extLst>
   </p:cSld>
@@ -30655,10 +30742,10 @@
           <p:nvPr/>
         </p:nvPicPr>
         <p:blipFill>
-          <a:blip r:embed="rId3">
+          <a:blip r:embed="rId3" cstate="print">
             <a:extLst>
               <a:ext uri="{28A0092B-C50C-407E-A947-70E740481C1C}">
-                <a14:useLocalDpi xmlns:a14="http://schemas.microsoft.com/office/drawing/2010/main" val="0"/>
+                <a14:useLocalDpi xmlns:a14="http://schemas.microsoft.com/office/drawing/2010/main" xmlns="" val="0"/>
               </a:ext>
             </a:extLst>
           </a:blip>
@@ -30682,14 +30769,14 @@
           <a:effectLst/>
           <a:extLst>
             <a:ext uri="{909E8E84-426E-40DD-AFC4-6F175D3DCCD1}">
-              <a14:hiddenFill xmlns:a14="http://schemas.microsoft.com/office/drawing/2010/main">
+              <a14:hiddenFill xmlns:a14="http://schemas.microsoft.com/office/drawing/2010/main" xmlns="">
                 <a:solidFill>
                   <a:schemeClr val="accent1"/>
                 </a:solidFill>
               </a14:hiddenFill>
             </a:ext>
             <a:ext uri="{91240B29-F687-4F45-9708-019B960494DF}">
-              <a14:hiddenLine xmlns:a14="http://schemas.microsoft.com/office/drawing/2010/main" w="9525">
+              <a14:hiddenLine xmlns:a14="http://schemas.microsoft.com/office/drawing/2010/main" xmlns="" w="9525">
                 <a:solidFill>
                   <a:schemeClr val="tx1"/>
                 </a:solidFill>
@@ -30699,7 +30786,7 @@
               </a14:hiddenLine>
             </a:ext>
             <a:ext uri="{AF507438-7753-43E0-B8FC-AC1667EBCBE1}">
-              <a14:hiddenEffects xmlns:a14="http://schemas.microsoft.com/office/drawing/2010/main">
+              <a14:hiddenEffects xmlns:a14="http://schemas.microsoft.com/office/drawing/2010/main" xmlns="">
                 <a:effectLst>
                   <a:outerShdw dist="35921" dir="2700000" algn="ctr" rotWithShape="0">
                     <a:schemeClr val="bg2"/>
@@ -30871,7 +30958,7 @@
     </p:spTree>
     <p:extLst>
       <p:ext uri="{BB962C8B-B14F-4D97-AF65-F5344CB8AC3E}">
-        <p14:creationId xmlns:p14="http://schemas.microsoft.com/office/powerpoint/2010/main" val="402915000"/>
+        <p14:creationId xmlns:p14="http://schemas.microsoft.com/office/powerpoint/2010/main" xmlns="" val="402915000"/>
       </p:ext>
     </p:extLst>
   </p:cSld>
@@ -30908,10 +30995,10 @@
           <p:nvPr/>
         </p:nvPicPr>
         <p:blipFill>
-          <a:blip r:embed="rId2">
+          <a:blip r:embed="rId2" cstate="print">
             <a:extLst>
               <a:ext uri="{28A0092B-C50C-407E-A947-70E740481C1C}">
-                <a14:useLocalDpi xmlns:a14="http://schemas.microsoft.com/office/drawing/2010/main" val="0"/>
+                <a14:useLocalDpi xmlns:a14="http://schemas.microsoft.com/office/drawing/2010/main" xmlns="" val="0"/>
               </a:ext>
             </a:extLst>
           </a:blip>
@@ -30940,14 +31027,14 @@
           <a:effectLst/>
           <a:extLst>
             <a:ext uri="{909E8E84-426E-40DD-AFC4-6F175D3DCCD1}">
-              <a14:hiddenFill xmlns:a14="http://schemas.microsoft.com/office/drawing/2010/main">
+              <a14:hiddenFill xmlns:a14="http://schemas.microsoft.com/office/drawing/2010/main" xmlns="">
                 <a:solidFill>
                   <a:schemeClr val="accent1"/>
                 </a:solidFill>
               </a14:hiddenFill>
             </a:ext>
             <a:ext uri="{AF507438-7753-43E0-B8FC-AC1667EBCBE1}">
-              <a14:hiddenEffects xmlns:a14="http://schemas.microsoft.com/office/drawing/2010/main">
+              <a14:hiddenEffects xmlns:a14="http://schemas.microsoft.com/office/drawing/2010/main" xmlns="">
                 <a:effectLst>
                   <a:outerShdw dist="35921" dir="2700000" algn="ctr" rotWithShape="0">
                     <a:schemeClr val="bg2"/>
@@ -31553,7 +31640,7 @@
     </p:spTree>
     <p:extLst>
       <p:ext uri="{BB962C8B-B14F-4D97-AF65-F5344CB8AC3E}">
-        <p14:creationId xmlns:p14="http://schemas.microsoft.com/office/powerpoint/2010/main" val="1955921352"/>
+        <p14:creationId xmlns:p14="http://schemas.microsoft.com/office/powerpoint/2010/main" xmlns="" val="1955921352"/>
       </p:ext>
     </p:extLst>
   </p:cSld>
@@ -31816,7 +31903,7 @@
             <a:effectLst/>
             <a:extLst>
               <a:ext uri="{AF507438-7753-43E0-B8FC-AC1667EBCBE1}">
-                <a14:hiddenEffects xmlns:a14="http://schemas.microsoft.com/office/drawing/2010/main">
+                <a14:hiddenEffects xmlns:a14="http://schemas.microsoft.com/office/drawing/2010/main" xmlns="">
                   <a:effectLst>
                     <a:outerShdw dist="35921" dir="2700000" algn="ctr" rotWithShape="0">
                       <a:schemeClr val="bg2"/>
@@ -31856,7 +31943,7 @@
             <a:effectLst/>
             <a:extLst>
               <a:ext uri="{AF507438-7753-43E0-B8FC-AC1667EBCBE1}">
-                <a14:hiddenEffects xmlns:a14="http://schemas.microsoft.com/office/drawing/2010/main">
+                <a14:hiddenEffects xmlns:a14="http://schemas.microsoft.com/office/drawing/2010/main" xmlns="">
                   <a:effectLst>
                     <a:outerShdw dist="35921" dir="2700000" algn="ctr" rotWithShape="0">
                       <a:schemeClr val="bg2"/>
@@ -31896,7 +31983,7 @@
             <a:effectLst/>
             <a:extLst>
               <a:ext uri="{AF507438-7753-43E0-B8FC-AC1667EBCBE1}">
-                <a14:hiddenEffects xmlns:a14="http://schemas.microsoft.com/office/drawing/2010/main">
+                <a14:hiddenEffects xmlns:a14="http://schemas.microsoft.com/office/drawing/2010/main" xmlns="">
                   <a:effectLst>
                     <a:outerShdw dist="35921" dir="2700000" algn="ctr" rotWithShape="0">
                       <a:schemeClr val="bg2"/>
@@ -31939,7 +32026,7 @@
             <a:effectLst/>
             <a:extLst>
               <a:ext uri="{AF507438-7753-43E0-B8FC-AC1667EBCBE1}">
-                <a14:hiddenEffects xmlns:a14="http://schemas.microsoft.com/office/drawing/2010/main">
+                <a14:hiddenEffects xmlns:a14="http://schemas.microsoft.com/office/drawing/2010/main" xmlns="">
                   <a:effectLst>
                     <a:outerShdw dist="35921" dir="2700000" algn="ctr" rotWithShape="0">
                       <a:schemeClr val="bg2"/>
@@ -32515,10 +32602,10 @@
           <p:nvPr/>
         </p:nvPicPr>
         <p:blipFill>
-          <a:blip r:embed="rId3">
+          <a:blip r:embed="rId3" cstate="print">
             <a:extLst>
               <a:ext uri="{28A0092B-C50C-407E-A947-70E740481C1C}">
-                <a14:useLocalDpi xmlns:a14="http://schemas.microsoft.com/office/drawing/2010/main" val="0"/>
+                <a14:useLocalDpi xmlns:a14="http://schemas.microsoft.com/office/drawing/2010/main" xmlns="" val="0"/>
               </a:ext>
             </a:extLst>
           </a:blip>
@@ -32542,14 +32629,14 @@
           <a:effectLst/>
           <a:extLst>
             <a:ext uri="{909E8E84-426E-40DD-AFC4-6F175D3DCCD1}">
-              <a14:hiddenFill xmlns:a14="http://schemas.microsoft.com/office/drawing/2010/main">
+              <a14:hiddenFill xmlns:a14="http://schemas.microsoft.com/office/drawing/2010/main" xmlns="">
                 <a:solidFill>
                   <a:schemeClr val="accent1"/>
                 </a:solidFill>
               </a14:hiddenFill>
             </a:ext>
             <a:ext uri="{91240B29-F687-4F45-9708-019B960494DF}">
-              <a14:hiddenLine xmlns:a14="http://schemas.microsoft.com/office/drawing/2010/main" w="9525">
+              <a14:hiddenLine xmlns:a14="http://schemas.microsoft.com/office/drawing/2010/main" xmlns="" w="9525">
                 <a:solidFill>
                   <a:schemeClr val="tx1"/>
                 </a:solidFill>
@@ -32559,7 +32646,7 @@
               </a14:hiddenLine>
             </a:ext>
             <a:ext uri="{AF507438-7753-43E0-B8FC-AC1667EBCBE1}">
-              <a14:hiddenEffects xmlns:a14="http://schemas.microsoft.com/office/drawing/2010/main">
+              <a14:hiddenEffects xmlns:a14="http://schemas.microsoft.com/office/drawing/2010/main" xmlns="">
                 <a:effectLst>
                   <a:outerShdw dist="35921" dir="2700000" algn="ctr" rotWithShape="0">
                     <a:schemeClr val="bg2"/>
@@ -32814,7 +32901,7 @@
     </p:spTree>
     <p:extLst>
       <p:ext uri="{BB962C8B-B14F-4D97-AF65-F5344CB8AC3E}">
-        <p14:creationId xmlns:p14="http://schemas.microsoft.com/office/powerpoint/2010/main" val="1231759071"/>
+        <p14:creationId xmlns:p14="http://schemas.microsoft.com/office/powerpoint/2010/main" xmlns="" val="1231759071"/>
       </p:ext>
     </p:extLst>
   </p:cSld>
@@ -32952,10 +33039,10 @@
           <p:nvPr/>
         </p:nvPicPr>
         <p:blipFill>
-          <a:blip r:embed="rId3">
+          <a:blip r:embed="rId3" cstate="print">
             <a:extLst>
               <a:ext uri="{28A0092B-C50C-407E-A947-70E740481C1C}">
-                <a14:useLocalDpi xmlns:a14="http://schemas.microsoft.com/office/drawing/2010/main" val="0"/>
+                <a14:useLocalDpi xmlns:a14="http://schemas.microsoft.com/office/drawing/2010/main" xmlns="" val="0"/>
               </a:ext>
             </a:extLst>
           </a:blip>
@@ -32982,14 +33069,14 @@
           <a:effectLst/>
           <a:extLst>
             <a:ext uri="{909E8E84-426E-40DD-AFC4-6F175D3DCCD1}">
-              <a14:hiddenFill xmlns:a14="http://schemas.microsoft.com/office/drawing/2010/main">
+              <a14:hiddenFill xmlns:a14="http://schemas.microsoft.com/office/drawing/2010/main" xmlns="">
                 <a:solidFill>
                   <a:schemeClr val="accent1"/>
                 </a:solidFill>
               </a14:hiddenFill>
             </a:ext>
             <a:ext uri="{AF507438-7753-43E0-B8FC-AC1667EBCBE1}">
-              <a14:hiddenEffects xmlns:a14="http://schemas.microsoft.com/office/drawing/2010/main">
+              <a14:hiddenEffects xmlns:a14="http://schemas.microsoft.com/office/drawing/2010/main" xmlns="">
                 <a:effectLst>
                   <a:outerShdw dist="35921" dir="2700000" algn="ctr" rotWithShape="0">
                     <a:schemeClr val="bg2"/>
@@ -33441,7 +33528,7 @@
     </p:spTree>
     <p:extLst>
       <p:ext uri="{BB962C8B-B14F-4D97-AF65-F5344CB8AC3E}">
-        <p14:creationId xmlns:p14="http://schemas.microsoft.com/office/powerpoint/2010/main" val="1393401898"/>
+        <p14:creationId xmlns:p14="http://schemas.microsoft.com/office/powerpoint/2010/main" xmlns="" val="1393401898"/>
       </p:ext>
     </p:extLst>
   </p:cSld>
@@ -33818,10 +33905,10 @@
           <p:nvPr/>
         </p:nvPicPr>
         <p:blipFill>
-          <a:blip r:embed="rId3">
+          <a:blip r:embed="rId3" cstate="print">
             <a:extLst>
               <a:ext uri="{28A0092B-C50C-407E-A947-70E740481C1C}">
-                <a14:useLocalDpi xmlns:a14="http://schemas.microsoft.com/office/drawing/2010/main" val="0"/>
+                <a14:useLocalDpi xmlns:a14="http://schemas.microsoft.com/office/drawing/2010/main" xmlns="" val="0"/>
               </a:ext>
             </a:extLst>
           </a:blip>
@@ -33845,14 +33932,14 @@
           <a:effectLst/>
           <a:extLst>
             <a:ext uri="{909E8E84-426E-40DD-AFC4-6F175D3DCCD1}">
-              <a14:hiddenFill xmlns:a14="http://schemas.microsoft.com/office/drawing/2010/main">
+              <a14:hiddenFill xmlns:a14="http://schemas.microsoft.com/office/drawing/2010/main" xmlns="">
                 <a:solidFill>
                   <a:schemeClr val="accent1"/>
                 </a:solidFill>
               </a14:hiddenFill>
             </a:ext>
             <a:ext uri="{91240B29-F687-4F45-9708-019B960494DF}">
-              <a14:hiddenLine xmlns:a14="http://schemas.microsoft.com/office/drawing/2010/main" w="9525">
+              <a14:hiddenLine xmlns:a14="http://schemas.microsoft.com/office/drawing/2010/main" xmlns="" w="9525">
                 <a:solidFill>
                   <a:schemeClr val="tx1"/>
                 </a:solidFill>
@@ -33862,7 +33949,7 @@
               </a14:hiddenLine>
             </a:ext>
             <a:ext uri="{AF507438-7753-43E0-B8FC-AC1667EBCBE1}">
-              <a14:hiddenEffects xmlns:a14="http://schemas.microsoft.com/office/drawing/2010/main">
+              <a14:hiddenEffects xmlns:a14="http://schemas.microsoft.com/office/drawing/2010/main" xmlns="">
                 <a:effectLst>
                   <a:outerShdw dist="35921" dir="2700000" algn="ctr" rotWithShape="0">
                     <a:schemeClr val="bg2"/>
@@ -34327,7 +34414,7 @@
     </p:spTree>
     <p:extLst>
       <p:ext uri="{BB962C8B-B14F-4D97-AF65-F5344CB8AC3E}">
-        <p14:creationId xmlns:p14="http://schemas.microsoft.com/office/powerpoint/2010/main" val="4026496618"/>
+        <p14:creationId xmlns:p14="http://schemas.microsoft.com/office/powerpoint/2010/main" xmlns="" val="4026496618"/>
       </p:ext>
     </p:extLst>
   </p:cSld>
@@ -34590,7 +34677,7 @@
             <a:effectLst/>
             <a:extLst>
               <a:ext uri="{AF507438-7753-43E0-B8FC-AC1667EBCBE1}">
-                <a14:hiddenEffects xmlns:a14="http://schemas.microsoft.com/office/drawing/2010/main">
+                <a14:hiddenEffects xmlns:a14="http://schemas.microsoft.com/office/drawing/2010/main" xmlns="">
                   <a:effectLst>
                     <a:outerShdw dist="35921" dir="2700000" algn="ctr" rotWithShape="0">
                       <a:schemeClr val="bg2"/>
@@ -34630,7 +34717,7 @@
             <a:effectLst/>
             <a:extLst>
               <a:ext uri="{AF507438-7753-43E0-B8FC-AC1667EBCBE1}">
-                <a14:hiddenEffects xmlns:a14="http://schemas.microsoft.com/office/drawing/2010/main">
+                <a14:hiddenEffects xmlns:a14="http://schemas.microsoft.com/office/drawing/2010/main" xmlns="">
                   <a:effectLst>
                     <a:outerShdw dist="35921" dir="2700000" algn="ctr" rotWithShape="0">
                       <a:schemeClr val="bg2"/>
@@ -34670,7 +34757,7 @@
             <a:effectLst/>
             <a:extLst>
               <a:ext uri="{AF507438-7753-43E0-B8FC-AC1667EBCBE1}">
-                <a14:hiddenEffects xmlns:a14="http://schemas.microsoft.com/office/drawing/2010/main">
+                <a14:hiddenEffects xmlns:a14="http://schemas.microsoft.com/office/drawing/2010/main" xmlns="">
                   <a:effectLst>
                     <a:outerShdw dist="35921" dir="2700000" algn="ctr" rotWithShape="0">
                       <a:schemeClr val="bg2"/>
@@ -34713,7 +34800,7 @@
             <a:effectLst/>
             <a:extLst>
               <a:ext uri="{AF507438-7753-43E0-B8FC-AC1667EBCBE1}">
-                <a14:hiddenEffects xmlns:a14="http://schemas.microsoft.com/office/drawing/2010/main">
+                <a14:hiddenEffects xmlns:a14="http://schemas.microsoft.com/office/drawing/2010/main" xmlns="">
                   <a:effectLst>
                     <a:outerShdw dist="35921" dir="2700000" algn="ctr" rotWithShape="0">
                       <a:schemeClr val="bg2"/>
@@ -35037,10 +35124,10 @@
           <p:nvPr/>
         </p:nvPicPr>
         <p:blipFill>
-          <a:blip r:embed="rId4">
+          <a:blip r:embed="rId4" cstate="print">
             <a:extLst>
               <a:ext uri="{28A0092B-C50C-407E-A947-70E740481C1C}">
-                <a14:useLocalDpi xmlns:a14="http://schemas.microsoft.com/office/drawing/2010/main" val="0"/>
+                <a14:useLocalDpi xmlns:a14="http://schemas.microsoft.com/office/drawing/2010/main" xmlns="" val="0"/>
               </a:ext>
             </a:extLst>
           </a:blip>
@@ -35064,14 +35151,14 @@
           <a:effectLst/>
           <a:extLst>
             <a:ext uri="{909E8E84-426E-40DD-AFC4-6F175D3DCCD1}">
-              <a14:hiddenFill xmlns:a14="http://schemas.microsoft.com/office/drawing/2010/main">
+              <a14:hiddenFill xmlns:a14="http://schemas.microsoft.com/office/drawing/2010/main" xmlns="">
                 <a:solidFill>
                   <a:schemeClr val="accent1"/>
                 </a:solidFill>
               </a14:hiddenFill>
             </a:ext>
             <a:ext uri="{91240B29-F687-4F45-9708-019B960494DF}">
-              <a14:hiddenLine xmlns:a14="http://schemas.microsoft.com/office/drawing/2010/main" w="9525">
+              <a14:hiddenLine xmlns:a14="http://schemas.microsoft.com/office/drawing/2010/main" xmlns="" w="9525">
                 <a:solidFill>
                   <a:schemeClr val="tx1"/>
                 </a:solidFill>
@@ -35081,7 +35168,7 @@
               </a14:hiddenLine>
             </a:ext>
             <a:ext uri="{AF507438-7753-43E0-B8FC-AC1667EBCBE1}">
-              <a14:hiddenEffects xmlns:a14="http://schemas.microsoft.com/office/drawing/2010/main">
+              <a14:hiddenEffects xmlns:a14="http://schemas.microsoft.com/office/drawing/2010/main" xmlns="">
                 <a:effectLst>
                   <a:outerShdw dist="35921" dir="2700000" algn="ctr" rotWithShape="0">
                     <a:schemeClr val="bg2"/>
@@ -35336,7 +35423,7 @@
     </p:spTree>
     <p:extLst>
       <p:ext uri="{BB962C8B-B14F-4D97-AF65-F5344CB8AC3E}">
-        <p14:creationId xmlns:p14="http://schemas.microsoft.com/office/powerpoint/2010/main" val="704410136"/>
+        <p14:creationId xmlns:p14="http://schemas.microsoft.com/office/powerpoint/2010/main" xmlns="" val="704410136"/>
       </p:ext>
     </p:extLst>
   </p:cSld>
@@ -35382,10 +35469,10 @@
           <p:nvPr/>
         </p:nvPicPr>
         <p:blipFill>
-          <a:blip r:embed="rId2">
+          <a:blip r:embed="rId2" cstate="print">
             <a:extLst>
               <a:ext uri="{28A0092B-C50C-407E-A947-70E740481C1C}">
-                <a14:useLocalDpi xmlns:a14="http://schemas.microsoft.com/office/drawing/2010/main" val="0"/>
+                <a14:useLocalDpi xmlns:a14="http://schemas.microsoft.com/office/drawing/2010/main" xmlns="" val="0"/>
               </a:ext>
             </a:extLst>
           </a:blip>
@@ -35409,14 +35496,14 @@
           <a:effectLst/>
           <a:extLst>
             <a:ext uri="{909E8E84-426E-40DD-AFC4-6F175D3DCCD1}">
-              <a14:hiddenFill xmlns:a14="http://schemas.microsoft.com/office/drawing/2010/main">
+              <a14:hiddenFill xmlns:a14="http://schemas.microsoft.com/office/drawing/2010/main" xmlns="">
                 <a:solidFill>
                   <a:schemeClr val="accent1"/>
                 </a:solidFill>
               </a14:hiddenFill>
             </a:ext>
             <a:ext uri="{91240B29-F687-4F45-9708-019B960494DF}">
-              <a14:hiddenLine xmlns:a14="http://schemas.microsoft.com/office/drawing/2010/main" w="9525">
+              <a14:hiddenLine xmlns:a14="http://schemas.microsoft.com/office/drawing/2010/main" xmlns="" w="9525">
                 <a:solidFill>
                   <a:schemeClr val="tx1"/>
                 </a:solidFill>
@@ -35426,7 +35513,7 @@
               </a14:hiddenLine>
             </a:ext>
             <a:ext uri="{AF507438-7753-43E0-B8FC-AC1667EBCBE1}">
-              <a14:hiddenEffects xmlns:a14="http://schemas.microsoft.com/office/drawing/2010/main">
+              <a14:hiddenEffects xmlns:a14="http://schemas.microsoft.com/office/drawing/2010/main" xmlns="">
                 <a:effectLst>
                   <a:outerShdw dist="35921" dir="2700000" algn="ctr" rotWithShape="0">
                     <a:schemeClr val="bg2"/>
@@ -35988,7 +36075,7 @@
     </p:spTree>
     <p:extLst>
       <p:ext uri="{BB962C8B-B14F-4D97-AF65-F5344CB8AC3E}">
-        <p14:creationId xmlns:p14="http://schemas.microsoft.com/office/powerpoint/2010/main" val="212948471"/>
+        <p14:creationId xmlns:p14="http://schemas.microsoft.com/office/powerpoint/2010/main" xmlns="" val="212948471"/>
       </p:ext>
     </p:extLst>
   </p:cSld>
@@ -36256,7 +36343,7 @@
         <a:effectLst/>
         <a:extLst>
           <a:ext uri="{AF507438-7753-43E0-B8FC-AC1667EBCBE1}">
-            <a14:hiddenEffects xmlns:a14="http://schemas.microsoft.com/office/drawing/2010/main">
+            <a14:hiddenEffects xmlns:a14="http://schemas.microsoft.com/office/drawing/2010/main" xmlns="">
               <a:effectLst>
                 <a:outerShdw dist="35921" dir="2700000" algn="ctr" rotWithShape="0">
                   <a:schemeClr val="bg2"/>
@@ -36329,7 +36416,7 @@
         <a:effectLst/>
         <a:extLst>
           <a:ext uri="{AF507438-7753-43E0-B8FC-AC1667EBCBE1}">
-            <a14:hiddenEffects xmlns:a14="http://schemas.microsoft.com/office/drawing/2010/main">
+            <a14:hiddenEffects xmlns:a14="http://schemas.microsoft.com/office/drawing/2010/main" xmlns="">
               <a:effectLst>
                 <a:outerShdw dist="35921" dir="2700000" algn="ctr" rotWithShape="0">
                   <a:schemeClr val="bg2"/>

--- a/공유문서/수정요청/최종수정요청_1220/수정화면점검_생산외주품질_20161219_최신.pptx
+++ b/공유문서/수정요청/최종수정요청_1220/수정화면점검_생산외주품질_20161219_최신.pptx
@@ -228,14 +228,14 @@
           <a:effectLst/>
           <a:extLst>
             <a:ext uri="{909E8E84-426E-40DD-AFC4-6F175D3DCCD1}">
-              <a14:hiddenFill xmlns:a14="http://schemas.microsoft.com/office/drawing/2010/main">
+              <a14:hiddenFill xmlns:a14="http://schemas.microsoft.com/office/drawing/2010/main" xmlns="">
                 <a:solidFill>
                   <a:schemeClr val="accent1"/>
                 </a:solidFill>
               </a14:hiddenFill>
             </a:ext>
             <a:ext uri="{91240B29-F687-4F45-9708-019B960494DF}">
-              <a14:hiddenLine xmlns:a14="http://schemas.microsoft.com/office/drawing/2010/main" w="9525">
+              <a14:hiddenLine xmlns:a14="http://schemas.microsoft.com/office/drawing/2010/main" xmlns="" w="9525">
                 <a:solidFill>
                   <a:schemeClr val="tx1"/>
                 </a:solidFill>
@@ -245,7 +245,7 @@
               </a14:hiddenLine>
             </a:ext>
             <a:ext uri="{AF507438-7753-43E0-B8FC-AC1667EBCBE1}">
-              <a14:hiddenEffects xmlns:a14="http://schemas.microsoft.com/office/drawing/2010/main">
+              <a14:hiddenEffects xmlns:a14="http://schemas.microsoft.com/office/drawing/2010/main" xmlns="">
                 <a:effectLst>
                   <a:outerShdw dist="35921" dir="2700000" algn="ctr" rotWithShape="0">
                     <a:schemeClr val="bg2"/>
@@ -299,14 +299,14 @@
           <a:effectLst/>
           <a:extLst>
             <a:ext uri="{909E8E84-426E-40DD-AFC4-6F175D3DCCD1}">
-              <a14:hiddenFill xmlns:a14="http://schemas.microsoft.com/office/drawing/2010/main">
+              <a14:hiddenFill xmlns:a14="http://schemas.microsoft.com/office/drawing/2010/main" xmlns="">
                 <a:solidFill>
                   <a:schemeClr val="accent1"/>
                 </a:solidFill>
               </a14:hiddenFill>
             </a:ext>
             <a:ext uri="{91240B29-F687-4F45-9708-019B960494DF}">
-              <a14:hiddenLine xmlns:a14="http://schemas.microsoft.com/office/drawing/2010/main" w="9525">
+              <a14:hiddenLine xmlns:a14="http://schemas.microsoft.com/office/drawing/2010/main" xmlns="" w="9525">
                 <a:solidFill>
                   <a:schemeClr val="tx1"/>
                 </a:solidFill>
@@ -316,7 +316,7 @@
               </a14:hiddenLine>
             </a:ext>
             <a:ext uri="{AF507438-7753-43E0-B8FC-AC1667EBCBE1}">
-              <a14:hiddenEffects xmlns:a14="http://schemas.microsoft.com/office/drawing/2010/main">
+              <a14:hiddenEffects xmlns:a14="http://schemas.microsoft.com/office/drawing/2010/main" xmlns="">
                 <a:effectLst>
                   <a:outerShdw dist="35921" dir="2700000" algn="ctr" rotWithShape="0">
                     <a:schemeClr val="bg2"/>
@@ -370,14 +370,14 @@
           <a:effectLst/>
           <a:extLst>
             <a:ext uri="{909E8E84-426E-40DD-AFC4-6F175D3DCCD1}">
-              <a14:hiddenFill xmlns:a14="http://schemas.microsoft.com/office/drawing/2010/main">
+              <a14:hiddenFill xmlns:a14="http://schemas.microsoft.com/office/drawing/2010/main" xmlns="">
                 <a:solidFill>
                   <a:schemeClr val="accent1"/>
                 </a:solidFill>
               </a14:hiddenFill>
             </a:ext>
             <a:ext uri="{91240B29-F687-4F45-9708-019B960494DF}">
-              <a14:hiddenLine xmlns:a14="http://schemas.microsoft.com/office/drawing/2010/main" w="9525">
+              <a14:hiddenLine xmlns:a14="http://schemas.microsoft.com/office/drawing/2010/main" xmlns="" w="9525">
                 <a:solidFill>
                   <a:schemeClr val="tx1"/>
                 </a:solidFill>
@@ -387,7 +387,7 @@
               </a14:hiddenLine>
             </a:ext>
             <a:ext uri="{AF507438-7753-43E0-B8FC-AC1667EBCBE1}">
-              <a14:hiddenEffects xmlns:a14="http://schemas.microsoft.com/office/drawing/2010/main">
+              <a14:hiddenEffects xmlns:a14="http://schemas.microsoft.com/office/drawing/2010/main" xmlns="">
                 <a:effectLst>
                   <a:outerShdw dist="35921" dir="2700000" algn="ctr" rotWithShape="0">
                     <a:schemeClr val="bg2"/>
@@ -441,14 +441,14 @@
           <a:effectLst/>
           <a:extLst>
             <a:ext uri="{909E8E84-426E-40DD-AFC4-6F175D3DCCD1}">
-              <a14:hiddenFill xmlns:a14="http://schemas.microsoft.com/office/drawing/2010/main">
+              <a14:hiddenFill xmlns:a14="http://schemas.microsoft.com/office/drawing/2010/main" xmlns="">
                 <a:solidFill>
                   <a:schemeClr val="accent1"/>
                 </a:solidFill>
               </a14:hiddenFill>
             </a:ext>
             <a:ext uri="{91240B29-F687-4F45-9708-019B960494DF}">
-              <a14:hiddenLine xmlns:a14="http://schemas.microsoft.com/office/drawing/2010/main" w="9525">
+              <a14:hiddenLine xmlns:a14="http://schemas.microsoft.com/office/drawing/2010/main" xmlns="" w="9525">
                 <a:solidFill>
                   <a:schemeClr val="tx1"/>
                 </a:solidFill>
@@ -458,7 +458,7 @@
               </a14:hiddenLine>
             </a:ext>
             <a:ext uri="{AF507438-7753-43E0-B8FC-AC1667EBCBE1}">
-              <a14:hiddenEffects xmlns:a14="http://schemas.microsoft.com/office/drawing/2010/main">
+              <a14:hiddenEffects xmlns:a14="http://schemas.microsoft.com/office/drawing/2010/main" xmlns="">
                 <a:effectLst>
                   <a:outerShdw dist="35921" dir="2700000" algn="ctr" rotWithShape="0">
                     <a:schemeClr val="bg2"/>
@@ -495,7 +495,7 @@
     </p:spTree>
     <p:extLst>
       <p:ext uri="{BB962C8B-B14F-4D97-AF65-F5344CB8AC3E}">
-        <p14:creationId xmlns:p14="http://schemas.microsoft.com/office/powerpoint/2010/main" val="2069468955"/>
+        <p14:creationId xmlns:p14="http://schemas.microsoft.com/office/powerpoint/2010/main" xmlns="" val="2069468955"/>
       </p:ext>
     </p:extLst>
   </p:cSld>
@@ -553,14 +553,14 @@
           <a:effectLst/>
           <a:extLst>
             <a:ext uri="{909E8E84-426E-40DD-AFC4-6F175D3DCCD1}">
-              <a14:hiddenFill xmlns:a14="http://schemas.microsoft.com/office/drawing/2010/main">
+              <a14:hiddenFill xmlns:a14="http://schemas.microsoft.com/office/drawing/2010/main" xmlns="">
                 <a:solidFill>
                   <a:schemeClr val="accent1"/>
                 </a:solidFill>
               </a14:hiddenFill>
             </a:ext>
             <a:ext uri="{91240B29-F687-4F45-9708-019B960494DF}">
-              <a14:hiddenLine xmlns:a14="http://schemas.microsoft.com/office/drawing/2010/main" w="9525">
+              <a14:hiddenLine xmlns:a14="http://schemas.microsoft.com/office/drawing/2010/main" xmlns="" w="9525">
                 <a:solidFill>
                   <a:schemeClr val="tx1"/>
                 </a:solidFill>
@@ -570,7 +570,7 @@
               </a14:hiddenLine>
             </a:ext>
             <a:ext uri="{AF507438-7753-43E0-B8FC-AC1667EBCBE1}">
-              <a14:hiddenEffects xmlns:a14="http://schemas.microsoft.com/office/drawing/2010/main">
+              <a14:hiddenEffects xmlns:a14="http://schemas.microsoft.com/office/drawing/2010/main" xmlns="">
                 <a:effectLst>
                   <a:outerShdw dist="35921" dir="2700000" algn="ctr" rotWithShape="0">
                     <a:schemeClr val="bg2"/>
@@ -624,14 +624,14 @@
           <a:effectLst/>
           <a:extLst>
             <a:ext uri="{909E8E84-426E-40DD-AFC4-6F175D3DCCD1}">
-              <a14:hiddenFill xmlns:a14="http://schemas.microsoft.com/office/drawing/2010/main">
+              <a14:hiddenFill xmlns:a14="http://schemas.microsoft.com/office/drawing/2010/main" xmlns="">
                 <a:solidFill>
                   <a:schemeClr val="accent1"/>
                 </a:solidFill>
               </a14:hiddenFill>
             </a:ext>
             <a:ext uri="{91240B29-F687-4F45-9708-019B960494DF}">
-              <a14:hiddenLine xmlns:a14="http://schemas.microsoft.com/office/drawing/2010/main" w="9525">
+              <a14:hiddenLine xmlns:a14="http://schemas.microsoft.com/office/drawing/2010/main" xmlns="" w="9525">
                 <a:solidFill>
                   <a:schemeClr val="tx1"/>
                 </a:solidFill>
@@ -641,7 +641,7 @@
               </a14:hiddenLine>
             </a:ext>
             <a:ext uri="{AF507438-7753-43E0-B8FC-AC1667EBCBE1}">
-              <a14:hiddenEffects xmlns:a14="http://schemas.microsoft.com/office/drawing/2010/main">
+              <a14:hiddenEffects xmlns:a14="http://schemas.microsoft.com/office/drawing/2010/main" xmlns="">
                 <a:effectLst>
                   <a:outerShdw dist="35921" dir="2700000" algn="ctr" rotWithShape="0">
                     <a:schemeClr val="bg2"/>
@@ -700,7 +700,7 @@
           <a:effectLst/>
           <a:extLst>
             <a:ext uri="{AF507438-7753-43E0-B8FC-AC1667EBCBE1}">
-              <a14:hiddenEffects xmlns:a14="http://schemas.microsoft.com/office/drawing/2010/main">
+              <a14:hiddenEffects xmlns:a14="http://schemas.microsoft.com/office/drawing/2010/main" xmlns="">
                 <a:effectLst>
                   <a:outerShdw dist="35921" dir="2700000" algn="ctr" rotWithShape="0">
                     <a:srgbClr val="808080"/>
@@ -709,7 +709,7 @@
               </a14:hiddenEffects>
             </a:ext>
             <a:ext uri="{53640926-AAD7-44D8-BBD7-CCE9431645EC}">
-              <a14:shadowObscured xmlns:a14="http://schemas.microsoft.com/office/drawing/2010/main" val="1"/>
+              <a14:shadowObscured xmlns:a14="http://schemas.microsoft.com/office/drawing/2010/main" xmlns="" val="1"/>
             </a:ext>
           </a:extLst>
         </p:spPr>
@@ -739,14 +739,14 @@
           <a:effectLst/>
           <a:extLst>
             <a:ext uri="{909E8E84-426E-40DD-AFC4-6F175D3DCCD1}">
-              <a14:hiddenFill xmlns:a14="http://schemas.microsoft.com/office/drawing/2010/main">
+              <a14:hiddenFill xmlns:a14="http://schemas.microsoft.com/office/drawing/2010/main" xmlns="">
                 <a:solidFill>
                   <a:schemeClr val="accent1"/>
                 </a:solidFill>
               </a14:hiddenFill>
             </a:ext>
             <a:ext uri="{91240B29-F687-4F45-9708-019B960494DF}">
-              <a14:hiddenLine xmlns:a14="http://schemas.microsoft.com/office/drawing/2010/main" w="9525">
+              <a14:hiddenLine xmlns:a14="http://schemas.microsoft.com/office/drawing/2010/main" xmlns="" w="9525">
                 <a:solidFill>
                   <a:schemeClr val="tx1"/>
                 </a:solidFill>
@@ -756,7 +756,7 @@
               </a14:hiddenLine>
             </a:ext>
             <a:ext uri="{AF507438-7753-43E0-B8FC-AC1667EBCBE1}">
-              <a14:hiddenEffects xmlns:a14="http://schemas.microsoft.com/office/drawing/2010/main">
+              <a14:hiddenEffects xmlns:a14="http://schemas.microsoft.com/office/drawing/2010/main" xmlns="">
                 <a:effectLst>
                   <a:outerShdw dist="35921" dir="2700000" algn="ctr" rotWithShape="0">
                     <a:schemeClr val="bg2"/>
@@ -835,14 +835,14 @@
           <a:effectLst/>
           <a:extLst>
             <a:ext uri="{909E8E84-426E-40DD-AFC4-6F175D3DCCD1}">
-              <a14:hiddenFill xmlns:a14="http://schemas.microsoft.com/office/drawing/2010/main">
+              <a14:hiddenFill xmlns:a14="http://schemas.microsoft.com/office/drawing/2010/main" xmlns="">
                 <a:solidFill>
                   <a:schemeClr val="accent1"/>
                 </a:solidFill>
               </a14:hiddenFill>
             </a:ext>
             <a:ext uri="{91240B29-F687-4F45-9708-019B960494DF}">
-              <a14:hiddenLine xmlns:a14="http://schemas.microsoft.com/office/drawing/2010/main" w="9525">
+              <a14:hiddenLine xmlns:a14="http://schemas.microsoft.com/office/drawing/2010/main" xmlns="" w="9525">
                 <a:solidFill>
                   <a:schemeClr val="tx1"/>
                 </a:solidFill>
@@ -852,7 +852,7 @@
               </a14:hiddenLine>
             </a:ext>
             <a:ext uri="{AF507438-7753-43E0-B8FC-AC1667EBCBE1}">
-              <a14:hiddenEffects xmlns:a14="http://schemas.microsoft.com/office/drawing/2010/main">
+              <a14:hiddenEffects xmlns:a14="http://schemas.microsoft.com/office/drawing/2010/main" xmlns="">
                 <a:effectLst>
                   <a:outerShdw dist="35921" dir="2700000" algn="ctr" rotWithShape="0">
                     <a:schemeClr val="bg2"/>
@@ -906,14 +906,14 @@
           <a:effectLst/>
           <a:extLst>
             <a:ext uri="{909E8E84-426E-40DD-AFC4-6F175D3DCCD1}">
-              <a14:hiddenFill xmlns:a14="http://schemas.microsoft.com/office/drawing/2010/main">
+              <a14:hiddenFill xmlns:a14="http://schemas.microsoft.com/office/drawing/2010/main" xmlns="">
                 <a:solidFill>
                   <a:schemeClr val="accent1"/>
                 </a:solidFill>
               </a14:hiddenFill>
             </a:ext>
             <a:ext uri="{91240B29-F687-4F45-9708-019B960494DF}">
-              <a14:hiddenLine xmlns:a14="http://schemas.microsoft.com/office/drawing/2010/main" w="9525">
+              <a14:hiddenLine xmlns:a14="http://schemas.microsoft.com/office/drawing/2010/main" xmlns="" w="9525">
                 <a:solidFill>
                   <a:schemeClr val="tx1"/>
                 </a:solidFill>
@@ -923,7 +923,7 @@
               </a14:hiddenLine>
             </a:ext>
             <a:ext uri="{AF507438-7753-43E0-B8FC-AC1667EBCBE1}">
-              <a14:hiddenEffects xmlns:a14="http://schemas.microsoft.com/office/drawing/2010/main">
+              <a14:hiddenEffects xmlns:a14="http://schemas.microsoft.com/office/drawing/2010/main" xmlns="">
                 <a:effectLst>
                   <a:outerShdw dist="35921" dir="2700000" algn="ctr" rotWithShape="0">
                     <a:schemeClr val="bg2"/>
@@ -960,7 +960,7 @@
     </p:spTree>
     <p:extLst>
       <p:ext uri="{BB962C8B-B14F-4D97-AF65-F5344CB8AC3E}">
-        <p14:creationId xmlns:p14="http://schemas.microsoft.com/office/powerpoint/2010/main" val="4157978950"/>
+        <p14:creationId xmlns:p14="http://schemas.microsoft.com/office/powerpoint/2010/main" xmlns="" val="4157978950"/>
       </p:ext>
     </p:extLst>
   </p:cSld>
@@ -1165,7 +1165,7 @@
     </p:spTree>
     <p:extLst>
       <p:ext uri="{BB962C8B-B14F-4D97-AF65-F5344CB8AC3E}">
-        <p14:creationId xmlns:p14="http://schemas.microsoft.com/office/powerpoint/2010/main" val="3794266527"/>
+        <p14:creationId xmlns:p14="http://schemas.microsoft.com/office/powerpoint/2010/main" xmlns="" val="3794266527"/>
       </p:ext>
     </p:extLst>
   </p:cSld>
@@ -1250,7 +1250,7 @@
     </p:spTree>
     <p:extLst>
       <p:ext uri="{BB962C8B-B14F-4D97-AF65-F5344CB8AC3E}">
-        <p14:creationId xmlns:p14="http://schemas.microsoft.com/office/powerpoint/2010/main" val="4288828532"/>
+        <p14:creationId xmlns:p14="http://schemas.microsoft.com/office/powerpoint/2010/main" xmlns="" val="4288828532"/>
       </p:ext>
     </p:extLst>
   </p:cSld>
@@ -1335,7 +1335,7 @@
     </p:spTree>
     <p:extLst>
       <p:ext uri="{BB962C8B-B14F-4D97-AF65-F5344CB8AC3E}">
-        <p14:creationId xmlns:p14="http://schemas.microsoft.com/office/powerpoint/2010/main" val="3173634484"/>
+        <p14:creationId xmlns:p14="http://schemas.microsoft.com/office/powerpoint/2010/main" xmlns="" val="3173634484"/>
       </p:ext>
     </p:extLst>
   </p:cSld>
@@ -1420,7 +1420,7 @@
     </p:spTree>
     <p:extLst>
       <p:ext uri="{BB962C8B-B14F-4D97-AF65-F5344CB8AC3E}">
-        <p14:creationId xmlns:p14="http://schemas.microsoft.com/office/powerpoint/2010/main" val="2641915775"/>
+        <p14:creationId xmlns:p14="http://schemas.microsoft.com/office/powerpoint/2010/main" xmlns="" val="2641915775"/>
       </p:ext>
     </p:extLst>
   </p:cSld>
@@ -1505,7 +1505,7 @@
     </p:spTree>
     <p:extLst>
       <p:ext uri="{BB962C8B-B14F-4D97-AF65-F5344CB8AC3E}">
-        <p14:creationId xmlns:p14="http://schemas.microsoft.com/office/powerpoint/2010/main" val="2641915775"/>
+        <p14:creationId xmlns:p14="http://schemas.microsoft.com/office/powerpoint/2010/main" xmlns="" val="2641915775"/>
       </p:ext>
     </p:extLst>
   </p:cSld>
@@ -1590,7 +1590,7 @@
     </p:spTree>
     <p:extLst>
       <p:ext uri="{BB962C8B-B14F-4D97-AF65-F5344CB8AC3E}">
-        <p14:creationId xmlns:p14="http://schemas.microsoft.com/office/powerpoint/2010/main" val="1182601076"/>
+        <p14:creationId xmlns:p14="http://schemas.microsoft.com/office/powerpoint/2010/main" xmlns="" val="1182601076"/>
       </p:ext>
     </p:extLst>
   </p:cSld>
@@ -1675,7 +1675,7 @@
     </p:spTree>
     <p:extLst>
       <p:ext uri="{BB962C8B-B14F-4D97-AF65-F5344CB8AC3E}">
-        <p14:creationId xmlns:p14="http://schemas.microsoft.com/office/powerpoint/2010/main" val="1182601076"/>
+        <p14:creationId xmlns:p14="http://schemas.microsoft.com/office/powerpoint/2010/main" xmlns="" val="1182601076"/>
       </p:ext>
     </p:extLst>
   </p:cSld>
@@ -1760,7 +1760,7 @@
     </p:spTree>
     <p:extLst>
       <p:ext uri="{BB962C8B-B14F-4D97-AF65-F5344CB8AC3E}">
-        <p14:creationId xmlns:p14="http://schemas.microsoft.com/office/powerpoint/2010/main" val="3838235953"/>
+        <p14:creationId xmlns:p14="http://schemas.microsoft.com/office/powerpoint/2010/main" xmlns="" val="3838235953"/>
       </p:ext>
     </p:extLst>
   </p:cSld>
@@ -1836,7 +1836,7 @@
             <a:effectLst/>
             <a:extLst>
               <a:ext uri="{91240B29-F687-4F45-9708-019B960494DF}">
-                <a14:hiddenLine xmlns:a14="http://schemas.microsoft.com/office/drawing/2010/main" w="9525">
+                <a14:hiddenLine xmlns:a14="http://schemas.microsoft.com/office/drawing/2010/main" xmlns="" w="9525">
                   <a:solidFill>
                     <a:schemeClr val="tx1"/>
                   </a:solidFill>
@@ -1846,7 +1846,7 @@
                 </a14:hiddenLine>
               </a:ext>
               <a:ext uri="{AF507438-7753-43E0-B8FC-AC1667EBCBE1}">
-                <a14:hiddenEffects xmlns:a14="http://schemas.microsoft.com/office/drawing/2010/main">
+                <a14:hiddenEffects xmlns:a14="http://schemas.microsoft.com/office/drawing/2010/main" xmlns="">
                   <a:effectLst>
                     <a:outerShdw dist="35921" dir="2700000" algn="ctr" rotWithShape="0">
                       <a:schemeClr val="bg2"/>
@@ -1899,7 +1899,7 @@
             </a:ln>
             <a:extLst>
               <a:ext uri="{91240B29-F687-4F45-9708-019B960494DF}">
-                <a14:hiddenLine xmlns:a14="http://schemas.microsoft.com/office/drawing/2010/main" w="9525">
+                <a14:hiddenLine xmlns:a14="http://schemas.microsoft.com/office/drawing/2010/main" xmlns="" w="9525">
                   <a:solidFill>
                     <a:srgbClr val="000000"/>
                   </a:solidFill>
@@ -1969,7 +1969,7 @@
               </a:ln>
               <a:extLst>
                 <a:ext uri="{91240B29-F687-4F45-9708-019B960494DF}">
-                  <a14:hiddenLine xmlns:a14="http://schemas.microsoft.com/office/drawing/2010/main" w="9525">
+                  <a14:hiddenLine xmlns:a14="http://schemas.microsoft.com/office/drawing/2010/main" xmlns="" w="9525">
                     <a:solidFill>
                       <a:srgbClr val="000000"/>
                     </a:solidFill>
@@ -2023,7 +2023,7 @@
               </a:ln>
               <a:extLst>
                 <a:ext uri="{91240B29-F687-4F45-9708-019B960494DF}">
-                  <a14:hiddenLine xmlns:a14="http://schemas.microsoft.com/office/drawing/2010/main" w="9525">
+                  <a14:hiddenLine xmlns:a14="http://schemas.microsoft.com/office/drawing/2010/main" xmlns="" w="9525">
                     <a:solidFill>
                       <a:srgbClr val="000000"/>
                     </a:solidFill>
@@ -2077,7 +2077,7 @@
               </a:ln>
               <a:extLst>
                 <a:ext uri="{91240B29-F687-4F45-9708-019B960494DF}">
-                  <a14:hiddenLine xmlns:a14="http://schemas.microsoft.com/office/drawing/2010/main" w="9525">
+                  <a14:hiddenLine xmlns:a14="http://schemas.microsoft.com/office/drawing/2010/main" xmlns="" w="9525">
                     <a:solidFill>
                       <a:srgbClr val="000000"/>
                     </a:solidFill>
@@ -2131,7 +2131,7 @@
               </a:ln>
               <a:extLst>
                 <a:ext uri="{91240B29-F687-4F45-9708-019B960494DF}">
-                  <a14:hiddenLine xmlns:a14="http://schemas.microsoft.com/office/drawing/2010/main" w="9525">
+                  <a14:hiddenLine xmlns:a14="http://schemas.microsoft.com/office/drawing/2010/main" xmlns="" w="9525">
                     <a:solidFill>
                       <a:srgbClr val="000000"/>
                     </a:solidFill>
@@ -2185,7 +2185,7 @@
               </a:ln>
               <a:extLst>
                 <a:ext uri="{91240B29-F687-4F45-9708-019B960494DF}">
-                  <a14:hiddenLine xmlns:a14="http://schemas.microsoft.com/office/drawing/2010/main" w="9525">
+                  <a14:hiddenLine xmlns:a14="http://schemas.microsoft.com/office/drawing/2010/main" xmlns="" w="9525">
                     <a:solidFill>
                       <a:srgbClr val="000000"/>
                     </a:solidFill>
@@ -2239,7 +2239,7 @@
               </a:ln>
               <a:extLst>
                 <a:ext uri="{91240B29-F687-4F45-9708-019B960494DF}">
-                  <a14:hiddenLine xmlns:a14="http://schemas.microsoft.com/office/drawing/2010/main" w="9525">
+                  <a14:hiddenLine xmlns:a14="http://schemas.microsoft.com/office/drawing/2010/main" xmlns="" w="9525">
                     <a:solidFill>
                       <a:srgbClr val="000000"/>
                     </a:solidFill>
@@ -2293,7 +2293,7 @@
               </a:ln>
               <a:extLst>
                 <a:ext uri="{91240B29-F687-4F45-9708-019B960494DF}">
-                  <a14:hiddenLine xmlns:a14="http://schemas.microsoft.com/office/drawing/2010/main" w="9525">
+                  <a14:hiddenLine xmlns:a14="http://schemas.microsoft.com/office/drawing/2010/main" xmlns="" w="9525">
                     <a:solidFill>
                       <a:srgbClr val="000000"/>
                     </a:solidFill>
@@ -2347,7 +2347,7 @@
               </a:ln>
               <a:extLst>
                 <a:ext uri="{91240B29-F687-4F45-9708-019B960494DF}">
-                  <a14:hiddenLine xmlns:a14="http://schemas.microsoft.com/office/drawing/2010/main" w="9525">
+                  <a14:hiddenLine xmlns:a14="http://schemas.microsoft.com/office/drawing/2010/main" xmlns="" w="9525">
                     <a:solidFill>
                       <a:srgbClr val="000000"/>
                     </a:solidFill>
@@ -2401,7 +2401,7 @@
               </a:ln>
               <a:extLst>
                 <a:ext uri="{91240B29-F687-4F45-9708-019B960494DF}">
-                  <a14:hiddenLine xmlns:a14="http://schemas.microsoft.com/office/drawing/2010/main" w="9525">
+                  <a14:hiddenLine xmlns:a14="http://schemas.microsoft.com/office/drawing/2010/main" xmlns="" w="9525">
                     <a:solidFill>
                       <a:srgbClr val="000000"/>
                     </a:solidFill>
@@ -2455,7 +2455,7 @@
               </a:ln>
               <a:extLst>
                 <a:ext uri="{91240B29-F687-4F45-9708-019B960494DF}">
-                  <a14:hiddenLine xmlns:a14="http://schemas.microsoft.com/office/drawing/2010/main" w="9525">
+                  <a14:hiddenLine xmlns:a14="http://schemas.microsoft.com/office/drawing/2010/main" xmlns="" w="9525">
                     <a:solidFill>
                       <a:srgbClr val="000000"/>
                     </a:solidFill>
@@ -2814,7 +2814,7 @@
     </p:spTree>
     <p:extLst>
       <p:ext uri="{BB962C8B-B14F-4D97-AF65-F5344CB8AC3E}">
-        <p14:creationId xmlns:p14="http://schemas.microsoft.com/office/powerpoint/2010/main" val="86913377"/>
+        <p14:creationId xmlns:p14="http://schemas.microsoft.com/office/powerpoint/2010/main" xmlns="" val="86913377"/>
       </p:ext>
     </p:extLst>
   </p:cSld>
@@ -3004,7 +3004,7 @@
     </p:spTree>
     <p:extLst>
       <p:ext uri="{BB962C8B-B14F-4D97-AF65-F5344CB8AC3E}">
-        <p14:creationId xmlns:p14="http://schemas.microsoft.com/office/powerpoint/2010/main" val="4273429077"/>
+        <p14:creationId xmlns:p14="http://schemas.microsoft.com/office/powerpoint/2010/main" xmlns="" val="4273429077"/>
       </p:ext>
     </p:extLst>
   </p:cSld>
@@ -3266,7 +3266,7 @@
     </p:spTree>
     <p:extLst>
       <p:ext uri="{BB962C8B-B14F-4D97-AF65-F5344CB8AC3E}">
-        <p14:creationId xmlns:p14="http://schemas.microsoft.com/office/powerpoint/2010/main" val="831120082"/>
+        <p14:creationId xmlns:p14="http://schemas.microsoft.com/office/powerpoint/2010/main" xmlns="" val="831120082"/>
       </p:ext>
     </p:extLst>
   </p:cSld>
@@ -3499,7 +3499,7 @@
     </p:spTree>
     <p:extLst>
       <p:ext uri="{BB962C8B-B14F-4D97-AF65-F5344CB8AC3E}">
-        <p14:creationId xmlns:p14="http://schemas.microsoft.com/office/powerpoint/2010/main" val="2373605731"/>
+        <p14:creationId xmlns:p14="http://schemas.microsoft.com/office/powerpoint/2010/main" xmlns="" val="2373605731"/>
       </p:ext>
     </p:extLst>
   </p:cSld>
@@ -3732,7 +3732,7 @@
     </p:spTree>
     <p:extLst>
       <p:ext uri="{BB962C8B-B14F-4D97-AF65-F5344CB8AC3E}">
-        <p14:creationId xmlns:p14="http://schemas.microsoft.com/office/powerpoint/2010/main" val="1881871935"/>
+        <p14:creationId xmlns:p14="http://schemas.microsoft.com/office/powerpoint/2010/main" xmlns="" val="1881871935"/>
       </p:ext>
     </p:extLst>
   </p:cSld>
@@ -3912,7 +3912,7 @@
     </p:spTree>
     <p:extLst>
       <p:ext uri="{BB962C8B-B14F-4D97-AF65-F5344CB8AC3E}">
-        <p14:creationId xmlns:p14="http://schemas.microsoft.com/office/powerpoint/2010/main" val="2048350811"/>
+        <p14:creationId xmlns:p14="http://schemas.microsoft.com/office/powerpoint/2010/main" xmlns="" val="2048350811"/>
       </p:ext>
     </p:extLst>
   </p:cSld>
@@ -4114,7 +4114,7 @@
     </p:spTree>
     <p:extLst>
       <p:ext uri="{BB962C8B-B14F-4D97-AF65-F5344CB8AC3E}">
-        <p14:creationId xmlns:p14="http://schemas.microsoft.com/office/powerpoint/2010/main" val="2196783589"/>
+        <p14:creationId xmlns:p14="http://schemas.microsoft.com/office/powerpoint/2010/main" xmlns="" val="2196783589"/>
       </p:ext>
     </p:extLst>
   </p:cSld>
@@ -4412,7 +4412,7 @@
     </p:spTree>
     <p:extLst>
       <p:ext uri="{BB962C8B-B14F-4D97-AF65-F5344CB8AC3E}">
-        <p14:creationId xmlns:p14="http://schemas.microsoft.com/office/powerpoint/2010/main" val="814128731"/>
+        <p14:creationId xmlns:p14="http://schemas.microsoft.com/office/powerpoint/2010/main" xmlns="" val="814128731"/>
       </p:ext>
     </p:extLst>
   </p:cSld>
@@ -4849,7 +4849,7 @@
     </p:spTree>
     <p:extLst>
       <p:ext uri="{BB962C8B-B14F-4D97-AF65-F5344CB8AC3E}">
-        <p14:creationId xmlns:p14="http://schemas.microsoft.com/office/powerpoint/2010/main" val="692798999"/>
+        <p14:creationId xmlns:p14="http://schemas.microsoft.com/office/powerpoint/2010/main" xmlns="" val="692798999"/>
       </p:ext>
     </p:extLst>
   </p:cSld>
@@ -4977,7 +4977,7 @@
     </p:spTree>
     <p:extLst>
       <p:ext uri="{BB962C8B-B14F-4D97-AF65-F5344CB8AC3E}">
-        <p14:creationId xmlns:p14="http://schemas.microsoft.com/office/powerpoint/2010/main" val="971838808"/>
+        <p14:creationId xmlns:p14="http://schemas.microsoft.com/office/powerpoint/2010/main" xmlns="" val="971838808"/>
       </p:ext>
     </p:extLst>
   </p:cSld>
@@ -5082,7 +5082,7 @@
     </p:spTree>
     <p:extLst>
       <p:ext uri="{BB962C8B-B14F-4D97-AF65-F5344CB8AC3E}">
-        <p14:creationId xmlns:p14="http://schemas.microsoft.com/office/powerpoint/2010/main" val="4268550838"/>
+        <p14:creationId xmlns:p14="http://schemas.microsoft.com/office/powerpoint/2010/main" xmlns="" val="4268550838"/>
       </p:ext>
     </p:extLst>
   </p:cSld>
@@ -5369,7 +5369,7 @@
     </p:spTree>
     <p:extLst>
       <p:ext uri="{BB962C8B-B14F-4D97-AF65-F5344CB8AC3E}">
-        <p14:creationId xmlns:p14="http://schemas.microsoft.com/office/powerpoint/2010/main" val="835405000"/>
+        <p14:creationId xmlns:p14="http://schemas.microsoft.com/office/powerpoint/2010/main" xmlns="" val="835405000"/>
       </p:ext>
     </p:extLst>
   </p:cSld>
@@ -5636,7 +5636,7 @@
     </p:spTree>
     <p:extLst>
       <p:ext uri="{BB962C8B-B14F-4D97-AF65-F5344CB8AC3E}">
-        <p14:creationId xmlns:p14="http://schemas.microsoft.com/office/powerpoint/2010/main" val="1218909942"/>
+        <p14:creationId xmlns:p14="http://schemas.microsoft.com/office/powerpoint/2010/main" xmlns="" val="1218909942"/>
       </p:ext>
     </p:extLst>
   </p:cSld>
@@ -5697,14 +5697,14 @@
           <a:effectLst/>
           <a:extLst>
             <a:ext uri="{909E8E84-426E-40DD-AFC4-6F175D3DCCD1}">
-              <a14:hiddenFill xmlns:a14="http://schemas.microsoft.com/office/drawing/2010/main">
+              <a14:hiddenFill xmlns:a14="http://schemas.microsoft.com/office/drawing/2010/main" xmlns="">
                 <a:solidFill>
                   <a:schemeClr val="accent1"/>
                 </a:solidFill>
               </a14:hiddenFill>
             </a:ext>
             <a:ext uri="{91240B29-F687-4F45-9708-019B960494DF}">
-              <a14:hiddenLine xmlns:a14="http://schemas.microsoft.com/office/drawing/2010/main" w="9525">
+              <a14:hiddenLine xmlns:a14="http://schemas.microsoft.com/office/drawing/2010/main" xmlns="" w="9525">
                 <a:solidFill>
                   <a:schemeClr val="tx1"/>
                 </a:solidFill>
@@ -5714,7 +5714,7 @@
               </a14:hiddenLine>
             </a:ext>
             <a:ext uri="{AF507438-7753-43E0-B8FC-AC1667EBCBE1}">
-              <a14:hiddenEffects xmlns:a14="http://schemas.microsoft.com/office/drawing/2010/main">
+              <a14:hiddenEffects xmlns:a14="http://schemas.microsoft.com/office/drawing/2010/main" xmlns="">
                 <a:effectLst>
                   <a:outerShdw dist="35921" dir="2700000" algn="ctr" rotWithShape="0">
                     <a:schemeClr val="bg2"/>
@@ -5767,14 +5767,14 @@
           <a:effectLst/>
           <a:extLst>
             <a:ext uri="{909E8E84-426E-40DD-AFC4-6F175D3DCCD1}">
-              <a14:hiddenFill xmlns:a14="http://schemas.microsoft.com/office/drawing/2010/main">
+              <a14:hiddenFill xmlns:a14="http://schemas.microsoft.com/office/drawing/2010/main" xmlns="">
                 <a:solidFill>
                   <a:schemeClr val="accent1"/>
                 </a:solidFill>
               </a14:hiddenFill>
             </a:ext>
             <a:ext uri="{91240B29-F687-4F45-9708-019B960494DF}">
-              <a14:hiddenLine xmlns:a14="http://schemas.microsoft.com/office/drawing/2010/main" w="9525">
+              <a14:hiddenLine xmlns:a14="http://schemas.microsoft.com/office/drawing/2010/main" xmlns="" w="9525">
                 <a:solidFill>
                   <a:schemeClr val="tx1"/>
                 </a:solidFill>
@@ -5784,7 +5784,7 @@
               </a14:hiddenLine>
             </a:ext>
             <a:ext uri="{AF507438-7753-43E0-B8FC-AC1667EBCBE1}">
-              <a14:hiddenEffects xmlns:a14="http://schemas.microsoft.com/office/drawing/2010/main">
+              <a14:hiddenEffects xmlns:a14="http://schemas.microsoft.com/office/drawing/2010/main" xmlns="">
                 <a:effectLst>
                   <a:outerShdw dist="35921" dir="2700000" algn="ctr" rotWithShape="0">
                     <a:schemeClr val="bg2"/>
@@ -5867,7 +5867,7 @@
             <a:effectLst/>
             <a:extLst>
               <a:ext uri="{91240B29-F687-4F45-9708-019B960494DF}">
-                <a14:hiddenLine xmlns:a14="http://schemas.microsoft.com/office/drawing/2010/main" w="9525">
+                <a14:hiddenLine xmlns:a14="http://schemas.microsoft.com/office/drawing/2010/main" xmlns="" w="9525">
                   <a:solidFill>
                     <a:schemeClr val="tx1"/>
                   </a:solidFill>
@@ -5877,7 +5877,7 @@
                 </a14:hiddenLine>
               </a:ext>
               <a:ext uri="{AF507438-7753-43E0-B8FC-AC1667EBCBE1}">
-                <a14:hiddenEffects xmlns:a14="http://schemas.microsoft.com/office/drawing/2010/main">
+                <a14:hiddenEffects xmlns:a14="http://schemas.microsoft.com/office/drawing/2010/main" xmlns="">
                   <a:effectLst>
                     <a:outerShdw dist="35921" dir="2700000" algn="ctr" rotWithShape="0">
                       <a:schemeClr val="bg2"/>
@@ -5938,7 +5938,7 @@
             </a:ln>
             <a:extLst>
               <a:ext uri="{91240B29-F687-4F45-9708-019B960494DF}">
-                <a14:hiddenLine xmlns:a14="http://schemas.microsoft.com/office/drawing/2010/main" w="9525">
+                <a14:hiddenLine xmlns:a14="http://schemas.microsoft.com/office/drawing/2010/main" xmlns="" w="9525">
                   <a:solidFill>
                     <a:srgbClr val="000000"/>
                   </a:solidFill>
@@ -5992,7 +5992,7 @@
             </a:ln>
             <a:extLst>
               <a:ext uri="{91240B29-F687-4F45-9708-019B960494DF}">
-                <a14:hiddenLine xmlns:a14="http://schemas.microsoft.com/office/drawing/2010/main" w="9525">
+                <a14:hiddenLine xmlns:a14="http://schemas.microsoft.com/office/drawing/2010/main" xmlns="" w="9525">
                   <a:solidFill>
                     <a:srgbClr val="000000"/>
                   </a:solidFill>
@@ -6041,7 +6041,7 @@
             </a:ln>
             <a:extLst>
               <a:ext uri="{91240B29-F687-4F45-9708-019B960494DF}">
-                <a14:hiddenLine xmlns:a14="http://schemas.microsoft.com/office/drawing/2010/main" w="9525">
+                <a14:hiddenLine xmlns:a14="http://schemas.microsoft.com/office/drawing/2010/main" xmlns="" w="9525">
                   <a:solidFill>
                     <a:srgbClr val="000000"/>
                   </a:solidFill>
@@ -6090,7 +6090,7 @@
             </a:ln>
             <a:extLst>
               <a:ext uri="{91240B29-F687-4F45-9708-019B960494DF}">
-                <a14:hiddenLine xmlns:a14="http://schemas.microsoft.com/office/drawing/2010/main" w="9525">
+                <a14:hiddenLine xmlns:a14="http://schemas.microsoft.com/office/drawing/2010/main" xmlns="" w="9525">
                   <a:solidFill>
                     <a:srgbClr val="000000"/>
                   </a:solidFill>
@@ -6139,7 +6139,7 @@
             </a:ln>
             <a:extLst>
               <a:ext uri="{91240B29-F687-4F45-9708-019B960494DF}">
-                <a14:hiddenLine xmlns:a14="http://schemas.microsoft.com/office/drawing/2010/main" w="9525">
+                <a14:hiddenLine xmlns:a14="http://schemas.microsoft.com/office/drawing/2010/main" xmlns="" w="9525">
                   <a:solidFill>
                     <a:srgbClr val="000000"/>
                   </a:solidFill>
@@ -6188,7 +6188,7 @@
             </a:ln>
             <a:extLst>
               <a:ext uri="{91240B29-F687-4F45-9708-019B960494DF}">
-                <a14:hiddenLine xmlns:a14="http://schemas.microsoft.com/office/drawing/2010/main" w="9525">
+                <a14:hiddenLine xmlns:a14="http://schemas.microsoft.com/office/drawing/2010/main" xmlns="" w="9525">
                   <a:solidFill>
                     <a:srgbClr val="000000"/>
                   </a:solidFill>
@@ -6242,7 +6242,7 @@
             </a:ln>
             <a:extLst>
               <a:ext uri="{91240B29-F687-4F45-9708-019B960494DF}">
-                <a14:hiddenLine xmlns:a14="http://schemas.microsoft.com/office/drawing/2010/main" w="9525">
+                <a14:hiddenLine xmlns:a14="http://schemas.microsoft.com/office/drawing/2010/main" xmlns="" w="9525">
                   <a:solidFill>
                     <a:srgbClr val="000000"/>
                   </a:solidFill>
@@ -6291,7 +6291,7 @@
             </a:ln>
             <a:extLst>
               <a:ext uri="{91240B29-F687-4F45-9708-019B960494DF}">
-                <a14:hiddenLine xmlns:a14="http://schemas.microsoft.com/office/drawing/2010/main" w="9525">
+                <a14:hiddenLine xmlns:a14="http://schemas.microsoft.com/office/drawing/2010/main" xmlns="" w="9525">
                   <a:solidFill>
                     <a:srgbClr val="000000"/>
                   </a:solidFill>
@@ -6342,14 +6342,14 @@
           <a:effectLst/>
           <a:extLst>
             <a:ext uri="{909E8E84-426E-40DD-AFC4-6F175D3DCCD1}">
-              <a14:hiddenFill xmlns:a14="http://schemas.microsoft.com/office/drawing/2010/main">
+              <a14:hiddenFill xmlns:a14="http://schemas.microsoft.com/office/drawing/2010/main" xmlns="">
                 <a:solidFill>
                   <a:schemeClr val="accent1"/>
                 </a:solidFill>
               </a14:hiddenFill>
             </a:ext>
             <a:ext uri="{91240B29-F687-4F45-9708-019B960494DF}">
-              <a14:hiddenLine xmlns:a14="http://schemas.microsoft.com/office/drawing/2010/main" w="9525">
+              <a14:hiddenLine xmlns:a14="http://schemas.microsoft.com/office/drawing/2010/main" xmlns="" w="9525">
                 <a:solidFill>
                   <a:schemeClr val="tx1"/>
                 </a:solidFill>
@@ -6359,7 +6359,7 @@
               </a14:hiddenLine>
             </a:ext>
             <a:ext uri="{AF507438-7753-43E0-B8FC-AC1667EBCBE1}">
-              <a14:hiddenEffects xmlns:a14="http://schemas.microsoft.com/office/drawing/2010/main">
+              <a14:hiddenEffects xmlns:a14="http://schemas.microsoft.com/office/drawing/2010/main" xmlns="">
                 <a:effectLst>
                   <a:outerShdw dist="35921" dir="2700000" algn="ctr" rotWithShape="0">
                     <a:schemeClr val="bg2"/>
@@ -6410,14 +6410,14 @@
           <a:effectLst/>
           <a:extLst>
             <a:ext uri="{909E8E84-426E-40DD-AFC4-6F175D3DCCD1}">
-              <a14:hiddenFill xmlns:a14="http://schemas.microsoft.com/office/drawing/2010/main">
+              <a14:hiddenFill xmlns:a14="http://schemas.microsoft.com/office/drawing/2010/main" xmlns="">
                 <a:solidFill>
                   <a:schemeClr val="accent1"/>
                 </a:solidFill>
               </a14:hiddenFill>
             </a:ext>
             <a:ext uri="{91240B29-F687-4F45-9708-019B960494DF}">
-              <a14:hiddenLine xmlns:a14="http://schemas.microsoft.com/office/drawing/2010/main" w="9525">
+              <a14:hiddenLine xmlns:a14="http://schemas.microsoft.com/office/drawing/2010/main" xmlns="" w="9525">
                 <a:solidFill>
                   <a:schemeClr val="tx1"/>
                 </a:solidFill>
@@ -6427,7 +6427,7 @@
               </a14:hiddenLine>
             </a:ext>
             <a:ext uri="{AF507438-7753-43E0-B8FC-AC1667EBCBE1}">
-              <a14:hiddenEffects xmlns:a14="http://schemas.microsoft.com/office/drawing/2010/main">
+              <a14:hiddenEffects xmlns:a14="http://schemas.microsoft.com/office/drawing/2010/main" xmlns="">
                 <a:effectLst>
                   <a:outerShdw dist="35921" dir="2700000" algn="ctr" rotWithShape="0">
                     <a:schemeClr val="bg2"/>
@@ -6506,14 +6506,14 @@
           <a:effectLst/>
           <a:extLst>
             <a:ext uri="{909E8E84-426E-40DD-AFC4-6F175D3DCCD1}">
-              <a14:hiddenFill xmlns:a14="http://schemas.microsoft.com/office/drawing/2010/main">
+              <a14:hiddenFill xmlns:a14="http://schemas.microsoft.com/office/drawing/2010/main" xmlns="">
                 <a:solidFill>
                   <a:schemeClr val="accent1"/>
                 </a:solidFill>
               </a14:hiddenFill>
             </a:ext>
             <a:ext uri="{91240B29-F687-4F45-9708-019B960494DF}">
-              <a14:hiddenLine xmlns:a14="http://schemas.microsoft.com/office/drawing/2010/main" w="9525">
+              <a14:hiddenLine xmlns:a14="http://schemas.microsoft.com/office/drawing/2010/main" xmlns="" w="9525">
                 <a:solidFill>
                   <a:schemeClr val="tx1"/>
                 </a:solidFill>
@@ -6523,7 +6523,7 @@
               </a14:hiddenLine>
             </a:ext>
             <a:ext uri="{AF507438-7753-43E0-B8FC-AC1667EBCBE1}">
-              <a14:hiddenEffects xmlns:a14="http://schemas.microsoft.com/office/drawing/2010/main">
+              <a14:hiddenEffects xmlns:a14="http://schemas.microsoft.com/office/drawing/2010/main" xmlns="">
                 <a:effectLst>
                   <a:outerShdw dist="35921" dir="2700000" algn="ctr" rotWithShape="0">
                     <a:schemeClr val="bg2"/>
@@ -7232,7 +7232,7 @@
             <a:effectLst/>
             <a:extLst>
               <a:ext uri="{AF507438-7753-43E0-B8FC-AC1667EBCBE1}">
-                <a14:hiddenEffects xmlns:a14="http://schemas.microsoft.com/office/drawing/2010/main">
+                <a14:hiddenEffects xmlns:a14="http://schemas.microsoft.com/office/drawing/2010/main" xmlns="">
                   <a:effectLst>
                     <a:outerShdw dist="35921" dir="2700000" algn="ctr" rotWithShape="0">
                       <a:schemeClr val="bg2"/>
@@ -7272,7 +7272,7 @@
             <a:effectLst/>
             <a:extLst>
               <a:ext uri="{AF507438-7753-43E0-B8FC-AC1667EBCBE1}">
-                <a14:hiddenEffects xmlns:a14="http://schemas.microsoft.com/office/drawing/2010/main">
+                <a14:hiddenEffects xmlns:a14="http://schemas.microsoft.com/office/drawing/2010/main" xmlns="">
                   <a:effectLst>
                     <a:outerShdw dist="35921" dir="2700000" algn="ctr" rotWithShape="0">
                       <a:schemeClr val="bg2"/>
@@ -7312,7 +7312,7 @@
             <a:effectLst/>
             <a:extLst>
               <a:ext uri="{AF507438-7753-43E0-B8FC-AC1667EBCBE1}">
-                <a14:hiddenEffects xmlns:a14="http://schemas.microsoft.com/office/drawing/2010/main">
+                <a14:hiddenEffects xmlns:a14="http://schemas.microsoft.com/office/drawing/2010/main" xmlns="">
                   <a:effectLst>
                     <a:outerShdw dist="35921" dir="2700000" algn="ctr" rotWithShape="0">
                       <a:schemeClr val="bg2"/>
@@ -7355,7 +7355,7 @@
             <a:effectLst/>
             <a:extLst>
               <a:ext uri="{AF507438-7753-43E0-B8FC-AC1667EBCBE1}">
-                <a14:hiddenEffects xmlns:a14="http://schemas.microsoft.com/office/drawing/2010/main">
+                <a14:hiddenEffects xmlns:a14="http://schemas.microsoft.com/office/drawing/2010/main" xmlns="">
                   <a:effectLst>
                     <a:outerShdw dist="35921" dir="2700000" algn="ctr" rotWithShape="0">
                       <a:schemeClr val="bg2"/>
@@ -7406,7 +7406,7 @@
     </p:spTree>
     <p:extLst>
       <p:ext uri="{BB962C8B-B14F-4D97-AF65-F5344CB8AC3E}">
-        <p14:creationId xmlns:p14="http://schemas.microsoft.com/office/powerpoint/2010/main" val="3390025326"/>
+        <p14:creationId xmlns:p14="http://schemas.microsoft.com/office/powerpoint/2010/main" xmlns="" val="3390025326"/>
       </p:ext>
     </p:extLst>
   </p:cSld>
@@ -7671,7 +7671,7 @@
             <a:effectLst/>
             <a:extLst>
               <a:ext uri="{AF507438-7753-43E0-B8FC-AC1667EBCBE1}">
-                <a14:hiddenEffects xmlns:a14="http://schemas.microsoft.com/office/drawing/2010/main">
+                <a14:hiddenEffects xmlns:a14="http://schemas.microsoft.com/office/drawing/2010/main" xmlns="">
                   <a:effectLst>
                     <a:outerShdw dist="35921" dir="2700000" algn="ctr" rotWithShape="0">
                       <a:schemeClr val="bg2"/>
@@ -7711,7 +7711,7 @@
             <a:effectLst/>
             <a:extLst>
               <a:ext uri="{AF507438-7753-43E0-B8FC-AC1667EBCBE1}">
-                <a14:hiddenEffects xmlns:a14="http://schemas.microsoft.com/office/drawing/2010/main">
+                <a14:hiddenEffects xmlns:a14="http://schemas.microsoft.com/office/drawing/2010/main" xmlns="">
                   <a:effectLst>
                     <a:outerShdw dist="35921" dir="2700000" algn="ctr" rotWithShape="0">
                       <a:schemeClr val="bg2"/>
@@ -7751,7 +7751,7 @@
             <a:effectLst/>
             <a:extLst>
               <a:ext uri="{AF507438-7753-43E0-B8FC-AC1667EBCBE1}">
-                <a14:hiddenEffects xmlns:a14="http://schemas.microsoft.com/office/drawing/2010/main">
+                <a14:hiddenEffects xmlns:a14="http://schemas.microsoft.com/office/drawing/2010/main" xmlns="">
                   <a:effectLst>
                     <a:outerShdw dist="35921" dir="2700000" algn="ctr" rotWithShape="0">
                       <a:schemeClr val="bg2"/>
@@ -7794,7 +7794,7 @@
             <a:effectLst/>
             <a:extLst>
               <a:ext uri="{AF507438-7753-43E0-B8FC-AC1667EBCBE1}">
-                <a14:hiddenEffects xmlns:a14="http://schemas.microsoft.com/office/drawing/2010/main">
+                <a14:hiddenEffects xmlns:a14="http://schemas.microsoft.com/office/drawing/2010/main" xmlns="">
                   <a:effectLst>
                     <a:outerShdw dist="35921" dir="2700000" algn="ctr" rotWithShape="0">
                       <a:schemeClr val="bg2"/>
@@ -8353,10 +8353,10 @@
           <p:nvPr/>
         </p:nvPicPr>
         <p:blipFill>
-          <a:blip r:embed="rId3">
+          <a:blip r:embed="rId3" cstate="print">
             <a:extLst>
               <a:ext uri="{28A0092B-C50C-407E-A947-70E740481C1C}">
-                <a14:useLocalDpi xmlns:a14="http://schemas.microsoft.com/office/drawing/2010/main" val="0"/>
+                <a14:useLocalDpi xmlns:a14="http://schemas.microsoft.com/office/drawing/2010/main" xmlns="" val="0"/>
               </a:ext>
             </a:extLst>
           </a:blip>
@@ -8380,14 +8380,14 @@
           <a:effectLst/>
           <a:extLst>
             <a:ext uri="{909E8E84-426E-40DD-AFC4-6F175D3DCCD1}">
-              <a14:hiddenFill xmlns:a14="http://schemas.microsoft.com/office/drawing/2010/main">
+              <a14:hiddenFill xmlns:a14="http://schemas.microsoft.com/office/drawing/2010/main" xmlns="">
                 <a:solidFill>
                   <a:schemeClr val="accent1"/>
                 </a:solidFill>
               </a14:hiddenFill>
             </a:ext>
             <a:ext uri="{91240B29-F687-4F45-9708-019B960494DF}">
-              <a14:hiddenLine xmlns:a14="http://schemas.microsoft.com/office/drawing/2010/main" w="9525">
+              <a14:hiddenLine xmlns:a14="http://schemas.microsoft.com/office/drawing/2010/main" xmlns="" w="9525">
                 <a:solidFill>
                   <a:schemeClr val="tx1"/>
                 </a:solidFill>
@@ -8397,7 +8397,7 @@
               </a14:hiddenLine>
             </a:ext>
             <a:ext uri="{AF507438-7753-43E0-B8FC-AC1667EBCBE1}">
-              <a14:hiddenEffects xmlns:a14="http://schemas.microsoft.com/office/drawing/2010/main">
+              <a14:hiddenEffects xmlns:a14="http://schemas.microsoft.com/office/drawing/2010/main" xmlns="">
                 <a:effectLst>
                   <a:outerShdw dist="35921" dir="2700000" algn="ctr" rotWithShape="0">
                     <a:schemeClr val="bg2"/>
@@ -8912,7 +8912,7 @@
     </p:spTree>
     <p:extLst>
       <p:ext uri="{BB962C8B-B14F-4D97-AF65-F5344CB8AC3E}">
-        <p14:creationId xmlns:p14="http://schemas.microsoft.com/office/powerpoint/2010/main" val="1895355952"/>
+        <p14:creationId xmlns:p14="http://schemas.microsoft.com/office/powerpoint/2010/main" xmlns="" val="1895355952"/>
       </p:ext>
     </p:extLst>
   </p:cSld>
@@ -8958,10 +8958,10 @@
           <p:nvPr/>
         </p:nvPicPr>
         <p:blipFill>
-          <a:blip r:embed="rId2">
+          <a:blip r:embed="rId2" cstate="print">
             <a:extLst>
               <a:ext uri="{28A0092B-C50C-407E-A947-70E740481C1C}">
-                <a14:useLocalDpi xmlns:a14="http://schemas.microsoft.com/office/drawing/2010/main" val="0"/>
+                <a14:useLocalDpi xmlns:a14="http://schemas.microsoft.com/office/drawing/2010/main" xmlns="" val="0"/>
               </a:ext>
             </a:extLst>
           </a:blip>
@@ -8985,14 +8985,14 @@
           <a:effectLst/>
           <a:extLst>
             <a:ext uri="{909E8E84-426E-40DD-AFC4-6F175D3DCCD1}">
-              <a14:hiddenFill xmlns:a14="http://schemas.microsoft.com/office/drawing/2010/main">
+              <a14:hiddenFill xmlns:a14="http://schemas.microsoft.com/office/drawing/2010/main" xmlns="">
                 <a:solidFill>
                   <a:schemeClr val="accent1"/>
                 </a:solidFill>
               </a14:hiddenFill>
             </a:ext>
             <a:ext uri="{91240B29-F687-4F45-9708-019B960494DF}">
-              <a14:hiddenLine xmlns:a14="http://schemas.microsoft.com/office/drawing/2010/main" w="9525">
+              <a14:hiddenLine xmlns:a14="http://schemas.microsoft.com/office/drawing/2010/main" xmlns="" w="9525">
                 <a:solidFill>
                   <a:schemeClr val="tx1"/>
                 </a:solidFill>
@@ -9002,7 +9002,7 @@
               </a14:hiddenLine>
             </a:ext>
             <a:ext uri="{AF507438-7753-43E0-B8FC-AC1667EBCBE1}">
-              <a14:hiddenEffects xmlns:a14="http://schemas.microsoft.com/office/drawing/2010/main">
+              <a14:hiddenEffects xmlns:a14="http://schemas.microsoft.com/office/drawing/2010/main" xmlns="">
                 <a:effectLst>
                   <a:outerShdw dist="35921" dir="2700000" algn="ctr" rotWithShape="0">
                     <a:schemeClr val="bg2"/>
@@ -9537,7 +9537,7 @@
     </p:spTree>
     <p:extLst>
       <p:ext uri="{BB962C8B-B14F-4D97-AF65-F5344CB8AC3E}">
-        <p14:creationId xmlns:p14="http://schemas.microsoft.com/office/powerpoint/2010/main" val="4054635138"/>
+        <p14:creationId xmlns:p14="http://schemas.microsoft.com/office/powerpoint/2010/main" xmlns="" val="4054635138"/>
       </p:ext>
     </p:extLst>
   </p:cSld>
@@ -9800,7 +9800,7 @@
             <a:effectLst/>
             <a:extLst>
               <a:ext uri="{AF507438-7753-43E0-B8FC-AC1667EBCBE1}">
-                <a14:hiddenEffects xmlns:a14="http://schemas.microsoft.com/office/drawing/2010/main">
+                <a14:hiddenEffects xmlns:a14="http://schemas.microsoft.com/office/drawing/2010/main" xmlns="">
                   <a:effectLst>
                     <a:outerShdw dist="35921" dir="2700000" algn="ctr" rotWithShape="0">
                       <a:schemeClr val="bg2"/>
@@ -9840,7 +9840,7 @@
             <a:effectLst/>
             <a:extLst>
               <a:ext uri="{AF507438-7753-43E0-B8FC-AC1667EBCBE1}">
-                <a14:hiddenEffects xmlns:a14="http://schemas.microsoft.com/office/drawing/2010/main">
+                <a14:hiddenEffects xmlns:a14="http://schemas.microsoft.com/office/drawing/2010/main" xmlns="">
                   <a:effectLst>
                     <a:outerShdw dist="35921" dir="2700000" algn="ctr" rotWithShape="0">
                       <a:schemeClr val="bg2"/>
@@ -9880,7 +9880,7 @@
             <a:effectLst/>
             <a:extLst>
               <a:ext uri="{AF507438-7753-43E0-B8FC-AC1667EBCBE1}">
-                <a14:hiddenEffects xmlns:a14="http://schemas.microsoft.com/office/drawing/2010/main">
+                <a14:hiddenEffects xmlns:a14="http://schemas.microsoft.com/office/drawing/2010/main" xmlns="">
                   <a:effectLst>
                     <a:outerShdw dist="35921" dir="2700000" algn="ctr" rotWithShape="0">
                       <a:schemeClr val="bg2"/>
@@ -9923,7 +9923,7 @@
             <a:effectLst/>
             <a:extLst>
               <a:ext uri="{AF507438-7753-43E0-B8FC-AC1667EBCBE1}">
-                <a14:hiddenEffects xmlns:a14="http://schemas.microsoft.com/office/drawing/2010/main">
+                <a14:hiddenEffects xmlns:a14="http://schemas.microsoft.com/office/drawing/2010/main" xmlns="">
                   <a:effectLst>
                     <a:outerShdw dist="35921" dir="2700000" algn="ctr" rotWithShape="0">
                       <a:schemeClr val="bg2"/>
@@ -10218,10 +10218,10 @@
           <p:nvPr/>
         </p:nvPicPr>
         <p:blipFill>
-          <a:blip r:embed="rId3">
+          <a:blip r:embed="rId3" cstate="print">
             <a:extLst>
               <a:ext uri="{28A0092B-C50C-407E-A947-70E740481C1C}">
-                <a14:useLocalDpi xmlns:a14="http://schemas.microsoft.com/office/drawing/2010/main" val="0"/>
+                <a14:useLocalDpi xmlns:a14="http://schemas.microsoft.com/office/drawing/2010/main" xmlns="" val="0"/>
               </a:ext>
             </a:extLst>
           </a:blip>
@@ -10245,14 +10245,14 @@
           <a:effectLst/>
           <a:extLst>
             <a:ext uri="{909E8E84-426E-40DD-AFC4-6F175D3DCCD1}">
-              <a14:hiddenFill xmlns:a14="http://schemas.microsoft.com/office/drawing/2010/main">
+              <a14:hiddenFill xmlns:a14="http://schemas.microsoft.com/office/drawing/2010/main" xmlns="">
                 <a:solidFill>
                   <a:schemeClr val="accent1"/>
                 </a:solidFill>
               </a14:hiddenFill>
             </a:ext>
             <a:ext uri="{91240B29-F687-4F45-9708-019B960494DF}">
-              <a14:hiddenLine xmlns:a14="http://schemas.microsoft.com/office/drawing/2010/main" w="9525">
+              <a14:hiddenLine xmlns:a14="http://schemas.microsoft.com/office/drawing/2010/main" xmlns="" w="9525">
                 <a:solidFill>
                   <a:schemeClr val="tx1"/>
                 </a:solidFill>
@@ -10262,7 +10262,7 @@
               </a14:hiddenLine>
             </a:ext>
             <a:ext uri="{AF507438-7753-43E0-B8FC-AC1667EBCBE1}">
-              <a14:hiddenEffects xmlns:a14="http://schemas.microsoft.com/office/drawing/2010/main">
+              <a14:hiddenEffects xmlns:a14="http://schemas.microsoft.com/office/drawing/2010/main" xmlns="">
                 <a:effectLst>
                   <a:outerShdw dist="35921" dir="2700000" algn="ctr" rotWithShape="0">
                     <a:schemeClr val="bg2"/>
@@ -10929,7 +10929,7 @@
     </p:spTree>
     <p:extLst>
       <p:ext uri="{BB962C8B-B14F-4D97-AF65-F5344CB8AC3E}">
-        <p14:creationId xmlns:p14="http://schemas.microsoft.com/office/powerpoint/2010/main" val="2018697791"/>
+        <p14:creationId xmlns:p14="http://schemas.microsoft.com/office/powerpoint/2010/main" xmlns="" val="2018697791"/>
       </p:ext>
     </p:extLst>
   </p:cSld>
@@ -11057,10 +11057,10 @@
           <p:nvPr/>
         </p:nvPicPr>
         <p:blipFill>
-          <a:blip r:embed="rId3">
+          <a:blip r:embed="rId3" cstate="print">
             <a:extLst>
               <a:ext uri="{28A0092B-C50C-407E-A947-70E740481C1C}">
-                <a14:useLocalDpi xmlns:a14="http://schemas.microsoft.com/office/drawing/2010/main" val="0"/>
+                <a14:useLocalDpi xmlns:a14="http://schemas.microsoft.com/office/drawing/2010/main" xmlns="" val="0"/>
               </a:ext>
             </a:extLst>
           </a:blip>
@@ -11084,14 +11084,14 @@
           <a:effectLst/>
           <a:extLst>
             <a:ext uri="{909E8E84-426E-40DD-AFC4-6F175D3DCCD1}">
-              <a14:hiddenFill xmlns:a14="http://schemas.microsoft.com/office/drawing/2010/main">
+              <a14:hiddenFill xmlns:a14="http://schemas.microsoft.com/office/drawing/2010/main" xmlns="">
                 <a:solidFill>
                   <a:schemeClr val="accent1"/>
                 </a:solidFill>
               </a14:hiddenFill>
             </a:ext>
             <a:ext uri="{91240B29-F687-4F45-9708-019B960494DF}">
-              <a14:hiddenLine xmlns:a14="http://schemas.microsoft.com/office/drawing/2010/main" w="9525">
+              <a14:hiddenLine xmlns:a14="http://schemas.microsoft.com/office/drawing/2010/main" xmlns="" w="9525">
                 <a:solidFill>
                   <a:schemeClr val="tx1"/>
                 </a:solidFill>
@@ -11101,7 +11101,7 @@
               </a14:hiddenLine>
             </a:ext>
             <a:ext uri="{AF507438-7753-43E0-B8FC-AC1667EBCBE1}">
-              <a14:hiddenEffects xmlns:a14="http://schemas.microsoft.com/office/drawing/2010/main">
+              <a14:hiddenEffects xmlns:a14="http://schemas.microsoft.com/office/drawing/2010/main" xmlns="">
                 <a:effectLst>
                   <a:outerShdw dist="35921" dir="2700000" algn="ctr" rotWithShape="0">
                     <a:schemeClr val="bg2"/>
@@ -11704,7 +11704,7 @@
     </p:spTree>
     <p:extLst>
       <p:ext uri="{BB962C8B-B14F-4D97-AF65-F5344CB8AC3E}">
-        <p14:creationId xmlns:p14="http://schemas.microsoft.com/office/powerpoint/2010/main" val="2744647316"/>
+        <p14:creationId xmlns:p14="http://schemas.microsoft.com/office/powerpoint/2010/main" xmlns="" val="2744647316"/>
       </p:ext>
     </p:extLst>
   </p:cSld>
@@ -11967,7 +11967,7 @@
             <a:effectLst/>
             <a:extLst>
               <a:ext uri="{AF507438-7753-43E0-B8FC-AC1667EBCBE1}">
-                <a14:hiddenEffects xmlns:a14="http://schemas.microsoft.com/office/drawing/2010/main">
+                <a14:hiddenEffects xmlns:a14="http://schemas.microsoft.com/office/drawing/2010/main" xmlns="">
                   <a:effectLst>
                     <a:outerShdw dist="35921" dir="2700000" algn="ctr" rotWithShape="0">
                       <a:schemeClr val="bg2"/>
@@ -12007,7 +12007,7 @@
             <a:effectLst/>
             <a:extLst>
               <a:ext uri="{AF507438-7753-43E0-B8FC-AC1667EBCBE1}">
-                <a14:hiddenEffects xmlns:a14="http://schemas.microsoft.com/office/drawing/2010/main">
+                <a14:hiddenEffects xmlns:a14="http://schemas.microsoft.com/office/drawing/2010/main" xmlns="">
                   <a:effectLst>
                     <a:outerShdw dist="35921" dir="2700000" algn="ctr" rotWithShape="0">
                       <a:schemeClr val="bg2"/>
@@ -12047,7 +12047,7 @@
             <a:effectLst/>
             <a:extLst>
               <a:ext uri="{AF507438-7753-43E0-B8FC-AC1667EBCBE1}">
-                <a14:hiddenEffects xmlns:a14="http://schemas.microsoft.com/office/drawing/2010/main">
+                <a14:hiddenEffects xmlns:a14="http://schemas.microsoft.com/office/drawing/2010/main" xmlns="">
                   <a:effectLst>
                     <a:outerShdw dist="35921" dir="2700000" algn="ctr" rotWithShape="0">
                       <a:schemeClr val="bg2"/>
@@ -12090,7 +12090,7 @@
             <a:effectLst/>
             <a:extLst>
               <a:ext uri="{AF507438-7753-43E0-B8FC-AC1667EBCBE1}">
-                <a14:hiddenEffects xmlns:a14="http://schemas.microsoft.com/office/drawing/2010/main">
+                <a14:hiddenEffects xmlns:a14="http://schemas.microsoft.com/office/drawing/2010/main" xmlns="">
                   <a:effectLst>
                     <a:outerShdw dist="35921" dir="2700000" algn="ctr" rotWithShape="0">
                       <a:schemeClr val="bg2"/>
@@ -12465,10 +12465,10 @@
           <p:nvPr/>
         </p:nvPicPr>
         <p:blipFill>
-          <a:blip r:embed="rId3">
+          <a:blip r:embed="rId3" cstate="print">
             <a:extLst>
               <a:ext uri="{28A0092B-C50C-407E-A947-70E740481C1C}">
-                <a14:useLocalDpi xmlns:a14="http://schemas.microsoft.com/office/drawing/2010/main" val="0"/>
+                <a14:useLocalDpi xmlns:a14="http://schemas.microsoft.com/office/drawing/2010/main" xmlns="" val="0"/>
               </a:ext>
             </a:extLst>
           </a:blip>
@@ -12492,14 +12492,14 @@
           <a:effectLst/>
           <a:extLst>
             <a:ext uri="{909E8E84-426E-40DD-AFC4-6F175D3DCCD1}">
-              <a14:hiddenFill xmlns:a14="http://schemas.microsoft.com/office/drawing/2010/main">
+              <a14:hiddenFill xmlns:a14="http://schemas.microsoft.com/office/drawing/2010/main" xmlns="">
                 <a:solidFill>
                   <a:schemeClr val="accent1"/>
                 </a:solidFill>
               </a14:hiddenFill>
             </a:ext>
             <a:ext uri="{91240B29-F687-4F45-9708-019B960494DF}">
-              <a14:hiddenLine xmlns:a14="http://schemas.microsoft.com/office/drawing/2010/main" w="9525">
+              <a14:hiddenLine xmlns:a14="http://schemas.microsoft.com/office/drawing/2010/main" xmlns="" w="9525">
                 <a:solidFill>
                   <a:schemeClr val="tx1"/>
                 </a:solidFill>
@@ -12509,7 +12509,7 @@
               </a14:hiddenLine>
             </a:ext>
             <a:ext uri="{AF507438-7753-43E0-B8FC-AC1667EBCBE1}">
-              <a14:hiddenEffects xmlns:a14="http://schemas.microsoft.com/office/drawing/2010/main">
+              <a14:hiddenEffects xmlns:a14="http://schemas.microsoft.com/office/drawing/2010/main" xmlns="">
                 <a:effectLst>
                   <a:outerShdw dist="35921" dir="2700000" algn="ctr" rotWithShape="0">
                     <a:schemeClr val="bg2"/>
@@ -12964,7 +12964,7 @@
     </p:spTree>
     <p:extLst>
       <p:ext uri="{BB962C8B-B14F-4D97-AF65-F5344CB8AC3E}">
-        <p14:creationId xmlns:p14="http://schemas.microsoft.com/office/powerpoint/2010/main" val="3732044603"/>
+        <p14:creationId xmlns:p14="http://schemas.microsoft.com/office/powerpoint/2010/main" xmlns="" val="3732044603"/>
       </p:ext>
     </p:extLst>
   </p:cSld>
@@ -13010,10 +13010,10 @@
           <p:nvPr/>
         </p:nvPicPr>
         <p:blipFill>
-          <a:blip r:embed="rId2">
+          <a:blip r:embed="rId2" cstate="print">
             <a:extLst>
               <a:ext uri="{28A0092B-C50C-407E-A947-70E740481C1C}">
-                <a14:useLocalDpi xmlns:a14="http://schemas.microsoft.com/office/drawing/2010/main" val="0"/>
+                <a14:useLocalDpi xmlns:a14="http://schemas.microsoft.com/office/drawing/2010/main" xmlns="" val="0"/>
               </a:ext>
             </a:extLst>
           </a:blip>
@@ -13037,14 +13037,14 @@
           <a:effectLst/>
           <a:extLst>
             <a:ext uri="{909E8E84-426E-40DD-AFC4-6F175D3DCCD1}">
-              <a14:hiddenFill xmlns:a14="http://schemas.microsoft.com/office/drawing/2010/main">
+              <a14:hiddenFill xmlns:a14="http://schemas.microsoft.com/office/drawing/2010/main" xmlns="">
                 <a:solidFill>
                   <a:schemeClr val="accent1"/>
                 </a:solidFill>
               </a14:hiddenFill>
             </a:ext>
             <a:ext uri="{91240B29-F687-4F45-9708-019B960494DF}">
-              <a14:hiddenLine xmlns:a14="http://schemas.microsoft.com/office/drawing/2010/main" w="9525">
+              <a14:hiddenLine xmlns:a14="http://schemas.microsoft.com/office/drawing/2010/main" xmlns="" w="9525">
                 <a:solidFill>
                   <a:schemeClr val="tx1"/>
                 </a:solidFill>
@@ -13054,7 +13054,7 @@
               </a14:hiddenLine>
             </a:ext>
             <a:ext uri="{AF507438-7753-43E0-B8FC-AC1667EBCBE1}">
-              <a14:hiddenEffects xmlns:a14="http://schemas.microsoft.com/office/drawing/2010/main">
+              <a14:hiddenEffects xmlns:a14="http://schemas.microsoft.com/office/drawing/2010/main" xmlns="">
                 <a:effectLst>
                   <a:outerShdw dist="35921" dir="2700000" algn="ctr" rotWithShape="0">
                     <a:schemeClr val="bg2"/>
@@ -13385,7 +13385,7 @@
     </p:spTree>
     <p:extLst>
       <p:ext uri="{BB962C8B-B14F-4D97-AF65-F5344CB8AC3E}">
-        <p14:creationId xmlns:p14="http://schemas.microsoft.com/office/powerpoint/2010/main" val="230723396"/>
+        <p14:creationId xmlns:p14="http://schemas.microsoft.com/office/powerpoint/2010/main" xmlns="" val="230723396"/>
       </p:ext>
     </p:extLst>
   </p:cSld>
@@ -13422,10 +13422,10 @@
           <p:nvPr/>
         </p:nvPicPr>
         <p:blipFill>
-          <a:blip r:embed="rId2">
+          <a:blip r:embed="rId2" cstate="print">
             <a:extLst>
               <a:ext uri="{28A0092B-C50C-407E-A947-70E740481C1C}">
-                <a14:useLocalDpi xmlns:a14="http://schemas.microsoft.com/office/drawing/2010/main" val="0"/>
+                <a14:useLocalDpi xmlns:a14="http://schemas.microsoft.com/office/drawing/2010/main" xmlns="" val="0"/>
               </a:ext>
             </a:extLst>
           </a:blip>
@@ -13449,14 +13449,14 @@
           <a:effectLst/>
           <a:extLst>
             <a:ext uri="{909E8E84-426E-40DD-AFC4-6F175D3DCCD1}">
-              <a14:hiddenFill xmlns:a14="http://schemas.microsoft.com/office/drawing/2010/main">
+              <a14:hiddenFill xmlns:a14="http://schemas.microsoft.com/office/drawing/2010/main" xmlns="">
                 <a:solidFill>
                   <a:schemeClr val="accent1"/>
                 </a:solidFill>
               </a14:hiddenFill>
             </a:ext>
             <a:ext uri="{91240B29-F687-4F45-9708-019B960494DF}">
-              <a14:hiddenLine xmlns:a14="http://schemas.microsoft.com/office/drawing/2010/main" w="9525">
+              <a14:hiddenLine xmlns:a14="http://schemas.microsoft.com/office/drawing/2010/main" xmlns="" w="9525">
                 <a:solidFill>
                   <a:schemeClr val="tx1"/>
                 </a:solidFill>
@@ -13466,7 +13466,7 @@
               </a14:hiddenLine>
             </a:ext>
             <a:ext uri="{AF507438-7753-43E0-B8FC-AC1667EBCBE1}">
-              <a14:hiddenEffects xmlns:a14="http://schemas.microsoft.com/office/drawing/2010/main">
+              <a14:hiddenEffects xmlns:a14="http://schemas.microsoft.com/office/drawing/2010/main" xmlns="">
                 <a:effectLst>
                   <a:outerShdw dist="35921" dir="2700000" algn="ctr" rotWithShape="0">
                     <a:schemeClr val="bg2"/>
@@ -13919,7 +13919,7 @@
     </p:spTree>
     <p:extLst>
       <p:ext uri="{BB962C8B-B14F-4D97-AF65-F5344CB8AC3E}">
-        <p14:creationId xmlns:p14="http://schemas.microsoft.com/office/powerpoint/2010/main" val="2887726845"/>
+        <p14:creationId xmlns:p14="http://schemas.microsoft.com/office/powerpoint/2010/main" xmlns="" val="2887726845"/>
       </p:ext>
     </p:extLst>
   </p:cSld>
@@ -13965,10 +13965,10 @@
           <p:nvPr/>
         </p:nvPicPr>
         <p:blipFill>
-          <a:blip r:embed="rId2">
+          <a:blip r:embed="rId2" cstate="print">
             <a:extLst>
               <a:ext uri="{28A0092B-C50C-407E-A947-70E740481C1C}">
-                <a14:useLocalDpi xmlns:a14="http://schemas.microsoft.com/office/drawing/2010/main" val="0"/>
+                <a14:useLocalDpi xmlns:a14="http://schemas.microsoft.com/office/drawing/2010/main" xmlns="" val="0"/>
               </a:ext>
             </a:extLst>
           </a:blip>
@@ -13992,14 +13992,14 @@
           <a:effectLst/>
           <a:extLst>
             <a:ext uri="{909E8E84-426E-40DD-AFC4-6F175D3DCCD1}">
-              <a14:hiddenFill xmlns:a14="http://schemas.microsoft.com/office/drawing/2010/main">
+              <a14:hiddenFill xmlns:a14="http://schemas.microsoft.com/office/drawing/2010/main" xmlns="">
                 <a:solidFill>
                   <a:schemeClr val="accent1"/>
                 </a:solidFill>
               </a14:hiddenFill>
             </a:ext>
             <a:ext uri="{91240B29-F687-4F45-9708-019B960494DF}">
-              <a14:hiddenLine xmlns:a14="http://schemas.microsoft.com/office/drawing/2010/main" w="9525">
+              <a14:hiddenLine xmlns:a14="http://schemas.microsoft.com/office/drawing/2010/main" xmlns="" w="9525">
                 <a:solidFill>
                   <a:schemeClr val="tx1"/>
                 </a:solidFill>
@@ -14009,7 +14009,7 @@
               </a14:hiddenLine>
             </a:ext>
             <a:ext uri="{AF507438-7753-43E0-B8FC-AC1667EBCBE1}">
-              <a14:hiddenEffects xmlns:a14="http://schemas.microsoft.com/office/drawing/2010/main">
+              <a14:hiddenEffects xmlns:a14="http://schemas.microsoft.com/office/drawing/2010/main" xmlns="">
                 <a:effectLst>
                   <a:outerShdw dist="35921" dir="2700000" algn="ctr" rotWithShape="0">
                     <a:schemeClr val="bg2"/>
@@ -14891,7 +14891,7 @@
     </p:spTree>
     <p:extLst>
       <p:ext uri="{BB962C8B-B14F-4D97-AF65-F5344CB8AC3E}">
-        <p14:creationId xmlns:p14="http://schemas.microsoft.com/office/powerpoint/2010/main" val="284837022"/>
+        <p14:creationId xmlns:p14="http://schemas.microsoft.com/office/powerpoint/2010/main" xmlns="" val="284837022"/>
       </p:ext>
     </p:extLst>
   </p:cSld>
@@ -15154,7 +15154,7 @@
             <a:effectLst/>
             <a:extLst>
               <a:ext uri="{AF507438-7753-43E0-B8FC-AC1667EBCBE1}">
-                <a14:hiddenEffects xmlns:a14="http://schemas.microsoft.com/office/drawing/2010/main">
+                <a14:hiddenEffects xmlns:a14="http://schemas.microsoft.com/office/drawing/2010/main" xmlns="">
                   <a:effectLst>
                     <a:outerShdw dist="35921" dir="2700000" algn="ctr" rotWithShape="0">
                       <a:schemeClr val="bg2"/>
@@ -15194,7 +15194,7 @@
             <a:effectLst/>
             <a:extLst>
               <a:ext uri="{AF507438-7753-43E0-B8FC-AC1667EBCBE1}">
-                <a14:hiddenEffects xmlns:a14="http://schemas.microsoft.com/office/drawing/2010/main">
+                <a14:hiddenEffects xmlns:a14="http://schemas.microsoft.com/office/drawing/2010/main" xmlns="">
                   <a:effectLst>
                     <a:outerShdw dist="35921" dir="2700000" algn="ctr" rotWithShape="0">
                       <a:schemeClr val="bg2"/>
@@ -15234,7 +15234,7 @@
             <a:effectLst/>
             <a:extLst>
               <a:ext uri="{AF507438-7753-43E0-B8FC-AC1667EBCBE1}">
-                <a14:hiddenEffects xmlns:a14="http://schemas.microsoft.com/office/drawing/2010/main">
+                <a14:hiddenEffects xmlns:a14="http://schemas.microsoft.com/office/drawing/2010/main" xmlns="">
                   <a:effectLst>
                     <a:outerShdw dist="35921" dir="2700000" algn="ctr" rotWithShape="0">
                       <a:schemeClr val="bg2"/>
@@ -15277,7 +15277,7 @@
             <a:effectLst/>
             <a:extLst>
               <a:ext uri="{AF507438-7753-43E0-B8FC-AC1667EBCBE1}">
-                <a14:hiddenEffects xmlns:a14="http://schemas.microsoft.com/office/drawing/2010/main">
+                <a14:hiddenEffects xmlns:a14="http://schemas.microsoft.com/office/drawing/2010/main" xmlns="">
                   <a:effectLst>
                     <a:outerShdw dist="35921" dir="2700000" algn="ctr" rotWithShape="0">
                       <a:schemeClr val="bg2"/>
@@ -15328,7 +15328,7 @@
     </p:spTree>
     <p:extLst>
       <p:ext uri="{BB962C8B-B14F-4D97-AF65-F5344CB8AC3E}">
-        <p14:creationId xmlns:p14="http://schemas.microsoft.com/office/powerpoint/2010/main" val="618581666"/>
+        <p14:creationId xmlns:p14="http://schemas.microsoft.com/office/powerpoint/2010/main" xmlns="" val="618581666"/>
       </p:ext>
     </p:extLst>
   </p:cSld>
@@ -15593,7 +15593,7 @@
             <a:effectLst/>
             <a:extLst>
               <a:ext uri="{AF507438-7753-43E0-B8FC-AC1667EBCBE1}">
-                <a14:hiddenEffects xmlns:a14="http://schemas.microsoft.com/office/drawing/2010/main">
+                <a14:hiddenEffects xmlns:a14="http://schemas.microsoft.com/office/drawing/2010/main" xmlns="">
                   <a:effectLst>
                     <a:outerShdw dist="35921" dir="2700000" algn="ctr" rotWithShape="0">
                       <a:schemeClr val="bg2"/>
@@ -15633,7 +15633,7 @@
             <a:effectLst/>
             <a:extLst>
               <a:ext uri="{AF507438-7753-43E0-B8FC-AC1667EBCBE1}">
-                <a14:hiddenEffects xmlns:a14="http://schemas.microsoft.com/office/drawing/2010/main">
+                <a14:hiddenEffects xmlns:a14="http://schemas.microsoft.com/office/drawing/2010/main" xmlns="">
                   <a:effectLst>
                     <a:outerShdw dist="35921" dir="2700000" algn="ctr" rotWithShape="0">
                       <a:schemeClr val="bg2"/>
@@ -15673,7 +15673,7 @@
             <a:effectLst/>
             <a:extLst>
               <a:ext uri="{AF507438-7753-43E0-B8FC-AC1667EBCBE1}">
-                <a14:hiddenEffects xmlns:a14="http://schemas.microsoft.com/office/drawing/2010/main">
+                <a14:hiddenEffects xmlns:a14="http://schemas.microsoft.com/office/drawing/2010/main" xmlns="">
                   <a:effectLst>
                     <a:outerShdw dist="35921" dir="2700000" algn="ctr" rotWithShape="0">
                       <a:schemeClr val="bg2"/>
@@ -15716,7 +15716,7 @@
             <a:effectLst/>
             <a:extLst>
               <a:ext uri="{AF507438-7753-43E0-B8FC-AC1667EBCBE1}">
-                <a14:hiddenEffects xmlns:a14="http://schemas.microsoft.com/office/drawing/2010/main">
+                <a14:hiddenEffects xmlns:a14="http://schemas.microsoft.com/office/drawing/2010/main" xmlns="">
                   <a:effectLst>
                     <a:outerShdw dist="35921" dir="2700000" algn="ctr" rotWithShape="0">
                       <a:schemeClr val="bg2"/>
@@ -16373,10 +16373,10 @@
           <p:nvPr/>
         </p:nvPicPr>
         <p:blipFill>
-          <a:blip r:embed="rId3">
+          <a:blip r:embed="rId3" cstate="print">
             <a:extLst>
               <a:ext uri="{28A0092B-C50C-407E-A947-70E740481C1C}">
-                <a14:useLocalDpi xmlns:a14="http://schemas.microsoft.com/office/drawing/2010/main" val="0"/>
+                <a14:useLocalDpi xmlns:a14="http://schemas.microsoft.com/office/drawing/2010/main" xmlns="" val="0"/>
               </a:ext>
             </a:extLst>
           </a:blip>
@@ -16400,14 +16400,14 @@
           <a:effectLst/>
           <a:extLst>
             <a:ext uri="{909E8E84-426E-40DD-AFC4-6F175D3DCCD1}">
-              <a14:hiddenFill xmlns:a14="http://schemas.microsoft.com/office/drawing/2010/main">
+              <a14:hiddenFill xmlns:a14="http://schemas.microsoft.com/office/drawing/2010/main" xmlns="">
                 <a:solidFill>
                   <a:schemeClr val="accent1"/>
                 </a:solidFill>
               </a14:hiddenFill>
             </a:ext>
             <a:ext uri="{91240B29-F687-4F45-9708-019B960494DF}">
-              <a14:hiddenLine xmlns:a14="http://schemas.microsoft.com/office/drawing/2010/main" w="9525">
+              <a14:hiddenLine xmlns:a14="http://schemas.microsoft.com/office/drawing/2010/main" xmlns="" w="9525">
                 <a:solidFill>
                   <a:schemeClr val="tx1"/>
                 </a:solidFill>
@@ -16417,7 +16417,7 @@
               </a14:hiddenLine>
             </a:ext>
             <a:ext uri="{AF507438-7753-43E0-B8FC-AC1667EBCBE1}">
-              <a14:hiddenEffects xmlns:a14="http://schemas.microsoft.com/office/drawing/2010/main">
+              <a14:hiddenEffects xmlns:a14="http://schemas.microsoft.com/office/drawing/2010/main" xmlns="">
                 <a:effectLst>
                   <a:outerShdw dist="35921" dir="2700000" algn="ctr" rotWithShape="0">
                     <a:schemeClr val="bg2"/>
@@ -16801,7 +16801,7 @@
     </p:spTree>
     <p:extLst>
       <p:ext uri="{BB962C8B-B14F-4D97-AF65-F5344CB8AC3E}">
-        <p14:creationId xmlns:p14="http://schemas.microsoft.com/office/powerpoint/2010/main" val="1662562472"/>
+        <p14:creationId xmlns:p14="http://schemas.microsoft.com/office/powerpoint/2010/main" xmlns="" val="1662562472"/>
       </p:ext>
     </p:extLst>
   </p:cSld>
@@ -17279,10 +17279,10 @@
           <p:nvPr/>
         </p:nvPicPr>
         <p:blipFill>
-          <a:blip r:embed="rId2">
+          <a:blip r:embed="rId2" cstate="print">
             <a:extLst>
               <a:ext uri="{28A0092B-C50C-407E-A947-70E740481C1C}">
-                <a14:useLocalDpi xmlns:a14="http://schemas.microsoft.com/office/drawing/2010/main" val="0"/>
+                <a14:useLocalDpi xmlns:a14="http://schemas.microsoft.com/office/drawing/2010/main" xmlns="" val="0"/>
               </a:ext>
             </a:extLst>
           </a:blip>
@@ -17306,14 +17306,14 @@
           <a:effectLst/>
           <a:extLst>
             <a:ext uri="{909E8E84-426E-40DD-AFC4-6F175D3DCCD1}">
-              <a14:hiddenFill xmlns:a14="http://schemas.microsoft.com/office/drawing/2010/main">
+              <a14:hiddenFill xmlns:a14="http://schemas.microsoft.com/office/drawing/2010/main" xmlns="">
                 <a:solidFill>
                   <a:schemeClr val="accent1"/>
                 </a:solidFill>
               </a14:hiddenFill>
             </a:ext>
             <a:ext uri="{91240B29-F687-4F45-9708-019B960494DF}">
-              <a14:hiddenLine xmlns:a14="http://schemas.microsoft.com/office/drawing/2010/main" w="9525">
+              <a14:hiddenLine xmlns:a14="http://schemas.microsoft.com/office/drawing/2010/main" xmlns="" w="9525">
                 <a:solidFill>
                   <a:schemeClr val="tx1"/>
                 </a:solidFill>
@@ -17323,7 +17323,7 @@
               </a14:hiddenLine>
             </a:ext>
             <a:ext uri="{AF507438-7753-43E0-B8FC-AC1667EBCBE1}">
-              <a14:hiddenEffects xmlns:a14="http://schemas.microsoft.com/office/drawing/2010/main">
+              <a14:hiddenEffects xmlns:a14="http://schemas.microsoft.com/office/drawing/2010/main" xmlns="">
                 <a:effectLst>
                   <a:outerShdw dist="35921" dir="2700000" algn="ctr" rotWithShape="0">
                     <a:schemeClr val="bg2"/>
@@ -17386,10 +17386,10 @@
           <p:nvPr/>
         </p:nvPicPr>
         <p:blipFill>
-          <a:blip r:embed="rId3">
+          <a:blip r:embed="rId3" cstate="print">
             <a:extLst>
               <a:ext uri="{28A0092B-C50C-407E-A947-70E740481C1C}">
-                <a14:useLocalDpi xmlns:a14="http://schemas.microsoft.com/office/drawing/2010/main" val="0"/>
+                <a14:useLocalDpi xmlns:a14="http://schemas.microsoft.com/office/drawing/2010/main" xmlns="" val="0"/>
               </a:ext>
             </a:extLst>
           </a:blip>
@@ -17413,14 +17413,14 @@
           <a:effectLst/>
           <a:extLst>
             <a:ext uri="{909E8E84-426E-40DD-AFC4-6F175D3DCCD1}">
-              <a14:hiddenFill xmlns:a14="http://schemas.microsoft.com/office/drawing/2010/main">
+              <a14:hiddenFill xmlns:a14="http://schemas.microsoft.com/office/drawing/2010/main" xmlns="">
                 <a:solidFill>
                   <a:schemeClr val="accent1"/>
                 </a:solidFill>
               </a14:hiddenFill>
             </a:ext>
             <a:ext uri="{91240B29-F687-4F45-9708-019B960494DF}">
-              <a14:hiddenLine xmlns:a14="http://schemas.microsoft.com/office/drawing/2010/main" w="9525">
+              <a14:hiddenLine xmlns:a14="http://schemas.microsoft.com/office/drawing/2010/main" xmlns="" w="9525">
                 <a:solidFill>
                   <a:schemeClr val="tx1"/>
                 </a:solidFill>
@@ -17430,7 +17430,7 @@
               </a14:hiddenLine>
             </a:ext>
             <a:ext uri="{AF507438-7753-43E0-B8FC-AC1667EBCBE1}">
-              <a14:hiddenEffects xmlns:a14="http://schemas.microsoft.com/office/drawing/2010/main">
+              <a14:hiddenEffects xmlns:a14="http://schemas.microsoft.com/office/drawing/2010/main" xmlns="">
                 <a:effectLst>
                   <a:outerShdw dist="35921" dir="2700000" algn="ctr" rotWithShape="0">
                     <a:schemeClr val="bg2"/>
@@ -17470,7 +17470,7 @@
           <a:effectLst/>
           <a:extLst>
             <a:ext uri="{AF507438-7753-43E0-B8FC-AC1667EBCBE1}">
-              <a14:hiddenEffects xmlns:a14="http://schemas.microsoft.com/office/drawing/2010/main">
+              <a14:hiddenEffects xmlns:a14="http://schemas.microsoft.com/office/drawing/2010/main" xmlns="">
                 <a:effectLst>
                   <a:outerShdw dist="35921" dir="2700000" algn="ctr" rotWithShape="0">
                     <a:schemeClr val="bg2"/>
@@ -17547,7 +17547,7 @@
     </p:spTree>
     <p:extLst>
       <p:ext uri="{BB962C8B-B14F-4D97-AF65-F5344CB8AC3E}">
-        <p14:creationId xmlns:p14="http://schemas.microsoft.com/office/powerpoint/2010/main" val="3377013049"/>
+        <p14:creationId xmlns:p14="http://schemas.microsoft.com/office/powerpoint/2010/main" xmlns="" val="3377013049"/>
       </p:ext>
     </p:extLst>
   </p:cSld>
@@ -17819,7 +17819,7 @@
             <a:effectLst/>
             <a:extLst>
               <a:ext uri="{AF507438-7753-43E0-B8FC-AC1667EBCBE1}">
-                <a14:hiddenEffects xmlns:a14="http://schemas.microsoft.com/office/drawing/2010/main">
+                <a14:hiddenEffects xmlns:a14="http://schemas.microsoft.com/office/drawing/2010/main" xmlns="">
                   <a:effectLst>
                     <a:outerShdw dist="35921" dir="2700000" algn="ctr" rotWithShape="0">
                       <a:schemeClr val="bg2"/>
@@ -17859,7 +17859,7 @@
             <a:effectLst/>
             <a:extLst>
               <a:ext uri="{AF507438-7753-43E0-B8FC-AC1667EBCBE1}">
-                <a14:hiddenEffects xmlns:a14="http://schemas.microsoft.com/office/drawing/2010/main">
+                <a14:hiddenEffects xmlns:a14="http://schemas.microsoft.com/office/drawing/2010/main" xmlns="">
                   <a:effectLst>
                     <a:outerShdw dist="35921" dir="2700000" algn="ctr" rotWithShape="0">
                       <a:schemeClr val="bg2"/>
@@ -17899,7 +17899,7 @@
             <a:effectLst/>
             <a:extLst>
               <a:ext uri="{AF507438-7753-43E0-B8FC-AC1667EBCBE1}">
-                <a14:hiddenEffects xmlns:a14="http://schemas.microsoft.com/office/drawing/2010/main">
+                <a14:hiddenEffects xmlns:a14="http://schemas.microsoft.com/office/drawing/2010/main" xmlns="">
                   <a:effectLst>
                     <a:outerShdw dist="35921" dir="2700000" algn="ctr" rotWithShape="0">
                       <a:schemeClr val="bg2"/>
@@ -17942,7 +17942,7 @@
             <a:effectLst/>
             <a:extLst>
               <a:ext uri="{AF507438-7753-43E0-B8FC-AC1667EBCBE1}">
-                <a14:hiddenEffects xmlns:a14="http://schemas.microsoft.com/office/drawing/2010/main">
+                <a14:hiddenEffects xmlns:a14="http://schemas.microsoft.com/office/drawing/2010/main" xmlns="">
                   <a:effectLst>
                     <a:outerShdw dist="35921" dir="2700000" algn="ctr" rotWithShape="0">
                       <a:schemeClr val="bg2"/>
@@ -18533,10 +18533,10 @@
           <p:nvPr/>
         </p:nvPicPr>
         <p:blipFill>
-          <a:blip r:embed="rId3">
+          <a:blip r:embed="rId3" cstate="print">
             <a:extLst>
               <a:ext uri="{28A0092B-C50C-407E-A947-70E740481C1C}">
-                <a14:useLocalDpi xmlns:a14="http://schemas.microsoft.com/office/drawing/2010/main" val="0"/>
+                <a14:useLocalDpi xmlns:a14="http://schemas.microsoft.com/office/drawing/2010/main" xmlns="" val="0"/>
               </a:ext>
             </a:extLst>
           </a:blip>
@@ -18560,14 +18560,14 @@
           <a:effectLst/>
           <a:extLst>
             <a:ext uri="{909E8E84-426E-40DD-AFC4-6F175D3DCCD1}">
-              <a14:hiddenFill xmlns:a14="http://schemas.microsoft.com/office/drawing/2010/main">
+              <a14:hiddenFill xmlns:a14="http://schemas.microsoft.com/office/drawing/2010/main" xmlns="">
                 <a:solidFill>
                   <a:schemeClr val="accent1"/>
                 </a:solidFill>
               </a14:hiddenFill>
             </a:ext>
             <a:ext uri="{91240B29-F687-4F45-9708-019B960494DF}">
-              <a14:hiddenLine xmlns:a14="http://schemas.microsoft.com/office/drawing/2010/main" w="9525">
+              <a14:hiddenLine xmlns:a14="http://schemas.microsoft.com/office/drawing/2010/main" xmlns="" w="9525">
                 <a:solidFill>
                   <a:schemeClr val="tx1"/>
                 </a:solidFill>
@@ -18577,7 +18577,7 @@
               </a14:hiddenLine>
             </a:ext>
             <a:ext uri="{AF507438-7753-43E0-B8FC-AC1667EBCBE1}">
-              <a14:hiddenEffects xmlns:a14="http://schemas.microsoft.com/office/drawing/2010/main">
+              <a14:hiddenEffects xmlns:a14="http://schemas.microsoft.com/office/drawing/2010/main" xmlns="">
                 <a:effectLst>
                   <a:outerShdw dist="35921" dir="2700000" algn="ctr" rotWithShape="0">
                     <a:schemeClr val="bg2"/>
@@ -19035,7 +19035,7 @@
     </p:spTree>
     <p:extLst>
       <p:ext uri="{BB962C8B-B14F-4D97-AF65-F5344CB8AC3E}">
-        <p14:creationId xmlns:p14="http://schemas.microsoft.com/office/powerpoint/2010/main" val="904620072"/>
+        <p14:creationId xmlns:p14="http://schemas.microsoft.com/office/powerpoint/2010/main" xmlns="" val="904620072"/>
       </p:ext>
     </p:extLst>
   </p:cSld>
@@ -19081,10 +19081,10 @@
           <p:nvPr/>
         </p:nvPicPr>
         <p:blipFill>
-          <a:blip r:embed="rId3">
+          <a:blip r:embed="rId3" cstate="print">
             <a:extLst>
               <a:ext uri="{28A0092B-C50C-407E-A947-70E740481C1C}">
-                <a14:useLocalDpi xmlns:a14="http://schemas.microsoft.com/office/drawing/2010/main" val="0"/>
+                <a14:useLocalDpi xmlns:a14="http://schemas.microsoft.com/office/drawing/2010/main" xmlns="" val="0"/>
               </a:ext>
             </a:extLst>
           </a:blip>
@@ -19108,14 +19108,14 @@
           <a:effectLst/>
           <a:extLst>
             <a:ext uri="{909E8E84-426E-40DD-AFC4-6F175D3DCCD1}">
-              <a14:hiddenFill xmlns:a14="http://schemas.microsoft.com/office/drawing/2010/main">
+              <a14:hiddenFill xmlns:a14="http://schemas.microsoft.com/office/drawing/2010/main" xmlns="">
                 <a:solidFill>
                   <a:schemeClr val="accent1"/>
                 </a:solidFill>
               </a14:hiddenFill>
             </a:ext>
             <a:ext uri="{91240B29-F687-4F45-9708-019B960494DF}">
-              <a14:hiddenLine xmlns:a14="http://schemas.microsoft.com/office/drawing/2010/main" w="9525">
+              <a14:hiddenLine xmlns:a14="http://schemas.microsoft.com/office/drawing/2010/main" xmlns="" w="9525">
                 <a:solidFill>
                   <a:schemeClr val="tx1"/>
                 </a:solidFill>
@@ -19125,7 +19125,7 @@
               </a14:hiddenLine>
             </a:ext>
             <a:ext uri="{AF507438-7753-43E0-B8FC-AC1667EBCBE1}">
-              <a14:hiddenEffects xmlns:a14="http://schemas.microsoft.com/office/drawing/2010/main">
+              <a14:hiddenEffects xmlns:a14="http://schemas.microsoft.com/office/drawing/2010/main" xmlns="">
                 <a:effectLst>
                   <a:outerShdw dist="35921" dir="2700000" algn="ctr" rotWithShape="0">
                     <a:schemeClr val="bg2"/>
@@ -19545,10 +19545,184 @@
           </a:p>
         </p:txBody>
       </p:sp>
+      <p:sp>
+        <p:nvSpPr>
+          <p:cNvPr id="10" name="타원 9"/>
+          <p:cNvSpPr/>
+          <p:nvPr/>
+        </p:nvSpPr>
+        <p:spPr bwMode="auto">
+          <a:xfrm>
+            <a:off x="4857752" y="4572008"/>
+            <a:ext cx="2786082" cy="2071702"/>
+          </a:xfrm>
+          <a:prstGeom prst="ellipse">
+            <a:avLst/>
+          </a:prstGeom>
+          <a:solidFill>
+            <a:schemeClr val="accent1"/>
+          </a:solidFill>
+          <a:ln w="9525" cap="flat" cmpd="sng" algn="ctr">
+            <a:solidFill>
+              <a:schemeClr val="tx1"/>
+            </a:solidFill>
+            <a:prstDash val="solid"/>
+            <a:round/>
+            <a:headEnd type="none" w="med" len="med"/>
+            <a:tailEnd type="none" w="med" len="med"/>
+          </a:ln>
+          <a:effectLst/>
+          <a:extLst>
+            <a:ext uri="{AF507438-7753-43E0-B8FC-AC1667EBCBE1}">
+              <a14:hiddenEffects xmlns:a14="http://schemas.microsoft.com/office/drawing/2010/main" xmlns="">
+                <a:effectLst>
+                  <a:outerShdw dist="35921" dir="2700000" algn="ctr" rotWithShape="0">
+                    <a:schemeClr val="bg2"/>
+                  </a:outerShdw>
+                </a:effectLst>
+              </a14:hiddenEffects>
+            </a:ext>
+          </a:extLst>
+        </p:spPr>
+        <p:txBody>
+          <a:bodyPr vert="horz" wrap="none" lIns="91440" tIns="45720" rIns="91440" bIns="45720" numCol="1" rtlCol="0" anchor="ctr" anchorCtr="0" compatLnSpc="1">
+            <a:prstTxWarp prst="textNoShape">
+              <a:avLst/>
+            </a:prstTxWarp>
+          </a:bodyPr>
+          <a:lstStyle/>
+          <a:p>
+            <a:pPr marL="0" marR="0" indent="0" algn="l" defTabSz="914400" rtl="0" eaLnBrk="0" fontAlgn="base" latinLnBrk="0" hangingPunct="0">
+              <a:lnSpc>
+                <a:spcPct val="100000"/>
+              </a:lnSpc>
+              <a:spcBef>
+                <a:spcPct val="0"/>
+              </a:spcBef>
+              <a:spcAft>
+                <a:spcPct val="0"/>
+              </a:spcAft>
+              <a:buClrTx/>
+              <a:buSzTx/>
+              <a:buFontTx/>
+              <a:buNone/>
+              <a:tabLst/>
+            </a:pPr>
+            <a:r>
+              <a:rPr kumimoji="0" lang="ko-KR" altLang="en-US" sz="1800" b="0" i="0" u="none" strike="noStrike" cap="none" normalizeH="0" baseline="0" dirty="0" smtClean="0">
+                <a:ln>
+                  <a:noFill/>
+                </a:ln>
+                <a:solidFill>
+                  <a:schemeClr val="tx1"/>
+                </a:solidFill>
+                <a:effectLst/>
+                <a:latin typeface="Arial" charset="0"/>
+              </a:rPr>
+              <a:t>크롬</a:t>
+            </a:r>
+            <a:r>
+              <a:rPr kumimoji="0" lang="en-US" altLang="ko-KR" sz="1800" b="0" i="0" u="none" strike="noStrike" cap="none" normalizeH="0" baseline="0" dirty="0" smtClean="0">
+                <a:ln>
+                  <a:noFill/>
+                </a:ln>
+                <a:solidFill>
+                  <a:schemeClr val="tx1"/>
+                </a:solidFill>
+                <a:effectLst/>
+                <a:latin typeface="Arial" charset="0"/>
+              </a:rPr>
+              <a:t>, </a:t>
+            </a:r>
+            <a:r>
+              <a:rPr kumimoji="0" lang="ko-KR" altLang="en-US" sz="1800" b="0" i="0" u="none" strike="noStrike" cap="none" normalizeH="0" baseline="0" dirty="0" err="1" smtClean="0">
+                <a:ln>
+                  <a:noFill/>
+                </a:ln>
+                <a:solidFill>
+                  <a:schemeClr val="tx1"/>
+                </a:solidFill>
+                <a:effectLst/>
+                <a:latin typeface="Arial" charset="0"/>
+              </a:rPr>
+              <a:t>익스</a:t>
+            </a:r>
+            <a:r>
+              <a:rPr kumimoji="0" lang="en-US" altLang="ko-KR" sz="1800" b="0" i="0" u="none" strike="noStrike" cap="none" normalizeH="0" baseline="0" dirty="0" smtClean="0">
+                <a:ln>
+                  <a:noFill/>
+                </a:ln>
+                <a:solidFill>
+                  <a:schemeClr val="tx1"/>
+                </a:solidFill>
+                <a:effectLst/>
+                <a:latin typeface="Arial" charset="0"/>
+              </a:rPr>
+              <a:t>8</a:t>
+            </a:r>
+            <a:r>
+              <a:rPr lang="en-US" altLang="ko-KR" dirty="0" smtClean="0"/>
+              <a:t>, </a:t>
+            </a:r>
+            <a:r>
+              <a:rPr lang="ko-KR" altLang="en-US" dirty="0" err="1" smtClean="0"/>
+              <a:t>익스</a:t>
+            </a:r>
+            <a:r>
+              <a:rPr lang="en-US" altLang="ko-KR" dirty="0" smtClean="0"/>
+              <a:t>11</a:t>
+            </a:r>
+          </a:p>
+          <a:p>
+            <a:pPr marL="0" marR="0" indent="0" algn="l" defTabSz="914400" rtl="0" eaLnBrk="0" fontAlgn="base" latinLnBrk="0" hangingPunct="0">
+              <a:lnSpc>
+                <a:spcPct val="100000"/>
+              </a:lnSpc>
+              <a:spcBef>
+                <a:spcPct val="0"/>
+              </a:spcBef>
+              <a:spcAft>
+                <a:spcPct val="0"/>
+              </a:spcAft>
+              <a:buClrTx/>
+              <a:buSzTx/>
+              <a:buFontTx/>
+              <a:buNone/>
+              <a:tabLst/>
+            </a:pPr>
+            <a:r>
+              <a:rPr kumimoji="0" lang="ko-KR" altLang="en-US" sz="1800" b="0" i="0" u="none" strike="noStrike" cap="none" normalizeH="0" baseline="0" dirty="0" err="1" smtClean="0">
+                <a:ln>
+                  <a:noFill/>
+                </a:ln>
+                <a:solidFill>
+                  <a:schemeClr val="tx1"/>
+                </a:solidFill>
+                <a:effectLst/>
+                <a:latin typeface="Arial" charset="0"/>
+              </a:rPr>
+              <a:t>이상없음</a:t>
+            </a:r>
+            <a:r>
+              <a:rPr kumimoji="0" lang="en-US" altLang="ko-KR" sz="1800" b="0" i="0" u="none" strike="noStrike" cap="none" normalizeH="0" baseline="0" dirty="0" smtClean="0">
+                <a:ln>
+                  <a:noFill/>
+                </a:ln>
+                <a:solidFill>
+                  <a:schemeClr val="tx1"/>
+                </a:solidFill>
+                <a:effectLst/>
+                <a:latin typeface="Arial" charset="0"/>
+              </a:rPr>
+              <a:t>…</a:t>
+            </a:r>
+          </a:p>
+        </p:txBody>
+      </p:sp>
     </p:spTree>
     <p:extLst>
       <p:ext uri="{BB962C8B-B14F-4D97-AF65-F5344CB8AC3E}">
-        <p14:creationId xmlns:p14="http://schemas.microsoft.com/office/powerpoint/2010/main" val="1593118089"/>
+        <p14:creationId xmlns:p14="http://schemas.microsoft.com/office/powerpoint/2010/main" xmlns="" val="1593118089"/>
       </p:ext>
     </p:extLst>
   </p:cSld>
@@ -19811,7 +19985,7 @@
             <a:effectLst/>
             <a:extLst>
               <a:ext uri="{AF507438-7753-43E0-B8FC-AC1667EBCBE1}">
-                <a14:hiddenEffects xmlns:a14="http://schemas.microsoft.com/office/drawing/2010/main">
+                <a14:hiddenEffects xmlns:a14="http://schemas.microsoft.com/office/drawing/2010/main" xmlns="">
                   <a:effectLst>
                     <a:outerShdw dist="35921" dir="2700000" algn="ctr" rotWithShape="0">
                       <a:schemeClr val="bg2"/>
@@ -19851,7 +20025,7 @@
             <a:effectLst/>
             <a:extLst>
               <a:ext uri="{AF507438-7753-43E0-B8FC-AC1667EBCBE1}">
-                <a14:hiddenEffects xmlns:a14="http://schemas.microsoft.com/office/drawing/2010/main">
+                <a14:hiddenEffects xmlns:a14="http://schemas.microsoft.com/office/drawing/2010/main" xmlns="">
                   <a:effectLst>
                     <a:outerShdw dist="35921" dir="2700000" algn="ctr" rotWithShape="0">
                       <a:schemeClr val="bg2"/>
@@ -19891,7 +20065,7 @@
             <a:effectLst/>
             <a:extLst>
               <a:ext uri="{AF507438-7753-43E0-B8FC-AC1667EBCBE1}">
-                <a14:hiddenEffects xmlns:a14="http://schemas.microsoft.com/office/drawing/2010/main">
+                <a14:hiddenEffects xmlns:a14="http://schemas.microsoft.com/office/drawing/2010/main" xmlns="">
                   <a:effectLst>
                     <a:outerShdw dist="35921" dir="2700000" algn="ctr" rotWithShape="0">
                       <a:schemeClr val="bg2"/>
@@ -19934,7 +20108,7 @@
             <a:effectLst/>
             <a:extLst>
               <a:ext uri="{AF507438-7753-43E0-B8FC-AC1667EBCBE1}">
-                <a14:hiddenEffects xmlns:a14="http://schemas.microsoft.com/office/drawing/2010/main">
+                <a14:hiddenEffects xmlns:a14="http://schemas.microsoft.com/office/drawing/2010/main" xmlns="">
                   <a:effectLst>
                     <a:outerShdw dist="35921" dir="2700000" algn="ctr" rotWithShape="0">
                       <a:schemeClr val="bg2"/>
@@ -20579,10 +20753,10 @@
           <p:nvPr/>
         </p:nvPicPr>
         <p:blipFill>
-          <a:blip r:embed="rId4">
+          <a:blip r:embed="rId4" cstate="print">
             <a:extLst>
               <a:ext uri="{28A0092B-C50C-407E-A947-70E740481C1C}">
-                <a14:useLocalDpi xmlns:a14="http://schemas.microsoft.com/office/drawing/2010/main" val="0"/>
+                <a14:useLocalDpi xmlns:a14="http://schemas.microsoft.com/office/drawing/2010/main" xmlns="" val="0"/>
               </a:ext>
             </a:extLst>
           </a:blip>
@@ -20606,14 +20780,14 @@
           <a:effectLst/>
           <a:extLst>
             <a:ext uri="{909E8E84-426E-40DD-AFC4-6F175D3DCCD1}">
-              <a14:hiddenFill xmlns:a14="http://schemas.microsoft.com/office/drawing/2010/main">
+              <a14:hiddenFill xmlns:a14="http://schemas.microsoft.com/office/drawing/2010/main" xmlns="">
                 <a:solidFill>
                   <a:schemeClr val="accent1"/>
                 </a:solidFill>
               </a14:hiddenFill>
             </a:ext>
             <a:ext uri="{91240B29-F687-4F45-9708-019B960494DF}">
-              <a14:hiddenLine xmlns:a14="http://schemas.microsoft.com/office/drawing/2010/main" w="9525">
+              <a14:hiddenLine xmlns:a14="http://schemas.microsoft.com/office/drawing/2010/main" xmlns="" w="9525">
                 <a:solidFill>
                   <a:schemeClr val="tx1"/>
                 </a:solidFill>
@@ -20623,7 +20797,7 @@
               </a14:hiddenLine>
             </a:ext>
             <a:ext uri="{AF507438-7753-43E0-B8FC-AC1667EBCBE1}">
-              <a14:hiddenEffects xmlns:a14="http://schemas.microsoft.com/office/drawing/2010/main">
+              <a14:hiddenEffects xmlns:a14="http://schemas.microsoft.com/office/drawing/2010/main" xmlns="">
                 <a:effectLst>
                   <a:outerShdw dist="35921" dir="2700000" algn="ctr" rotWithShape="0">
                     <a:schemeClr val="bg2"/>
@@ -21010,7 +21184,7 @@
     </p:spTree>
     <p:extLst>
       <p:ext uri="{BB962C8B-B14F-4D97-AF65-F5344CB8AC3E}">
-        <p14:creationId xmlns:p14="http://schemas.microsoft.com/office/powerpoint/2010/main" val="2669528604"/>
+        <p14:creationId xmlns:p14="http://schemas.microsoft.com/office/powerpoint/2010/main" xmlns="" val="2669528604"/>
       </p:ext>
     </p:extLst>
   </p:cSld>
@@ -21056,10 +21230,10 @@
           <p:nvPr/>
         </p:nvPicPr>
         <p:blipFill>
-          <a:blip r:embed="rId2">
+          <a:blip r:embed="rId2" cstate="print">
             <a:extLst>
               <a:ext uri="{28A0092B-C50C-407E-A947-70E740481C1C}">
-                <a14:useLocalDpi xmlns:a14="http://schemas.microsoft.com/office/drawing/2010/main" val="0"/>
+                <a14:useLocalDpi xmlns:a14="http://schemas.microsoft.com/office/drawing/2010/main" xmlns="" val="0"/>
               </a:ext>
             </a:extLst>
           </a:blip>
@@ -21083,14 +21257,14 @@
           <a:effectLst/>
           <a:extLst>
             <a:ext uri="{909E8E84-426E-40DD-AFC4-6F175D3DCCD1}">
-              <a14:hiddenFill xmlns:a14="http://schemas.microsoft.com/office/drawing/2010/main">
+              <a14:hiddenFill xmlns:a14="http://schemas.microsoft.com/office/drawing/2010/main" xmlns="">
                 <a:solidFill>
                   <a:schemeClr val="accent1"/>
                 </a:solidFill>
               </a14:hiddenFill>
             </a:ext>
             <a:ext uri="{91240B29-F687-4F45-9708-019B960494DF}">
-              <a14:hiddenLine xmlns:a14="http://schemas.microsoft.com/office/drawing/2010/main" w="9525">
+              <a14:hiddenLine xmlns:a14="http://schemas.microsoft.com/office/drawing/2010/main" xmlns="" w="9525">
                 <a:solidFill>
                   <a:schemeClr val="tx1"/>
                 </a:solidFill>
@@ -21100,7 +21274,7 @@
               </a14:hiddenLine>
             </a:ext>
             <a:ext uri="{AF507438-7753-43E0-B8FC-AC1667EBCBE1}">
-              <a14:hiddenEffects xmlns:a14="http://schemas.microsoft.com/office/drawing/2010/main">
+              <a14:hiddenEffects xmlns:a14="http://schemas.microsoft.com/office/drawing/2010/main" xmlns="">
                 <a:effectLst>
                   <a:outerShdw dist="35921" dir="2700000" algn="ctr" rotWithShape="0">
                     <a:schemeClr val="bg2"/>
@@ -21426,7 +21600,7 @@
     </p:spTree>
     <p:extLst>
       <p:ext uri="{BB962C8B-B14F-4D97-AF65-F5344CB8AC3E}">
-        <p14:creationId xmlns:p14="http://schemas.microsoft.com/office/powerpoint/2010/main" val="4212739828"/>
+        <p14:creationId xmlns:p14="http://schemas.microsoft.com/office/powerpoint/2010/main" xmlns="" val="4212739828"/>
       </p:ext>
     </p:extLst>
   </p:cSld>
@@ -21717,10 +21891,10 @@
           <p:nvPr/>
         </p:nvPicPr>
         <p:blipFill>
-          <a:blip r:embed="rId3">
+          <a:blip r:embed="rId3" cstate="print">
             <a:extLst>
               <a:ext uri="{28A0092B-C50C-407E-A947-70E740481C1C}">
-                <a14:useLocalDpi xmlns:a14="http://schemas.microsoft.com/office/drawing/2010/main" val="0"/>
+                <a14:useLocalDpi xmlns:a14="http://schemas.microsoft.com/office/drawing/2010/main" xmlns="" val="0"/>
               </a:ext>
             </a:extLst>
           </a:blip>
@@ -21744,14 +21918,14 @@
           <a:effectLst/>
           <a:extLst>
             <a:ext uri="{909E8E84-426E-40DD-AFC4-6F175D3DCCD1}">
-              <a14:hiddenFill xmlns:a14="http://schemas.microsoft.com/office/drawing/2010/main">
+              <a14:hiddenFill xmlns:a14="http://schemas.microsoft.com/office/drawing/2010/main" xmlns="">
                 <a:solidFill>
                   <a:schemeClr val="accent1"/>
                 </a:solidFill>
               </a14:hiddenFill>
             </a:ext>
             <a:ext uri="{91240B29-F687-4F45-9708-019B960494DF}">
-              <a14:hiddenLine xmlns:a14="http://schemas.microsoft.com/office/drawing/2010/main" w="9525">
+              <a14:hiddenLine xmlns:a14="http://schemas.microsoft.com/office/drawing/2010/main" xmlns="" w="9525">
                 <a:solidFill>
                   <a:schemeClr val="tx1"/>
                 </a:solidFill>
@@ -21761,7 +21935,7 @@
               </a14:hiddenLine>
             </a:ext>
             <a:ext uri="{AF507438-7753-43E0-B8FC-AC1667EBCBE1}">
-              <a14:hiddenEffects xmlns:a14="http://schemas.microsoft.com/office/drawing/2010/main">
+              <a14:hiddenEffects xmlns:a14="http://schemas.microsoft.com/office/drawing/2010/main" xmlns="">
                 <a:effectLst>
                   <a:outerShdw dist="35921" dir="2700000" algn="ctr" rotWithShape="0">
                     <a:schemeClr val="bg2"/>
@@ -21912,7 +22086,7 @@
     </p:spTree>
     <p:extLst>
       <p:ext uri="{BB962C8B-B14F-4D97-AF65-F5344CB8AC3E}">
-        <p14:creationId xmlns:p14="http://schemas.microsoft.com/office/powerpoint/2010/main" val="1586258510"/>
+        <p14:creationId xmlns:p14="http://schemas.microsoft.com/office/powerpoint/2010/main" xmlns="" val="1586258510"/>
       </p:ext>
     </p:extLst>
   </p:cSld>
@@ -22175,7 +22349,7 @@
             <a:effectLst/>
             <a:extLst>
               <a:ext uri="{AF507438-7753-43E0-B8FC-AC1667EBCBE1}">
-                <a14:hiddenEffects xmlns:a14="http://schemas.microsoft.com/office/drawing/2010/main">
+                <a14:hiddenEffects xmlns:a14="http://schemas.microsoft.com/office/drawing/2010/main" xmlns="">
                   <a:effectLst>
                     <a:outerShdw dist="35921" dir="2700000" algn="ctr" rotWithShape="0">
                       <a:schemeClr val="bg2"/>
@@ -22215,7 +22389,7 @@
             <a:effectLst/>
             <a:extLst>
               <a:ext uri="{AF507438-7753-43E0-B8FC-AC1667EBCBE1}">
-                <a14:hiddenEffects xmlns:a14="http://schemas.microsoft.com/office/drawing/2010/main">
+                <a14:hiddenEffects xmlns:a14="http://schemas.microsoft.com/office/drawing/2010/main" xmlns="">
                   <a:effectLst>
                     <a:outerShdw dist="35921" dir="2700000" algn="ctr" rotWithShape="0">
                       <a:schemeClr val="bg2"/>
@@ -22255,7 +22429,7 @@
             <a:effectLst/>
             <a:extLst>
               <a:ext uri="{AF507438-7753-43E0-B8FC-AC1667EBCBE1}">
-                <a14:hiddenEffects xmlns:a14="http://schemas.microsoft.com/office/drawing/2010/main">
+                <a14:hiddenEffects xmlns:a14="http://schemas.microsoft.com/office/drawing/2010/main" xmlns="">
                   <a:effectLst>
                     <a:outerShdw dist="35921" dir="2700000" algn="ctr" rotWithShape="0">
                       <a:schemeClr val="bg2"/>
@@ -22298,7 +22472,7 @@
             <a:effectLst/>
             <a:extLst>
               <a:ext uri="{AF507438-7753-43E0-B8FC-AC1667EBCBE1}">
-                <a14:hiddenEffects xmlns:a14="http://schemas.microsoft.com/office/drawing/2010/main">
+                <a14:hiddenEffects xmlns:a14="http://schemas.microsoft.com/office/drawing/2010/main" xmlns="">
                   <a:effectLst>
                     <a:outerShdw dist="35921" dir="2700000" algn="ctr" rotWithShape="0">
                       <a:schemeClr val="bg2"/>
@@ -22349,7 +22523,7 @@
     </p:spTree>
     <p:extLst>
       <p:ext uri="{BB962C8B-B14F-4D97-AF65-F5344CB8AC3E}">
-        <p14:creationId xmlns:p14="http://schemas.microsoft.com/office/powerpoint/2010/main" val="15774180"/>
+        <p14:creationId xmlns:p14="http://schemas.microsoft.com/office/powerpoint/2010/main" xmlns="" val="15774180"/>
       </p:ext>
     </p:extLst>
   </p:cSld>
@@ -22614,7 +22788,7 @@
             <a:effectLst/>
             <a:extLst>
               <a:ext uri="{AF507438-7753-43E0-B8FC-AC1667EBCBE1}">
-                <a14:hiddenEffects xmlns:a14="http://schemas.microsoft.com/office/drawing/2010/main">
+                <a14:hiddenEffects xmlns:a14="http://schemas.microsoft.com/office/drawing/2010/main" xmlns="">
                   <a:effectLst>
                     <a:outerShdw dist="35921" dir="2700000" algn="ctr" rotWithShape="0">
                       <a:schemeClr val="bg2"/>
@@ -22654,7 +22828,7 @@
             <a:effectLst/>
             <a:extLst>
               <a:ext uri="{AF507438-7753-43E0-B8FC-AC1667EBCBE1}">
-                <a14:hiddenEffects xmlns:a14="http://schemas.microsoft.com/office/drawing/2010/main">
+                <a14:hiddenEffects xmlns:a14="http://schemas.microsoft.com/office/drawing/2010/main" xmlns="">
                   <a:effectLst>
                     <a:outerShdw dist="35921" dir="2700000" algn="ctr" rotWithShape="0">
                       <a:schemeClr val="bg2"/>
@@ -22694,7 +22868,7 @@
             <a:effectLst/>
             <a:extLst>
               <a:ext uri="{AF507438-7753-43E0-B8FC-AC1667EBCBE1}">
-                <a14:hiddenEffects xmlns:a14="http://schemas.microsoft.com/office/drawing/2010/main">
+                <a14:hiddenEffects xmlns:a14="http://schemas.microsoft.com/office/drawing/2010/main" xmlns="">
                   <a:effectLst>
                     <a:outerShdw dist="35921" dir="2700000" algn="ctr" rotWithShape="0">
                       <a:schemeClr val="bg2"/>
@@ -22737,7 +22911,7 @@
             <a:effectLst/>
             <a:extLst>
               <a:ext uri="{AF507438-7753-43E0-B8FC-AC1667EBCBE1}">
-                <a14:hiddenEffects xmlns:a14="http://schemas.microsoft.com/office/drawing/2010/main">
+                <a14:hiddenEffects xmlns:a14="http://schemas.microsoft.com/office/drawing/2010/main" xmlns="">
                   <a:effectLst>
                     <a:outerShdw dist="35921" dir="2700000" algn="ctr" rotWithShape="0">
                       <a:schemeClr val="bg2"/>
@@ -23106,10 +23280,10 @@
           <p:nvPr/>
         </p:nvPicPr>
         <p:blipFill>
-          <a:blip r:embed="rId4">
+          <a:blip r:embed="rId4" cstate="print">
             <a:extLst>
               <a:ext uri="{28A0092B-C50C-407E-A947-70E740481C1C}">
-                <a14:useLocalDpi xmlns:a14="http://schemas.microsoft.com/office/drawing/2010/main" val="0"/>
+                <a14:useLocalDpi xmlns:a14="http://schemas.microsoft.com/office/drawing/2010/main" xmlns="" val="0"/>
               </a:ext>
             </a:extLst>
           </a:blip>
@@ -23133,14 +23307,14 @@
           <a:effectLst/>
           <a:extLst>
             <a:ext uri="{909E8E84-426E-40DD-AFC4-6F175D3DCCD1}">
-              <a14:hiddenFill xmlns:a14="http://schemas.microsoft.com/office/drawing/2010/main">
+              <a14:hiddenFill xmlns:a14="http://schemas.microsoft.com/office/drawing/2010/main" xmlns="">
                 <a:solidFill>
                   <a:schemeClr val="accent1"/>
                 </a:solidFill>
               </a14:hiddenFill>
             </a:ext>
             <a:ext uri="{91240B29-F687-4F45-9708-019B960494DF}">
-              <a14:hiddenLine xmlns:a14="http://schemas.microsoft.com/office/drawing/2010/main" w="9525">
+              <a14:hiddenLine xmlns:a14="http://schemas.microsoft.com/office/drawing/2010/main" xmlns="" w="9525">
                 <a:solidFill>
                   <a:schemeClr val="tx1"/>
                 </a:solidFill>
@@ -23150,7 +23324,7 @@
               </a14:hiddenLine>
             </a:ext>
             <a:ext uri="{AF507438-7753-43E0-B8FC-AC1667EBCBE1}">
-              <a14:hiddenEffects xmlns:a14="http://schemas.microsoft.com/office/drawing/2010/main">
+              <a14:hiddenEffects xmlns:a14="http://schemas.microsoft.com/office/drawing/2010/main" xmlns="">
                 <a:effectLst>
                   <a:outerShdw dist="35921" dir="2700000" algn="ctr" rotWithShape="0">
                     <a:schemeClr val="bg2"/>
@@ -23405,7 +23579,7 @@
     </p:spTree>
     <p:extLst>
       <p:ext uri="{BB962C8B-B14F-4D97-AF65-F5344CB8AC3E}">
-        <p14:creationId xmlns:p14="http://schemas.microsoft.com/office/powerpoint/2010/main" val="733890083"/>
+        <p14:creationId xmlns:p14="http://schemas.microsoft.com/office/powerpoint/2010/main" xmlns="" val="733890083"/>
       </p:ext>
     </p:extLst>
   </p:cSld>
@@ -23451,10 +23625,10 @@
           <p:nvPr/>
         </p:nvPicPr>
         <p:blipFill>
-          <a:blip r:embed="rId2">
+          <a:blip r:embed="rId2" cstate="print">
             <a:extLst>
               <a:ext uri="{28A0092B-C50C-407E-A947-70E740481C1C}">
-                <a14:useLocalDpi xmlns:a14="http://schemas.microsoft.com/office/drawing/2010/main" val="0"/>
+                <a14:useLocalDpi xmlns:a14="http://schemas.microsoft.com/office/drawing/2010/main" xmlns="" val="0"/>
               </a:ext>
             </a:extLst>
           </a:blip>
@@ -23478,14 +23652,14 @@
           <a:effectLst/>
           <a:extLst>
             <a:ext uri="{909E8E84-426E-40DD-AFC4-6F175D3DCCD1}">
-              <a14:hiddenFill xmlns:a14="http://schemas.microsoft.com/office/drawing/2010/main">
+              <a14:hiddenFill xmlns:a14="http://schemas.microsoft.com/office/drawing/2010/main" xmlns="">
                 <a:solidFill>
                   <a:schemeClr val="accent1"/>
                 </a:solidFill>
               </a14:hiddenFill>
             </a:ext>
             <a:ext uri="{91240B29-F687-4F45-9708-019B960494DF}">
-              <a14:hiddenLine xmlns:a14="http://schemas.microsoft.com/office/drawing/2010/main" w="9525">
+              <a14:hiddenLine xmlns:a14="http://schemas.microsoft.com/office/drawing/2010/main" xmlns="" w="9525">
                 <a:solidFill>
                   <a:schemeClr val="tx1"/>
                 </a:solidFill>
@@ -23495,7 +23669,7 @@
               </a14:hiddenLine>
             </a:ext>
             <a:ext uri="{AF507438-7753-43E0-B8FC-AC1667EBCBE1}">
-              <a14:hiddenEffects xmlns:a14="http://schemas.microsoft.com/office/drawing/2010/main">
+              <a14:hiddenEffects xmlns:a14="http://schemas.microsoft.com/office/drawing/2010/main" xmlns="">
                 <a:effectLst>
                   <a:outerShdw dist="35921" dir="2700000" algn="ctr" rotWithShape="0">
                     <a:schemeClr val="bg2"/>
@@ -23835,7 +24009,7 @@
     </p:spTree>
     <p:extLst>
       <p:ext uri="{BB962C8B-B14F-4D97-AF65-F5344CB8AC3E}">
-        <p14:creationId xmlns:p14="http://schemas.microsoft.com/office/powerpoint/2010/main" val="812541137"/>
+        <p14:creationId xmlns:p14="http://schemas.microsoft.com/office/powerpoint/2010/main" xmlns="" val="812541137"/>
       </p:ext>
     </p:extLst>
   </p:cSld>
@@ -24098,7 +24272,7 @@
             <a:effectLst/>
             <a:extLst>
               <a:ext uri="{AF507438-7753-43E0-B8FC-AC1667EBCBE1}">
-                <a14:hiddenEffects xmlns:a14="http://schemas.microsoft.com/office/drawing/2010/main">
+                <a14:hiddenEffects xmlns:a14="http://schemas.microsoft.com/office/drawing/2010/main" xmlns="">
                   <a:effectLst>
                     <a:outerShdw dist="35921" dir="2700000" algn="ctr" rotWithShape="0">
                       <a:schemeClr val="bg2"/>
@@ -24138,7 +24312,7 @@
             <a:effectLst/>
             <a:extLst>
               <a:ext uri="{AF507438-7753-43E0-B8FC-AC1667EBCBE1}">
-                <a14:hiddenEffects xmlns:a14="http://schemas.microsoft.com/office/drawing/2010/main">
+                <a14:hiddenEffects xmlns:a14="http://schemas.microsoft.com/office/drawing/2010/main" xmlns="">
                   <a:effectLst>
                     <a:outerShdw dist="35921" dir="2700000" algn="ctr" rotWithShape="0">
                       <a:schemeClr val="bg2"/>
@@ -24178,7 +24352,7 @@
             <a:effectLst/>
             <a:extLst>
               <a:ext uri="{AF507438-7753-43E0-B8FC-AC1667EBCBE1}">
-                <a14:hiddenEffects xmlns:a14="http://schemas.microsoft.com/office/drawing/2010/main">
+                <a14:hiddenEffects xmlns:a14="http://schemas.microsoft.com/office/drawing/2010/main" xmlns="">
                   <a:effectLst>
                     <a:outerShdw dist="35921" dir="2700000" algn="ctr" rotWithShape="0">
                       <a:schemeClr val="bg2"/>
@@ -24221,7 +24395,7 @@
             <a:effectLst/>
             <a:extLst>
               <a:ext uri="{AF507438-7753-43E0-B8FC-AC1667EBCBE1}">
-                <a14:hiddenEffects xmlns:a14="http://schemas.microsoft.com/office/drawing/2010/main">
+                <a14:hiddenEffects xmlns:a14="http://schemas.microsoft.com/office/drawing/2010/main" xmlns="">
                   <a:effectLst>
                     <a:outerShdw dist="35921" dir="2700000" algn="ctr" rotWithShape="0">
                       <a:schemeClr val="bg2"/>
@@ -24847,10 +25021,10 @@
           <p:nvPr/>
         </p:nvPicPr>
         <p:blipFill>
-          <a:blip r:embed="rId4">
+          <a:blip r:embed="rId4" cstate="print">
             <a:extLst>
               <a:ext uri="{28A0092B-C50C-407E-A947-70E740481C1C}">
-                <a14:useLocalDpi xmlns:a14="http://schemas.microsoft.com/office/drawing/2010/main" val="0"/>
+                <a14:useLocalDpi xmlns:a14="http://schemas.microsoft.com/office/drawing/2010/main" xmlns="" val="0"/>
               </a:ext>
             </a:extLst>
           </a:blip>
@@ -24874,14 +25048,14 @@
           <a:effectLst/>
           <a:extLst>
             <a:ext uri="{909E8E84-426E-40DD-AFC4-6F175D3DCCD1}">
-              <a14:hiddenFill xmlns:a14="http://schemas.microsoft.com/office/drawing/2010/main">
+              <a14:hiddenFill xmlns:a14="http://schemas.microsoft.com/office/drawing/2010/main" xmlns="">
                 <a:solidFill>
                   <a:schemeClr val="accent1"/>
                 </a:solidFill>
               </a14:hiddenFill>
             </a:ext>
             <a:ext uri="{91240B29-F687-4F45-9708-019B960494DF}">
-              <a14:hiddenLine xmlns:a14="http://schemas.microsoft.com/office/drawing/2010/main" w="9525">
+              <a14:hiddenLine xmlns:a14="http://schemas.microsoft.com/office/drawing/2010/main" xmlns="" w="9525">
                 <a:solidFill>
                   <a:schemeClr val="tx1"/>
                 </a:solidFill>
@@ -24891,7 +25065,7 @@
               </a14:hiddenLine>
             </a:ext>
             <a:ext uri="{AF507438-7753-43E0-B8FC-AC1667EBCBE1}">
-              <a14:hiddenEffects xmlns:a14="http://schemas.microsoft.com/office/drawing/2010/main">
+              <a14:hiddenEffects xmlns:a14="http://schemas.microsoft.com/office/drawing/2010/main" xmlns="">
                 <a:effectLst>
                   <a:outerShdw dist="35921" dir="2700000" algn="ctr" rotWithShape="0">
                     <a:schemeClr val="bg2"/>
@@ -25039,10 +25213,10 @@
           <p:nvPr/>
         </p:nvPicPr>
         <p:blipFill>
-          <a:blip r:embed="rId5">
+          <a:blip r:embed="rId5" cstate="print">
             <a:extLst>
               <a:ext uri="{28A0092B-C50C-407E-A947-70E740481C1C}">
-                <a14:useLocalDpi xmlns:a14="http://schemas.microsoft.com/office/drawing/2010/main" val="0"/>
+                <a14:useLocalDpi xmlns:a14="http://schemas.microsoft.com/office/drawing/2010/main" xmlns="" val="0"/>
               </a:ext>
             </a:extLst>
           </a:blip>
@@ -25066,14 +25240,14 @@
           <a:effectLst/>
           <a:extLst>
             <a:ext uri="{909E8E84-426E-40DD-AFC4-6F175D3DCCD1}">
-              <a14:hiddenFill xmlns:a14="http://schemas.microsoft.com/office/drawing/2010/main">
+              <a14:hiddenFill xmlns:a14="http://schemas.microsoft.com/office/drawing/2010/main" xmlns="">
                 <a:solidFill>
                   <a:schemeClr val="accent1"/>
                 </a:solidFill>
               </a14:hiddenFill>
             </a:ext>
             <a:ext uri="{91240B29-F687-4F45-9708-019B960494DF}">
-              <a14:hiddenLine xmlns:a14="http://schemas.microsoft.com/office/drawing/2010/main" w="9525">
+              <a14:hiddenLine xmlns:a14="http://schemas.microsoft.com/office/drawing/2010/main" xmlns="" w="9525">
                 <a:solidFill>
                   <a:schemeClr val="tx1"/>
                 </a:solidFill>
@@ -25083,7 +25257,7 @@
               </a14:hiddenLine>
             </a:ext>
             <a:ext uri="{AF507438-7753-43E0-B8FC-AC1667EBCBE1}">
-              <a14:hiddenEffects xmlns:a14="http://schemas.microsoft.com/office/drawing/2010/main">
+              <a14:hiddenEffects xmlns:a14="http://schemas.microsoft.com/office/drawing/2010/main" xmlns="">
                 <a:effectLst>
                   <a:outerShdw dist="35921" dir="2700000" algn="ctr" rotWithShape="0">
                     <a:schemeClr val="bg2"/>
@@ -25125,7 +25299,7 @@
           <a:effectLst/>
           <a:extLst>
             <a:ext uri="{AF507438-7753-43E0-B8FC-AC1667EBCBE1}">
-              <a14:hiddenEffects xmlns:a14="http://schemas.microsoft.com/office/drawing/2010/main">
+              <a14:hiddenEffects xmlns:a14="http://schemas.microsoft.com/office/drawing/2010/main" xmlns="">
                 <a:effectLst>
                   <a:outerShdw dist="35921" dir="2700000" algn="ctr" rotWithShape="0">
                     <a:schemeClr val="bg2"/>
@@ -25145,10 +25319,10 @@
           <p:nvPr/>
         </p:nvPicPr>
         <p:blipFill>
-          <a:blip r:embed="rId6">
+          <a:blip r:embed="rId6" cstate="print">
             <a:extLst>
               <a:ext uri="{28A0092B-C50C-407E-A947-70E740481C1C}">
-                <a14:useLocalDpi xmlns:a14="http://schemas.microsoft.com/office/drawing/2010/main" val="0"/>
+                <a14:useLocalDpi xmlns:a14="http://schemas.microsoft.com/office/drawing/2010/main" xmlns="" val="0"/>
               </a:ext>
             </a:extLst>
           </a:blip>
@@ -25172,14 +25346,14 @@
           <a:effectLst/>
           <a:extLst>
             <a:ext uri="{909E8E84-426E-40DD-AFC4-6F175D3DCCD1}">
-              <a14:hiddenFill xmlns:a14="http://schemas.microsoft.com/office/drawing/2010/main">
+              <a14:hiddenFill xmlns:a14="http://schemas.microsoft.com/office/drawing/2010/main" xmlns="">
                 <a:solidFill>
                   <a:schemeClr val="accent1"/>
                 </a:solidFill>
               </a14:hiddenFill>
             </a:ext>
             <a:ext uri="{91240B29-F687-4F45-9708-019B960494DF}">
-              <a14:hiddenLine xmlns:a14="http://schemas.microsoft.com/office/drawing/2010/main" w="9525">
+              <a14:hiddenLine xmlns:a14="http://schemas.microsoft.com/office/drawing/2010/main" xmlns="" w="9525">
                 <a:solidFill>
                   <a:schemeClr val="tx1"/>
                 </a:solidFill>
@@ -25189,7 +25363,7 @@
               </a14:hiddenLine>
             </a:ext>
             <a:ext uri="{AF507438-7753-43E0-B8FC-AC1667EBCBE1}">
-              <a14:hiddenEffects xmlns:a14="http://schemas.microsoft.com/office/drawing/2010/main">
+              <a14:hiddenEffects xmlns:a14="http://schemas.microsoft.com/office/drawing/2010/main" xmlns="">
                 <a:effectLst>
                   <a:outerShdw dist="35921" dir="2700000" algn="ctr" rotWithShape="0">
                     <a:schemeClr val="bg2"/>
@@ -25229,7 +25403,7 @@
           <a:effectLst/>
           <a:extLst>
             <a:ext uri="{AF507438-7753-43E0-B8FC-AC1667EBCBE1}">
-              <a14:hiddenEffects xmlns:a14="http://schemas.microsoft.com/office/drawing/2010/main">
+              <a14:hiddenEffects xmlns:a14="http://schemas.microsoft.com/office/drawing/2010/main" xmlns="">
                 <a:effectLst>
                   <a:outerShdw dist="35921" dir="2700000" algn="ctr" rotWithShape="0">
                     <a:schemeClr val="bg2"/>
@@ -25356,7 +25530,7 @@
     </p:spTree>
     <p:extLst>
       <p:ext uri="{BB962C8B-B14F-4D97-AF65-F5344CB8AC3E}">
-        <p14:creationId xmlns:p14="http://schemas.microsoft.com/office/powerpoint/2010/main" val="1291722843"/>
+        <p14:creationId xmlns:p14="http://schemas.microsoft.com/office/powerpoint/2010/main" xmlns="" val="1291722843"/>
       </p:ext>
     </p:extLst>
   </p:cSld>
@@ -25402,10 +25576,10 @@
           <p:nvPr/>
         </p:nvPicPr>
         <p:blipFill>
-          <a:blip r:embed="rId2">
+          <a:blip r:embed="rId2" cstate="print">
             <a:extLst>
               <a:ext uri="{28A0092B-C50C-407E-A947-70E740481C1C}">
-                <a14:useLocalDpi xmlns:a14="http://schemas.microsoft.com/office/drawing/2010/main" val="0"/>
+                <a14:useLocalDpi xmlns:a14="http://schemas.microsoft.com/office/drawing/2010/main" xmlns="" val="0"/>
               </a:ext>
             </a:extLst>
           </a:blip>
@@ -25429,14 +25603,14 @@
           <a:effectLst/>
           <a:extLst>
             <a:ext uri="{909E8E84-426E-40DD-AFC4-6F175D3DCCD1}">
-              <a14:hiddenFill xmlns:a14="http://schemas.microsoft.com/office/drawing/2010/main">
+              <a14:hiddenFill xmlns:a14="http://schemas.microsoft.com/office/drawing/2010/main" xmlns="">
                 <a:solidFill>
                   <a:schemeClr val="accent1"/>
                 </a:solidFill>
               </a14:hiddenFill>
             </a:ext>
             <a:ext uri="{91240B29-F687-4F45-9708-019B960494DF}">
-              <a14:hiddenLine xmlns:a14="http://schemas.microsoft.com/office/drawing/2010/main" w="9525">
+              <a14:hiddenLine xmlns:a14="http://schemas.microsoft.com/office/drawing/2010/main" xmlns="" w="9525">
                 <a:solidFill>
                   <a:schemeClr val="tx1"/>
                 </a:solidFill>
@@ -25446,7 +25620,7 @@
               </a14:hiddenLine>
             </a:ext>
             <a:ext uri="{AF507438-7753-43E0-B8FC-AC1667EBCBE1}">
-              <a14:hiddenEffects xmlns:a14="http://schemas.microsoft.com/office/drawing/2010/main">
+              <a14:hiddenEffects xmlns:a14="http://schemas.microsoft.com/office/drawing/2010/main" xmlns="">
                 <a:effectLst>
                   <a:outerShdw dist="35921" dir="2700000" algn="ctr" rotWithShape="0">
                     <a:schemeClr val="bg2"/>
@@ -25934,10 +26108,156 @@
           </a:p>
         </p:txBody>
       </p:sp>
+      <p:sp>
+        <p:nvSpPr>
+          <p:cNvPr id="10" name="직사각형 9"/>
+          <p:cNvSpPr/>
+          <p:nvPr/>
+        </p:nvSpPr>
+        <p:spPr bwMode="auto">
+          <a:xfrm>
+            <a:off x="5929322" y="1357298"/>
+            <a:ext cx="3214678" cy="1143008"/>
+          </a:xfrm>
+          <a:prstGeom prst="rect">
+            <a:avLst/>
+          </a:prstGeom>
+          <a:solidFill>
+            <a:schemeClr val="accent1"/>
+          </a:solidFill>
+          <a:ln w="9525" cap="flat" cmpd="sng" algn="ctr">
+            <a:solidFill>
+              <a:schemeClr val="tx1"/>
+            </a:solidFill>
+            <a:prstDash val="solid"/>
+            <a:round/>
+            <a:headEnd type="none" w="med" len="med"/>
+            <a:tailEnd type="none" w="med" len="med"/>
+          </a:ln>
+          <a:effectLst/>
+          <a:extLst>
+            <a:ext uri="{AF507438-7753-43E0-B8FC-AC1667EBCBE1}">
+              <a14:hiddenEffects xmlns:a14="http://schemas.microsoft.com/office/drawing/2010/main" xmlns="">
+                <a:effectLst>
+                  <a:outerShdw dist="35921" dir="2700000" algn="ctr" rotWithShape="0">
+                    <a:schemeClr val="bg2"/>
+                  </a:outerShdw>
+                </a:effectLst>
+              </a14:hiddenEffects>
+            </a:ext>
+          </a:extLst>
+        </p:spPr>
+        <p:txBody>
+          <a:bodyPr vert="horz" wrap="none" lIns="91440" tIns="45720" rIns="91440" bIns="45720" numCol="1" rtlCol="0" anchor="ctr" anchorCtr="0" compatLnSpc="1">
+            <a:prstTxWarp prst="textNoShape">
+              <a:avLst/>
+            </a:prstTxWarp>
+          </a:bodyPr>
+          <a:lstStyle/>
+          <a:p>
+            <a:pPr marL="0" marR="0" indent="0" algn="l" defTabSz="914400" rtl="0" eaLnBrk="0" fontAlgn="base" latinLnBrk="0" hangingPunct="0">
+              <a:lnSpc>
+                <a:spcPct val="100000"/>
+              </a:lnSpc>
+              <a:spcBef>
+                <a:spcPct val="0"/>
+              </a:spcBef>
+              <a:spcAft>
+                <a:spcPct val="0"/>
+              </a:spcAft>
+              <a:buClrTx/>
+              <a:buSzTx/>
+              <a:buFontTx/>
+              <a:buNone/>
+              <a:tabLst/>
+            </a:pPr>
+            <a:r>
+              <a:rPr kumimoji="0" lang="ko-KR" altLang="en-US" sz="1800" b="0" i="0" u="none" strike="noStrike" cap="none" normalizeH="0" baseline="0" dirty="0" err="1" smtClean="0">
+                <a:ln>
+                  <a:noFill/>
+                </a:ln>
+                <a:solidFill>
+                  <a:schemeClr val="tx1"/>
+                </a:solidFill>
+                <a:effectLst/>
+                <a:latin typeface="Arial" charset="0"/>
+              </a:rPr>
+              <a:t>라벨명</a:t>
+            </a:r>
+            <a:r>
+              <a:rPr kumimoji="0" lang="ko-KR" altLang="en-US" sz="1800" b="0" i="0" u="none" strike="noStrike" cap="none" normalizeH="0" baseline="0" dirty="0" smtClean="0">
+                <a:ln>
+                  <a:noFill/>
+                </a:ln>
+                <a:solidFill>
+                  <a:schemeClr val="tx1"/>
+                </a:solidFill>
+                <a:effectLst/>
+                <a:latin typeface="Arial" charset="0"/>
+              </a:rPr>
+              <a:t> 변경 완료</a:t>
+            </a:r>
+            <a:endParaRPr kumimoji="0" lang="en-US" altLang="ko-KR" sz="1800" b="0" i="0" u="none" strike="noStrike" cap="none" normalizeH="0" baseline="0" dirty="0" smtClean="0">
+              <a:ln>
+                <a:noFill/>
+              </a:ln>
+              <a:solidFill>
+                <a:schemeClr val="tx1"/>
+              </a:solidFill>
+              <a:effectLst/>
+              <a:latin typeface="Arial" charset="0"/>
+            </a:endParaRPr>
+          </a:p>
+          <a:p>
+            <a:pPr marL="0" marR="0" indent="0" algn="l" defTabSz="914400" rtl="0" eaLnBrk="0" fontAlgn="base" latinLnBrk="0" hangingPunct="0">
+              <a:lnSpc>
+                <a:spcPct val="100000"/>
+              </a:lnSpc>
+              <a:spcBef>
+                <a:spcPct val="0"/>
+              </a:spcBef>
+              <a:spcAft>
+                <a:spcPct val="0"/>
+              </a:spcAft>
+              <a:buClrTx/>
+              <a:buSzTx/>
+              <a:buFontTx/>
+              <a:buNone/>
+              <a:tabLst/>
+            </a:pPr>
+            <a:r>
+              <a:rPr lang="ko-KR" altLang="en-US" dirty="0" err="1" smtClean="0"/>
+              <a:t>팝업창</a:t>
+            </a:r>
+            <a:r>
+              <a:rPr lang="ko-KR" altLang="en-US" dirty="0" smtClean="0"/>
+              <a:t> 파일명 </a:t>
+            </a:r>
+            <a:r>
+              <a:rPr lang="en-US" altLang="ko-KR" dirty="0" smtClean="0"/>
+              <a:t>list</a:t>
+            </a:r>
+            <a:r>
+              <a:rPr lang="ko-KR" altLang="en-US" dirty="0" smtClean="0"/>
+              <a:t>에 올려놓음</a:t>
+            </a:r>
+            <a:endParaRPr kumimoji="0" lang="ko-KR" altLang="en-US" sz="1800" b="0" i="0" u="none" strike="noStrike" cap="none" normalizeH="0" baseline="0" dirty="0" smtClean="0">
+              <a:ln>
+                <a:noFill/>
+              </a:ln>
+              <a:solidFill>
+                <a:schemeClr val="tx1"/>
+              </a:solidFill>
+              <a:effectLst/>
+              <a:latin typeface="Arial" charset="0"/>
+            </a:endParaRPr>
+          </a:p>
+        </p:txBody>
+      </p:sp>
     </p:spTree>
     <p:extLst>
       <p:ext uri="{BB962C8B-B14F-4D97-AF65-F5344CB8AC3E}">
-        <p14:creationId xmlns:p14="http://schemas.microsoft.com/office/powerpoint/2010/main" val="3312357875"/>
+        <p14:creationId xmlns:p14="http://schemas.microsoft.com/office/powerpoint/2010/main" xmlns="" val="3312357875"/>
       </p:ext>
     </p:extLst>
   </p:cSld>
@@ -26200,7 +26520,7 @@
             <a:effectLst/>
             <a:extLst>
               <a:ext uri="{AF507438-7753-43E0-B8FC-AC1667EBCBE1}">
-                <a14:hiddenEffects xmlns:a14="http://schemas.microsoft.com/office/drawing/2010/main">
+                <a14:hiddenEffects xmlns:a14="http://schemas.microsoft.com/office/drawing/2010/main" xmlns="">
                   <a:effectLst>
                     <a:outerShdw dist="35921" dir="2700000" algn="ctr" rotWithShape="0">
                       <a:schemeClr val="bg2"/>
@@ -26240,7 +26560,7 @@
             <a:effectLst/>
             <a:extLst>
               <a:ext uri="{AF507438-7753-43E0-B8FC-AC1667EBCBE1}">
-                <a14:hiddenEffects xmlns:a14="http://schemas.microsoft.com/office/drawing/2010/main">
+                <a14:hiddenEffects xmlns:a14="http://schemas.microsoft.com/office/drawing/2010/main" xmlns="">
                   <a:effectLst>
                     <a:outerShdw dist="35921" dir="2700000" algn="ctr" rotWithShape="0">
                       <a:schemeClr val="bg2"/>
@@ -26280,7 +26600,7 @@
             <a:effectLst/>
             <a:extLst>
               <a:ext uri="{AF507438-7753-43E0-B8FC-AC1667EBCBE1}">
-                <a14:hiddenEffects xmlns:a14="http://schemas.microsoft.com/office/drawing/2010/main">
+                <a14:hiddenEffects xmlns:a14="http://schemas.microsoft.com/office/drawing/2010/main" xmlns="">
                   <a:effectLst>
                     <a:outerShdw dist="35921" dir="2700000" algn="ctr" rotWithShape="0">
                       <a:schemeClr val="bg2"/>
@@ -26323,7 +26643,7 @@
             <a:effectLst/>
             <a:extLst>
               <a:ext uri="{AF507438-7753-43E0-B8FC-AC1667EBCBE1}">
-                <a14:hiddenEffects xmlns:a14="http://schemas.microsoft.com/office/drawing/2010/main">
+                <a14:hiddenEffects xmlns:a14="http://schemas.microsoft.com/office/drawing/2010/main" xmlns="">
                   <a:effectLst>
                     <a:outerShdw dist="35921" dir="2700000" algn="ctr" rotWithShape="0">
                       <a:schemeClr val="bg2"/>
@@ -26858,10 +27178,10 @@
           <p:nvPr/>
         </p:nvPicPr>
         <p:blipFill>
-          <a:blip r:embed="rId4">
+          <a:blip r:embed="rId4" cstate="print">
             <a:extLst>
               <a:ext uri="{28A0092B-C50C-407E-A947-70E740481C1C}">
-                <a14:useLocalDpi xmlns:a14="http://schemas.microsoft.com/office/drawing/2010/main" val="0"/>
+                <a14:useLocalDpi xmlns:a14="http://schemas.microsoft.com/office/drawing/2010/main" xmlns="" val="0"/>
               </a:ext>
             </a:extLst>
           </a:blip>
@@ -26885,14 +27205,14 @@
           <a:effectLst/>
           <a:extLst>
             <a:ext uri="{909E8E84-426E-40DD-AFC4-6F175D3DCCD1}">
-              <a14:hiddenFill xmlns:a14="http://schemas.microsoft.com/office/drawing/2010/main">
+              <a14:hiddenFill xmlns:a14="http://schemas.microsoft.com/office/drawing/2010/main" xmlns="">
                 <a:solidFill>
                   <a:schemeClr val="accent1"/>
                 </a:solidFill>
               </a14:hiddenFill>
             </a:ext>
             <a:ext uri="{91240B29-F687-4F45-9708-019B960494DF}">
-              <a14:hiddenLine xmlns:a14="http://schemas.microsoft.com/office/drawing/2010/main" w="9525">
+              <a14:hiddenLine xmlns:a14="http://schemas.microsoft.com/office/drawing/2010/main" xmlns="" w="9525">
                 <a:solidFill>
                   <a:schemeClr val="tx1"/>
                 </a:solidFill>
@@ -26902,7 +27222,7 @@
               </a14:hiddenLine>
             </a:ext>
             <a:ext uri="{AF507438-7753-43E0-B8FC-AC1667EBCBE1}">
-              <a14:hiddenEffects xmlns:a14="http://schemas.microsoft.com/office/drawing/2010/main">
+              <a14:hiddenEffects xmlns:a14="http://schemas.microsoft.com/office/drawing/2010/main" xmlns="">
                 <a:effectLst>
                   <a:outerShdw dist="35921" dir="2700000" algn="ctr" rotWithShape="0">
                     <a:schemeClr val="bg2"/>
@@ -27267,7 +27587,7 @@
           <a:effectLst/>
           <a:extLst>
             <a:ext uri="{AF507438-7753-43E0-B8FC-AC1667EBCBE1}">
-              <a14:hiddenEffects xmlns:a14="http://schemas.microsoft.com/office/drawing/2010/main">
+              <a14:hiddenEffects xmlns:a14="http://schemas.microsoft.com/office/drawing/2010/main" xmlns="">
                 <a:effectLst>
                   <a:outerShdw dist="35921" dir="2700000" algn="ctr" rotWithShape="0">
                     <a:schemeClr val="bg2"/>
@@ -27394,7 +27714,7 @@
     </p:spTree>
     <p:extLst>
       <p:ext uri="{BB962C8B-B14F-4D97-AF65-F5344CB8AC3E}">
-        <p14:creationId xmlns:p14="http://schemas.microsoft.com/office/powerpoint/2010/main" val="3827280936"/>
+        <p14:creationId xmlns:p14="http://schemas.microsoft.com/office/powerpoint/2010/main" xmlns="" val="3827280936"/>
       </p:ext>
     </p:extLst>
   </p:cSld>
@@ -27666,7 +27986,7 @@
             <a:effectLst/>
             <a:extLst>
               <a:ext uri="{AF507438-7753-43E0-B8FC-AC1667EBCBE1}">
-                <a14:hiddenEffects xmlns:a14="http://schemas.microsoft.com/office/drawing/2010/main">
+                <a14:hiddenEffects xmlns:a14="http://schemas.microsoft.com/office/drawing/2010/main" xmlns="">
                   <a:effectLst>
                     <a:outerShdw dist="35921" dir="2700000" algn="ctr" rotWithShape="0">
                       <a:schemeClr val="bg2"/>
@@ -27706,7 +28026,7 @@
             <a:effectLst/>
             <a:extLst>
               <a:ext uri="{AF507438-7753-43E0-B8FC-AC1667EBCBE1}">
-                <a14:hiddenEffects xmlns:a14="http://schemas.microsoft.com/office/drawing/2010/main">
+                <a14:hiddenEffects xmlns:a14="http://schemas.microsoft.com/office/drawing/2010/main" xmlns="">
                   <a:effectLst>
                     <a:outerShdw dist="35921" dir="2700000" algn="ctr" rotWithShape="0">
                       <a:schemeClr val="bg2"/>
@@ -27746,7 +28066,7 @@
             <a:effectLst/>
             <a:extLst>
               <a:ext uri="{AF507438-7753-43E0-B8FC-AC1667EBCBE1}">
-                <a14:hiddenEffects xmlns:a14="http://schemas.microsoft.com/office/drawing/2010/main">
+                <a14:hiddenEffects xmlns:a14="http://schemas.microsoft.com/office/drawing/2010/main" xmlns="">
                   <a:effectLst>
                     <a:outerShdw dist="35921" dir="2700000" algn="ctr" rotWithShape="0">
                       <a:schemeClr val="bg2"/>
@@ -27789,7 +28109,7 @@
             <a:effectLst/>
             <a:extLst>
               <a:ext uri="{AF507438-7753-43E0-B8FC-AC1667EBCBE1}">
-                <a14:hiddenEffects xmlns:a14="http://schemas.microsoft.com/office/drawing/2010/main">
+                <a14:hiddenEffects xmlns:a14="http://schemas.microsoft.com/office/drawing/2010/main" xmlns="">
                   <a:effectLst>
                     <a:outerShdw dist="35921" dir="2700000" algn="ctr" rotWithShape="0">
                       <a:schemeClr val="bg2"/>
@@ -28433,10 +28753,10 @@
           <p:nvPr/>
         </p:nvPicPr>
         <p:blipFill>
-          <a:blip r:embed="rId4">
+          <a:blip r:embed="rId4" cstate="print">
             <a:extLst>
               <a:ext uri="{28A0092B-C50C-407E-A947-70E740481C1C}">
-                <a14:useLocalDpi xmlns:a14="http://schemas.microsoft.com/office/drawing/2010/main" val="0"/>
+                <a14:useLocalDpi xmlns:a14="http://schemas.microsoft.com/office/drawing/2010/main" xmlns="" val="0"/>
               </a:ext>
             </a:extLst>
           </a:blip>
@@ -28460,14 +28780,14 @@
           <a:effectLst/>
           <a:extLst>
             <a:ext uri="{909E8E84-426E-40DD-AFC4-6F175D3DCCD1}">
-              <a14:hiddenFill xmlns:a14="http://schemas.microsoft.com/office/drawing/2010/main">
+              <a14:hiddenFill xmlns:a14="http://schemas.microsoft.com/office/drawing/2010/main" xmlns="">
                 <a:solidFill>
                   <a:schemeClr val="accent1"/>
                 </a:solidFill>
               </a14:hiddenFill>
             </a:ext>
             <a:ext uri="{91240B29-F687-4F45-9708-019B960494DF}">
-              <a14:hiddenLine xmlns:a14="http://schemas.microsoft.com/office/drawing/2010/main" w="9525">
+              <a14:hiddenLine xmlns:a14="http://schemas.microsoft.com/office/drawing/2010/main" xmlns="" w="9525">
                 <a:solidFill>
                   <a:schemeClr val="tx1"/>
                 </a:solidFill>
@@ -28477,7 +28797,7 @@
               </a14:hiddenLine>
             </a:ext>
             <a:ext uri="{AF507438-7753-43E0-B8FC-AC1667EBCBE1}">
-              <a14:hiddenEffects xmlns:a14="http://schemas.microsoft.com/office/drawing/2010/main">
+              <a14:hiddenEffects xmlns:a14="http://schemas.microsoft.com/office/drawing/2010/main" xmlns="">
                 <a:effectLst>
                   <a:outerShdw dist="35921" dir="2700000" algn="ctr" rotWithShape="0">
                     <a:schemeClr val="bg2"/>
@@ -28561,10 +28881,10 @@
           <p:nvPr/>
         </p:nvPicPr>
         <p:blipFill>
-          <a:blip r:embed="rId5">
+          <a:blip r:embed="rId5" cstate="print">
             <a:extLst>
               <a:ext uri="{28A0092B-C50C-407E-A947-70E740481C1C}">
-                <a14:useLocalDpi xmlns:a14="http://schemas.microsoft.com/office/drawing/2010/main" val="0"/>
+                <a14:useLocalDpi xmlns:a14="http://schemas.microsoft.com/office/drawing/2010/main" xmlns="" val="0"/>
               </a:ext>
             </a:extLst>
           </a:blip>
@@ -28593,14 +28913,14 @@
           <a:effectLst/>
           <a:extLst>
             <a:ext uri="{909E8E84-426E-40DD-AFC4-6F175D3DCCD1}">
-              <a14:hiddenFill xmlns:a14="http://schemas.microsoft.com/office/drawing/2010/main">
+              <a14:hiddenFill xmlns:a14="http://schemas.microsoft.com/office/drawing/2010/main" xmlns="">
                 <a:solidFill>
                   <a:schemeClr val="accent1"/>
                 </a:solidFill>
               </a14:hiddenFill>
             </a:ext>
             <a:ext uri="{AF507438-7753-43E0-B8FC-AC1667EBCBE1}">
-              <a14:hiddenEffects xmlns:a14="http://schemas.microsoft.com/office/drawing/2010/main">
+              <a14:hiddenEffects xmlns:a14="http://schemas.microsoft.com/office/drawing/2010/main" xmlns="">
                 <a:effectLst>
                   <a:outerShdw dist="35921" dir="2700000" algn="ctr" rotWithShape="0">
                     <a:schemeClr val="bg2"/>
@@ -28620,10 +28940,10 @@
           <p:nvPr/>
         </p:nvPicPr>
         <p:blipFill>
-          <a:blip r:embed="rId6">
+          <a:blip r:embed="rId6" cstate="print">
             <a:extLst>
               <a:ext uri="{28A0092B-C50C-407E-A947-70E740481C1C}">
-                <a14:useLocalDpi xmlns:a14="http://schemas.microsoft.com/office/drawing/2010/main" val="0"/>
+                <a14:useLocalDpi xmlns:a14="http://schemas.microsoft.com/office/drawing/2010/main" xmlns="" val="0"/>
               </a:ext>
             </a:extLst>
           </a:blip>
@@ -28647,14 +28967,14 @@
           <a:effectLst/>
           <a:extLst>
             <a:ext uri="{909E8E84-426E-40DD-AFC4-6F175D3DCCD1}">
-              <a14:hiddenFill xmlns:a14="http://schemas.microsoft.com/office/drawing/2010/main">
+              <a14:hiddenFill xmlns:a14="http://schemas.microsoft.com/office/drawing/2010/main" xmlns="">
                 <a:solidFill>
                   <a:schemeClr val="accent1"/>
                 </a:solidFill>
               </a14:hiddenFill>
             </a:ext>
             <a:ext uri="{91240B29-F687-4F45-9708-019B960494DF}">
-              <a14:hiddenLine xmlns:a14="http://schemas.microsoft.com/office/drawing/2010/main" w="9525">
+              <a14:hiddenLine xmlns:a14="http://schemas.microsoft.com/office/drawing/2010/main" xmlns="" w="9525">
                 <a:solidFill>
                   <a:schemeClr val="tx1"/>
                 </a:solidFill>
@@ -28664,7 +28984,7 @@
               </a14:hiddenLine>
             </a:ext>
             <a:ext uri="{AF507438-7753-43E0-B8FC-AC1667EBCBE1}">
-              <a14:hiddenEffects xmlns:a14="http://schemas.microsoft.com/office/drawing/2010/main">
+              <a14:hiddenEffects xmlns:a14="http://schemas.microsoft.com/office/drawing/2010/main" xmlns="">
                 <a:effectLst>
                   <a:outerShdw dist="35921" dir="2700000" algn="ctr" rotWithShape="0">
                     <a:schemeClr val="bg2"/>
@@ -28768,7 +29088,7 @@
           <a:effectLst/>
           <a:extLst>
             <a:ext uri="{AF507438-7753-43E0-B8FC-AC1667EBCBE1}">
-              <a14:hiddenEffects xmlns:a14="http://schemas.microsoft.com/office/drawing/2010/main">
+              <a14:hiddenEffects xmlns:a14="http://schemas.microsoft.com/office/drawing/2010/main" xmlns="">
                 <a:effectLst>
                   <a:outerShdw dist="35921" dir="2700000" algn="ctr" rotWithShape="0">
                     <a:schemeClr val="bg2"/>
@@ -28808,7 +29128,7 @@
           <a:effectLst/>
           <a:extLst>
             <a:ext uri="{AF507438-7753-43E0-B8FC-AC1667EBCBE1}">
-              <a14:hiddenEffects xmlns:a14="http://schemas.microsoft.com/office/drawing/2010/main">
+              <a14:hiddenEffects xmlns:a14="http://schemas.microsoft.com/office/drawing/2010/main" xmlns="">
                 <a:effectLst>
                   <a:outerShdw dist="35921" dir="2700000" algn="ctr" rotWithShape="0">
                     <a:schemeClr val="bg2"/>
@@ -29031,7 +29351,7 @@
     </p:spTree>
     <p:extLst>
       <p:ext uri="{BB962C8B-B14F-4D97-AF65-F5344CB8AC3E}">
-        <p14:creationId xmlns:p14="http://schemas.microsoft.com/office/powerpoint/2010/main" val="1062796908"/>
+        <p14:creationId xmlns:p14="http://schemas.microsoft.com/office/powerpoint/2010/main" xmlns="" val="1062796908"/>
       </p:ext>
     </p:extLst>
   </p:cSld>
@@ -29077,10 +29397,10 @@
           <p:nvPr/>
         </p:nvPicPr>
         <p:blipFill>
-          <a:blip r:embed="rId3">
+          <a:blip r:embed="rId3" cstate="print">
             <a:extLst>
               <a:ext uri="{28A0092B-C50C-407E-A947-70E740481C1C}">
-                <a14:useLocalDpi xmlns:a14="http://schemas.microsoft.com/office/drawing/2010/main" val="0"/>
+                <a14:useLocalDpi xmlns:a14="http://schemas.microsoft.com/office/drawing/2010/main" xmlns="" val="0"/>
               </a:ext>
             </a:extLst>
           </a:blip>
@@ -29104,14 +29424,14 @@
           <a:effectLst/>
           <a:extLst>
             <a:ext uri="{909E8E84-426E-40DD-AFC4-6F175D3DCCD1}">
-              <a14:hiddenFill xmlns:a14="http://schemas.microsoft.com/office/drawing/2010/main">
+              <a14:hiddenFill xmlns:a14="http://schemas.microsoft.com/office/drawing/2010/main" xmlns="">
                 <a:solidFill>
                   <a:schemeClr val="accent1"/>
                 </a:solidFill>
               </a14:hiddenFill>
             </a:ext>
             <a:ext uri="{91240B29-F687-4F45-9708-019B960494DF}">
-              <a14:hiddenLine xmlns:a14="http://schemas.microsoft.com/office/drawing/2010/main" w="9525">
+              <a14:hiddenLine xmlns:a14="http://schemas.microsoft.com/office/drawing/2010/main" xmlns="" w="9525">
                 <a:solidFill>
                   <a:schemeClr val="tx1"/>
                 </a:solidFill>
@@ -29121,7 +29441,7 @@
               </a14:hiddenLine>
             </a:ext>
             <a:ext uri="{AF507438-7753-43E0-B8FC-AC1667EBCBE1}">
-              <a14:hiddenEffects xmlns:a14="http://schemas.microsoft.com/office/drawing/2010/main">
+              <a14:hiddenEffects xmlns:a14="http://schemas.microsoft.com/office/drawing/2010/main" xmlns="">
                 <a:effectLst>
                   <a:outerShdw dist="35921" dir="2700000" algn="ctr" rotWithShape="0">
                     <a:schemeClr val="bg2"/>
@@ -29511,10 +29831,161 @@
           </a:p>
         </p:txBody>
       </p:sp>
+      <p:sp>
+        <p:nvSpPr>
+          <p:cNvPr id="12" name="직사각형 11"/>
+          <p:cNvSpPr/>
+          <p:nvPr/>
+        </p:nvSpPr>
+        <p:spPr bwMode="auto">
+          <a:xfrm>
+            <a:off x="3643306" y="4929198"/>
+            <a:ext cx="3429024" cy="1285884"/>
+          </a:xfrm>
+          <a:prstGeom prst="rect">
+            <a:avLst/>
+          </a:prstGeom>
+          <a:solidFill>
+            <a:schemeClr val="accent1"/>
+          </a:solidFill>
+          <a:ln w="9525" cap="flat" cmpd="sng" algn="ctr">
+            <a:solidFill>
+              <a:schemeClr val="tx1"/>
+            </a:solidFill>
+            <a:prstDash val="solid"/>
+            <a:round/>
+            <a:headEnd type="none" w="med" len="med"/>
+            <a:tailEnd type="none" w="med" len="med"/>
+          </a:ln>
+          <a:effectLst/>
+          <a:extLst>
+            <a:ext uri="{AF507438-7753-43E0-B8FC-AC1667EBCBE1}">
+              <a14:hiddenEffects xmlns:a14="http://schemas.microsoft.com/office/drawing/2010/main" xmlns="">
+                <a:effectLst>
+                  <a:outerShdw dist="35921" dir="2700000" algn="ctr" rotWithShape="0">
+                    <a:schemeClr val="bg2"/>
+                  </a:outerShdw>
+                </a:effectLst>
+              </a14:hiddenEffects>
+            </a:ext>
+          </a:extLst>
+        </p:spPr>
+        <p:txBody>
+          <a:bodyPr vert="horz" wrap="none" lIns="91440" tIns="45720" rIns="91440" bIns="45720" numCol="1" rtlCol="0" anchor="ctr" anchorCtr="0" compatLnSpc="1">
+            <a:prstTxWarp prst="textNoShape">
+              <a:avLst/>
+            </a:prstTxWarp>
+          </a:bodyPr>
+          <a:lstStyle/>
+          <a:p>
+            <a:pPr marL="0" marR="0" indent="0" algn="l" defTabSz="914400" rtl="0" eaLnBrk="0" fontAlgn="base" latinLnBrk="0" hangingPunct="0">
+              <a:lnSpc>
+                <a:spcPct val="100000"/>
+              </a:lnSpc>
+              <a:spcBef>
+                <a:spcPct val="0"/>
+              </a:spcBef>
+              <a:spcAft>
+                <a:spcPct val="0"/>
+              </a:spcAft>
+              <a:buClrTx/>
+              <a:buSzTx/>
+              <a:buFontTx/>
+              <a:buNone/>
+              <a:tabLst/>
+            </a:pPr>
+            <a:r>
+              <a:rPr kumimoji="0" lang="ko-KR" altLang="en-US" sz="1800" b="0" i="0" u="none" strike="noStrike" cap="none" normalizeH="0" baseline="0" dirty="0" smtClean="0">
+                <a:ln>
+                  <a:noFill/>
+                </a:ln>
+                <a:solidFill>
+                  <a:schemeClr val="tx1"/>
+                </a:solidFill>
+                <a:effectLst/>
+                <a:latin typeface="Arial" charset="0"/>
+              </a:rPr>
+              <a:t>정렬확인</a:t>
+            </a:r>
+            <a:r>
+              <a:rPr kumimoji="0" lang="en-US" altLang="ko-KR" sz="1800" b="0" i="0" u="none" strike="noStrike" cap="none" normalizeH="0" baseline="0" dirty="0" smtClean="0">
+                <a:ln>
+                  <a:noFill/>
+                </a:ln>
+                <a:solidFill>
+                  <a:schemeClr val="tx1"/>
+                </a:solidFill>
+                <a:effectLst/>
+                <a:latin typeface="Arial" charset="0"/>
+              </a:rPr>
+              <a:t>, </a:t>
+            </a:r>
+            <a:r>
+              <a:rPr kumimoji="0" lang="ko-KR" altLang="en-US" sz="1800" b="0" i="0" u="none" strike="noStrike" cap="none" normalizeH="0" baseline="0" dirty="0" err="1" smtClean="0">
+                <a:ln>
+                  <a:noFill/>
+                </a:ln>
+                <a:solidFill>
+                  <a:schemeClr val="tx1"/>
+                </a:solidFill>
+                <a:effectLst/>
+                <a:latin typeface="Arial" charset="0"/>
+              </a:rPr>
+              <a:t>불량유형등록팝업창</a:t>
+            </a:r>
+            <a:endParaRPr kumimoji="0" lang="en-US" altLang="ko-KR" sz="1800" b="0" i="0" u="none" strike="noStrike" cap="none" normalizeH="0" baseline="0" dirty="0" smtClean="0">
+              <a:ln>
+                <a:noFill/>
+              </a:ln>
+              <a:solidFill>
+                <a:schemeClr val="tx1"/>
+              </a:solidFill>
+              <a:effectLst/>
+              <a:latin typeface="Arial" charset="0"/>
+            </a:endParaRPr>
+          </a:p>
+          <a:p>
+            <a:pPr marL="0" marR="0" indent="0" algn="l" defTabSz="914400" rtl="0" eaLnBrk="0" fontAlgn="base" latinLnBrk="0" hangingPunct="0">
+              <a:lnSpc>
+                <a:spcPct val="100000"/>
+              </a:lnSpc>
+              <a:spcBef>
+                <a:spcPct val="0"/>
+              </a:spcBef>
+              <a:spcAft>
+                <a:spcPct val="0"/>
+              </a:spcAft>
+              <a:buClrTx/>
+              <a:buSzTx/>
+              <a:buFontTx/>
+              <a:buNone/>
+              <a:tabLst/>
+            </a:pPr>
+            <a:r>
+              <a:rPr lang="en-US" altLang="ko-KR" dirty="0" smtClean="0"/>
+              <a:t>List</a:t>
+            </a:r>
+            <a:r>
+              <a:rPr lang="ko-KR" altLang="en-US" dirty="0" smtClean="0"/>
+              <a:t>에 파일위치 올려놓음</a:t>
+            </a:r>
+            <a:endParaRPr kumimoji="0" lang="ko-KR" altLang="en-US" sz="1800" b="0" i="0" u="none" strike="noStrike" cap="none" normalizeH="0" baseline="0" dirty="0" smtClean="0">
+              <a:ln>
+                <a:noFill/>
+              </a:ln>
+              <a:solidFill>
+                <a:schemeClr val="tx1"/>
+              </a:solidFill>
+              <a:effectLst/>
+              <a:latin typeface="Arial" charset="0"/>
+            </a:endParaRPr>
+          </a:p>
+        </p:txBody>
+      </p:sp>
     </p:spTree>
     <p:extLst>
       <p:ext uri="{BB962C8B-B14F-4D97-AF65-F5344CB8AC3E}">
-        <p14:creationId xmlns:p14="http://schemas.microsoft.com/office/powerpoint/2010/main" val="1217823275"/>
+        <p14:creationId xmlns:p14="http://schemas.microsoft.com/office/powerpoint/2010/main" xmlns="" val="1217823275"/>
       </p:ext>
     </p:extLst>
   </p:cSld>
@@ -29777,7 +30248,7 @@
             <a:effectLst/>
             <a:extLst>
               <a:ext uri="{AF507438-7753-43E0-B8FC-AC1667EBCBE1}">
-                <a14:hiddenEffects xmlns:a14="http://schemas.microsoft.com/office/drawing/2010/main">
+                <a14:hiddenEffects xmlns:a14="http://schemas.microsoft.com/office/drawing/2010/main" xmlns="">
                   <a:effectLst>
                     <a:outerShdw dist="35921" dir="2700000" algn="ctr" rotWithShape="0">
                       <a:schemeClr val="bg2"/>
@@ -29817,7 +30288,7 @@
             <a:effectLst/>
             <a:extLst>
               <a:ext uri="{AF507438-7753-43E0-B8FC-AC1667EBCBE1}">
-                <a14:hiddenEffects xmlns:a14="http://schemas.microsoft.com/office/drawing/2010/main">
+                <a14:hiddenEffects xmlns:a14="http://schemas.microsoft.com/office/drawing/2010/main" xmlns="">
                   <a:effectLst>
                     <a:outerShdw dist="35921" dir="2700000" algn="ctr" rotWithShape="0">
                       <a:schemeClr val="bg2"/>
@@ -29857,7 +30328,7 @@
             <a:effectLst/>
             <a:extLst>
               <a:ext uri="{AF507438-7753-43E0-B8FC-AC1667EBCBE1}">
-                <a14:hiddenEffects xmlns:a14="http://schemas.microsoft.com/office/drawing/2010/main">
+                <a14:hiddenEffects xmlns:a14="http://schemas.microsoft.com/office/drawing/2010/main" xmlns="">
                   <a:effectLst>
                     <a:outerShdw dist="35921" dir="2700000" algn="ctr" rotWithShape="0">
                       <a:schemeClr val="bg2"/>
@@ -29900,7 +30371,7 @@
             <a:effectLst/>
             <a:extLst>
               <a:ext uri="{AF507438-7753-43E0-B8FC-AC1667EBCBE1}">
-                <a14:hiddenEffects xmlns:a14="http://schemas.microsoft.com/office/drawing/2010/main">
+                <a14:hiddenEffects xmlns:a14="http://schemas.microsoft.com/office/drawing/2010/main" xmlns="">
                   <a:effectLst>
                     <a:outerShdw dist="35921" dir="2700000" algn="ctr" rotWithShape="0">
                       <a:schemeClr val="bg2"/>
@@ -30149,10 +30620,10 @@
           <p:nvPr/>
         </p:nvPicPr>
         <p:blipFill>
-          <a:blip r:embed="rId2">
+          <a:blip r:embed="rId2" cstate="print">
             <a:extLst>
               <a:ext uri="{28A0092B-C50C-407E-A947-70E740481C1C}">
-                <a14:useLocalDpi xmlns:a14="http://schemas.microsoft.com/office/drawing/2010/main" val="0"/>
+                <a14:useLocalDpi xmlns:a14="http://schemas.microsoft.com/office/drawing/2010/main" xmlns="" val="0"/>
               </a:ext>
             </a:extLst>
           </a:blip>
@@ -30176,14 +30647,14 @@
           <a:effectLst/>
           <a:extLst>
             <a:ext uri="{909E8E84-426E-40DD-AFC4-6F175D3DCCD1}">
-              <a14:hiddenFill xmlns:a14="http://schemas.microsoft.com/office/drawing/2010/main">
+              <a14:hiddenFill xmlns:a14="http://schemas.microsoft.com/office/drawing/2010/main" xmlns="">
                 <a:solidFill>
                   <a:schemeClr val="accent1"/>
                 </a:solidFill>
               </a14:hiddenFill>
             </a:ext>
             <a:ext uri="{91240B29-F687-4F45-9708-019B960494DF}">
-              <a14:hiddenLine xmlns:a14="http://schemas.microsoft.com/office/drawing/2010/main" w="9525">
+              <a14:hiddenLine xmlns:a14="http://schemas.microsoft.com/office/drawing/2010/main" xmlns="" w="9525">
                 <a:solidFill>
                   <a:schemeClr val="tx1"/>
                 </a:solidFill>
@@ -30193,7 +30664,7 @@
               </a14:hiddenLine>
             </a:ext>
             <a:ext uri="{AF507438-7753-43E0-B8FC-AC1667EBCBE1}">
-              <a14:hiddenEffects xmlns:a14="http://schemas.microsoft.com/office/drawing/2010/main">
+              <a14:hiddenEffects xmlns:a14="http://schemas.microsoft.com/office/drawing/2010/main" xmlns="">
                 <a:effectLst>
                   <a:outerShdw dist="35921" dir="2700000" algn="ctr" rotWithShape="0">
                     <a:schemeClr val="bg2"/>
@@ -30459,7 +30930,7 @@
     </p:spTree>
     <p:extLst>
       <p:ext uri="{BB962C8B-B14F-4D97-AF65-F5344CB8AC3E}">
-        <p14:creationId xmlns:p14="http://schemas.microsoft.com/office/powerpoint/2010/main" val="494264317"/>
+        <p14:creationId xmlns:p14="http://schemas.microsoft.com/office/powerpoint/2010/main" xmlns="" val="494264317"/>
       </p:ext>
     </p:extLst>
   </p:cSld>
@@ -30655,10 +31126,10 @@
           <p:nvPr/>
         </p:nvPicPr>
         <p:blipFill>
-          <a:blip r:embed="rId3">
+          <a:blip r:embed="rId3" cstate="print">
             <a:extLst>
               <a:ext uri="{28A0092B-C50C-407E-A947-70E740481C1C}">
-                <a14:useLocalDpi xmlns:a14="http://schemas.microsoft.com/office/drawing/2010/main" val="0"/>
+                <a14:useLocalDpi xmlns:a14="http://schemas.microsoft.com/office/drawing/2010/main" xmlns="" val="0"/>
               </a:ext>
             </a:extLst>
           </a:blip>
@@ -30682,14 +31153,14 @@
           <a:effectLst/>
           <a:extLst>
             <a:ext uri="{909E8E84-426E-40DD-AFC4-6F175D3DCCD1}">
-              <a14:hiddenFill xmlns:a14="http://schemas.microsoft.com/office/drawing/2010/main">
+              <a14:hiddenFill xmlns:a14="http://schemas.microsoft.com/office/drawing/2010/main" xmlns="">
                 <a:solidFill>
                   <a:schemeClr val="accent1"/>
                 </a:solidFill>
               </a14:hiddenFill>
             </a:ext>
             <a:ext uri="{91240B29-F687-4F45-9708-019B960494DF}">
-              <a14:hiddenLine xmlns:a14="http://schemas.microsoft.com/office/drawing/2010/main" w="9525">
+              <a14:hiddenLine xmlns:a14="http://schemas.microsoft.com/office/drawing/2010/main" xmlns="" w="9525">
                 <a:solidFill>
                   <a:schemeClr val="tx1"/>
                 </a:solidFill>
@@ -30699,7 +31170,7 @@
               </a14:hiddenLine>
             </a:ext>
             <a:ext uri="{AF507438-7753-43E0-B8FC-AC1667EBCBE1}">
-              <a14:hiddenEffects xmlns:a14="http://schemas.microsoft.com/office/drawing/2010/main">
+              <a14:hiddenEffects xmlns:a14="http://schemas.microsoft.com/office/drawing/2010/main" xmlns="">
                 <a:effectLst>
                   <a:outerShdw dist="35921" dir="2700000" algn="ctr" rotWithShape="0">
                     <a:schemeClr val="bg2"/>
@@ -30871,7 +31342,7 @@
     </p:spTree>
     <p:extLst>
       <p:ext uri="{BB962C8B-B14F-4D97-AF65-F5344CB8AC3E}">
-        <p14:creationId xmlns:p14="http://schemas.microsoft.com/office/powerpoint/2010/main" val="402915000"/>
+        <p14:creationId xmlns:p14="http://schemas.microsoft.com/office/powerpoint/2010/main" xmlns="" val="402915000"/>
       </p:ext>
     </p:extLst>
   </p:cSld>
@@ -30908,10 +31379,10 @@
           <p:nvPr/>
         </p:nvPicPr>
         <p:blipFill>
-          <a:blip r:embed="rId2">
+          <a:blip r:embed="rId2" cstate="print">
             <a:extLst>
               <a:ext uri="{28A0092B-C50C-407E-A947-70E740481C1C}">
-                <a14:useLocalDpi xmlns:a14="http://schemas.microsoft.com/office/drawing/2010/main" val="0"/>
+                <a14:useLocalDpi xmlns:a14="http://schemas.microsoft.com/office/drawing/2010/main" xmlns="" val="0"/>
               </a:ext>
             </a:extLst>
           </a:blip>
@@ -30940,14 +31411,14 @@
           <a:effectLst/>
           <a:extLst>
             <a:ext uri="{909E8E84-426E-40DD-AFC4-6F175D3DCCD1}">
-              <a14:hiddenFill xmlns:a14="http://schemas.microsoft.com/office/drawing/2010/main">
+              <a14:hiddenFill xmlns:a14="http://schemas.microsoft.com/office/drawing/2010/main" xmlns="">
                 <a:solidFill>
                   <a:schemeClr val="accent1"/>
                 </a:solidFill>
               </a14:hiddenFill>
             </a:ext>
             <a:ext uri="{AF507438-7753-43E0-B8FC-AC1667EBCBE1}">
-              <a14:hiddenEffects xmlns:a14="http://schemas.microsoft.com/office/drawing/2010/main">
+              <a14:hiddenEffects xmlns:a14="http://schemas.microsoft.com/office/drawing/2010/main" xmlns="">
                 <a:effectLst>
                   <a:outerShdw dist="35921" dir="2700000" algn="ctr" rotWithShape="0">
                     <a:schemeClr val="bg2"/>
@@ -31553,7 +32024,7 @@
     </p:spTree>
     <p:extLst>
       <p:ext uri="{BB962C8B-B14F-4D97-AF65-F5344CB8AC3E}">
-        <p14:creationId xmlns:p14="http://schemas.microsoft.com/office/powerpoint/2010/main" val="1955921352"/>
+        <p14:creationId xmlns:p14="http://schemas.microsoft.com/office/powerpoint/2010/main" xmlns="" val="1955921352"/>
       </p:ext>
     </p:extLst>
   </p:cSld>
@@ -31816,7 +32287,7 @@
             <a:effectLst/>
             <a:extLst>
               <a:ext uri="{AF507438-7753-43E0-B8FC-AC1667EBCBE1}">
-                <a14:hiddenEffects xmlns:a14="http://schemas.microsoft.com/office/drawing/2010/main">
+                <a14:hiddenEffects xmlns:a14="http://schemas.microsoft.com/office/drawing/2010/main" xmlns="">
                   <a:effectLst>
                     <a:outerShdw dist="35921" dir="2700000" algn="ctr" rotWithShape="0">
                       <a:schemeClr val="bg2"/>
@@ -31856,7 +32327,7 @@
             <a:effectLst/>
             <a:extLst>
               <a:ext uri="{AF507438-7753-43E0-B8FC-AC1667EBCBE1}">
-                <a14:hiddenEffects xmlns:a14="http://schemas.microsoft.com/office/drawing/2010/main">
+                <a14:hiddenEffects xmlns:a14="http://schemas.microsoft.com/office/drawing/2010/main" xmlns="">
                   <a:effectLst>
                     <a:outerShdw dist="35921" dir="2700000" algn="ctr" rotWithShape="0">
                       <a:schemeClr val="bg2"/>
@@ -31896,7 +32367,7 @@
             <a:effectLst/>
             <a:extLst>
               <a:ext uri="{AF507438-7753-43E0-B8FC-AC1667EBCBE1}">
-                <a14:hiddenEffects xmlns:a14="http://schemas.microsoft.com/office/drawing/2010/main">
+                <a14:hiddenEffects xmlns:a14="http://schemas.microsoft.com/office/drawing/2010/main" xmlns="">
                   <a:effectLst>
                     <a:outerShdw dist="35921" dir="2700000" algn="ctr" rotWithShape="0">
                       <a:schemeClr val="bg2"/>
@@ -31939,7 +32410,7 @@
             <a:effectLst/>
             <a:extLst>
               <a:ext uri="{AF507438-7753-43E0-B8FC-AC1667EBCBE1}">
-                <a14:hiddenEffects xmlns:a14="http://schemas.microsoft.com/office/drawing/2010/main">
+                <a14:hiddenEffects xmlns:a14="http://schemas.microsoft.com/office/drawing/2010/main" xmlns="">
                   <a:effectLst>
                     <a:outerShdw dist="35921" dir="2700000" algn="ctr" rotWithShape="0">
                       <a:schemeClr val="bg2"/>
@@ -32515,10 +32986,10 @@
           <p:nvPr/>
         </p:nvPicPr>
         <p:blipFill>
-          <a:blip r:embed="rId3">
+          <a:blip r:embed="rId3" cstate="print">
             <a:extLst>
               <a:ext uri="{28A0092B-C50C-407E-A947-70E740481C1C}">
-                <a14:useLocalDpi xmlns:a14="http://schemas.microsoft.com/office/drawing/2010/main" val="0"/>
+                <a14:useLocalDpi xmlns:a14="http://schemas.microsoft.com/office/drawing/2010/main" xmlns="" val="0"/>
               </a:ext>
             </a:extLst>
           </a:blip>
@@ -32542,14 +33013,14 @@
           <a:effectLst/>
           <a:extLst>
             <a:ext uri="{909E8E84-426E-40DD-AFC4-6F175D3DCCD1}">
-              <a14:hiddenFill xmlns:a14="http://schemas.microsoft.com/office/drawing/2010/main">
+              <a14:hiddenFill xmlns:a14="http://schemas.microsoft.com/office/drawing/2010/main" xmlns="">
                 <a:solidFill>
                   <a:schemeClr val="accent1"/>
                 </a:solidFill>
               </a14:hiddenFill>
             </a:ext>
             <a:ext uri="{91240B29-F687-4F45-9708-019B960494DF}">
-              <a14:hiddenLine xmlns:a14="http://schemas.microsoft.com/office/drawing/2010/main" w="9525">
+              <a14:hiddenLine xmlns:a14="http://schemas.microsoft.com/office/drawing/2010/main" xmlns="" w="9525">
                 <a:solidFill>
                   <a:schemeClr val="tx1"/>
                 </a:solidFill>
@@ -32559,7 +33030,7 @@
               </a14:hiddenLine>
             </a:ext>
             <a:ext uri="{AF507438-7753-43E0-B8FC-AC1667EBCBE1}">
-              <a14:hiddenEffects xmlns:a14="http://schemas.microsoft.com/office/drawing/2010/main">
+              <a14:hiddenEffects xmlns:a14="http://schemas.microsoft.com/office/drawing/2010/main" xmlns="">
                 <a:effectLst>
                   <a:outerShdw dist="35921" dir="2700000" algn="ctr" rotWithShape="0">
                     <a:schemeClr val="bg2"/>
@@ -32814,7 +33285,7 @@
     </p:spTree>
     <p:extLst>
       <p:ext uri="{BB962C8B-B14F-4D97-AF65-F5344CB8AC3E}">
-        <p14:creationId xmlns:p14="http://schemas.microsoft.com/office/powerpoint/2010/main" val="1231759071"/>
+        <p14:creationId xmlns:p14="http://schemas.microsoft.com/office/powerpoint/2010/main" xmlns="" val="1231759071"/>
       </p:ext>
     </p:extLst>
   </p:cSld>
@@ -32952,10 +33423,10 @@
           <p:nvPr/>
         </p:nvPicPr>
         <p:blipFill>
-          <a:blip r:embed="rId3">
+          <a:blip r:embed="rId3" cstate="print">
             <a:extLst>
               <a:ext uri="{28A0092B-C50C-407E-A947-70E740481C1C}">
-                <a14:useLocalDpi xmlns:a14="http://schemas.microsoft.com/office/drawing/2010/main" val="0"/>
+                <a14:useLocalDpi xmlns:a14="http://schemas.microsoft.com/office/drawing/2010/main" xmlns="" val="0"/>
               </a:ext>
             </a:extLst>
           </a:blip>
@@ -32982,14 +33453,14 @@
           <a:effectLst/>
           <a:extLst>
             <a:ext uri="{909E8E84-426E-40DD-AFC4-6F175D3DCCD1}">
-              <a14:hiddenFill xmlns:a14="http://schemas.microsoft.com/office/drawing/2010/main">
+              <a14:hiddenFill xmlns:a14="http://schemas.microsoft.com/office/drawing/2010/main" xmlns="">
                 <a:solidFill>
                   <a:schemeClr val="accent1"/>
                 </a:solidFill>
               </a14:hiddenFill>
             </a:ext>
             <a:ext uri="{AF507438-7753-43E0-B8FC-AC1667EBCBE1}">
-              <a14:hiddenEffects xmlns:a14="http://schemas.microsoft.com/office/drawing/2010/main">
+              <a14:hiddenEffects xmlns:a14="http://schemas.microsoft.com/office/drawing/2010/main" xmlns="">
                 <a:effectLst>
                   <a:outerShdw dist="35921" dir="2700000" algn="ctr" rotWithShape="0">
                     <a:schemeClr val="bg2"/>
@@ -33441,7 +33912,7 @@
     </p:spTree>
     <p:extLst>
       <p:ext uri="{BB962C8B-B14F-4D97-AF65-F5344CB8AC3E}">
-        <p14:creationId xmlns:p14="http://schemas.microsoft.com/office/powerpoint/2010/main" val="1393401898"/>
+        <p14:creationId xmlns:p14="http://schemas.microsoft.com/office/powerpoint/2010/main" xmlns="" val="1393401898"/>
       </p:ext>
     </p:extLst>
   </p:cSld>
@@ -33818,10 +34289,10 @@
           <p:nvPr/>
         </p:nvPicPr>
         <p:blipFill>
-          <a:blip r:embed="rId3">
+          <a:blip r:embed="rId3" cstate="print">
             <a:extLst>
               <a:ext uri="{28A0092B-C50C-407E-A947-70E740481C1C}">
-                <a14:useLocalDpi xmlns:a14="http://schemas.microsoft.com/office/drawing/2010/main" val="0"/>
+                <a14:useLocalDpi xmlns:a14="http://schemas.microsoft.com/office/drawing/2010/main" xmlns="" val="0"/>
               </a:ext>
             </a:extLst>
           </a:blip>
@@ -33845,14 +34316,14 @@
           <a:effectLst/>
           <a:extLst>
             <a:ext uri="{909E8E84-426E-40DD-AFC4-6F175D3DCCD1}">
-              <a14:hiddenFill xmlns:a14="http://schemas.microsoft.com/office/drawing/2010/main">
+              <a14:hiddenFill xmlns:a14="http://schemas.microsoft.com/office/drawing/2010/main" xmlns="">
                 <a:solidFill>
                   <a:schemeClr val="accent1"/>
                 </a:solidFill>
               </a14:hiddenFill>
             </a:ext>
             <a:ext uri="{91240B29-F687-4F45-9708-019B960494DF}">
-              <a14:hiddenLine xmlns:a14="http://schemas.microsoft.com/office/drawing/2010/main" w="9525">
+              <a14:hiddenLine xmlns:a14="http://schemas.microsoft.com/office/drawing/2010/main" xmlns="" w="9525">
                 <a:solidFill>
                   <a:schemeClr val="tx1"/>
                 </a:solidFill>
@@ -33862,7 +34333,7 @@
               </a14:hiddenLine>
             </a:ext>
             <a:ext uri="{AF507438-7753-43E0-B8FC-AC1667EBCBE1}">
-              <a14:hiddenEffects xmlns:a14="http://schemas.microsoft.com/office/drawing/2010/main">
+              <a14:hiddenEffects xmlns:a14="http://schemas.microsoft.com/office/drawing/2010/main" xmlns="">
                 <a:effectLst>
                   <a:outerShdw dist="35921" dir="2700000" algn="ctr" rotWithShape="0">
                     <a:schemeClr val="bg2"/>
@@ -34327,7 +34798,7 @@
     </p:spTree>
     <p:extLst>
       <p:ext uri="{BB962C8B-B14F-4D97-AF65-F5344CB8AC3E}">
-        <p14:creationId xmlns:p14="http://schemas.microsoft.com/office/powerpoint/2010/main" val="4026496618"/>
+        <p14:creationId xmlns:p14="http://schemas.microsoft.com/office/powerpoint/2010/main" xmlns="" val="4026496618"/>
       </p:ext>
     </p:extLst>
   </p:cSld>
@@ -34590,7 +35061,7 @@
             <a:effectLst/>
             <a:extLst>
               <a:ext uri="{AF507438-7753-43E0-B8FC-AC1667EBCBE1}">
-                <a14:hiddenEffects xmlns:a14="http://schemas.microsoft.com/office/drawing/2010/main">
+                <a14:hiddenEffects xmlns:a14="http://schemas.microsoft.com/office/drawing/2010/main" xmlns="">
                   <a:effectLst>
                     <a:outerShdw dist="35921" dir="2700000" algn="ctr" rotWithShape="0">
                       <a:schemeClr val="bg2"/>
@@ -34630,7 +35101,7 @@
             <a:effectLst/>
             <a:extLst>
               <a:ext uri="{AF507438-7753-43E0-B8FC-AC1667EBCBE1}">
-                <a14:hiddenEffects xmlns:a14="http://schemas.microsoft.com/office/drawing/2010/main">
+                <a14:hiddenEffects xmlns:a14="http://schemas.microsoft.com/office/drawing/2010/main" xmlns="">
                   <a:effectLst>
                     <a:outerShdw dist="35921" dir="2700000" algn="ctr" rotWithShape="0">
                       <a:schemeClr val="bg2"/>
@@ -34670,7 +35141,7 @@
             <a:effectLst/>
             <a:extLst>
               <a:ext uri="{AF507438-7753-43E0-B8FC-AC1667EBCBE1}">
-                <a14:hiddenEffects xmlns:a14="http://schemas.microsoft.com/office/drawing/2010/main">
+                <a14:hiddenEffects xmlns:a14="http://schemas.microsoft.com/office/drawing/2010/main" xmlns="">
                   <a:effectLst>
                     <a:outerShdw dist="35921" dir="2700000" algn="ctr" rotWithShape="0">
                       <a:schemeClr val="bg2"/>
@@ -34713,7 +35184,7 @@
             <a:effectLst/>
             <a:extLst>
               <a:ext uri="{AF507438-7753-43E0-B8FC-AC1667EBCBE1}">
-                <a14:hiddenEffects xmlns:a14="http://schemas.microsoft.com/office/drawing/2010/main">
+                <a14:hiddenEffects xmlns:a14="http://schemas.microsoft.com/office/drawing/2010/main" xmlns="">
                   <a:effectLst>
                     <a:outerShdw dist="35921" dir="2700000" algn="ctr" rotWithShape="0">
                       <a:schemeClr val="bg2"/>
@@ -35037,10 +35508,10 @@
           <p:nvPr/>
         </p:nvPicPr>
         <p:blipFill>
-          <a:blip r:embed="rId4">
+          <a:blip r:embed="rId4" cstate="print">
             <a:extLst>
               <a:ext uri="{28A0092B-C50C-407E-A947-70E740481C1C}">
-                <a14:useLocalDpi xmlns:a14="http://schemas.microsoft.com/office/drawing/2010/main" val="0"/>
+                <a14:useLocalDpi xmlns:a14="http://schemas.microsoft.com/office/drawing/2010/main" xmlns="" val="0"/>
               </a:ext>
             </a:extLst>
           </a:blip>
@@ -35064,14 +35535,14 @@
           <a:effectLst/>
           <a:extLst>
             <a:ext uri="{909E8E84-426E-40DD-AFC4-6F175D3DCCD1}">
-              <a14:hiddenFill xmlns:a14="http://schemas.microsoft.com/office/drawing/2010/main">
+              <a14:hiddenFill xmlns:a14="http://schemas.microsoft.com/office/drawing/2010/main" xmlns="">
                 <a:solidFill>
                   <a:schemeClr val="accent1"/>
                 </a:solidFill>
               </a14:hiddenFill>
             </a:ext>
             <a:ext uri="{91240B29-F687-4F45-9708-019B960494DF}">
-              <a14:hiddenLine xmlns:a14="http://schemas.microsoft.com/office/drawing/2010/main" w="9525">
+              <a14:hiddenLine xmlns:a14="http://schemas.microsoft.com/office/drawing/2010/main" xmlns="" w="9525">
                 <a:solidFill>
                   <a:schemeClr val="tx1"/>
                 </a:solidFill>
@@ -35081,7 +35552,7 @@
               </a14:hiddenLine>
             </a:ext>
             <a:ext uri="{AF507438-7753-43E0-B8FC-AC1667EBCBE1}">
-              <a14:hiddenEffects xmlns:a14="http://schemas.microsoft.com/office/drawing/2010/main">
+              <a14:hiddenEffects xmlns:a14="http://schemas.microsoft.com/office/drawing/2010/main" xmlns="">
                 <a:effectLst>
                   <a:outerShdw dist="35921" dir="2700000" algn="ctr" rotWithShape="0">
                     <a:schemeClr val="bg2"/>
@@ -35336,7 +35807,7 @@
     </p:spTree>
     <p:extLst>
       <p:ext uri="{BB962C8B-B14F-4D97-AF65-F5344CB8AC3E}">
-        <p14:creationId xmlns:p14="http://schemas.microsoft.com/office/powerpoint/2010/main" val="704410136"/>
+        <p14:creationId xmlns:p14="http://schemas.microsoft.com/office/powerpoint/2010/main" xmlns="" val="704410136"/>
       </p:ext>
     </p:extLst>
   </p:cSld>
@@ -35382,10 +35853,10 @@
           <p:nvPr/>
         </p:nvPicPr>
         <p:blipFill>
-          <a:blip r:embed="rId2">
+          <a:blip r:embed="rId2" cstate="print">
             <a:extLst>
               <a:ext uri="{28A0092B-C50C-407E-A947-70E740481C1C}">
-                <a14:useLocalDpi xmlns:a14="http://schemas.microsoft.com/office/drawing/2010/main" val="0"/>
+                <a14:useLocalDpi xmlns:a14="http://schemas.microsoft.com/office/drawing/2010/main" xmlns="" val="0"/>
               </a:ext>
             </a:extLst>
           </a:blip>
@@ -35409,14 +35880,14 @@
           <a:effectLst/>
           <a:extLst>
             <a:ext uri="{909E8E84-426E-40DD-AFC4-6F175D3DCCD1}">
-              <a14:hiddenFill xmlns:a14="http://schemas.microsoft.com/office/drawing/2010/main">
+              <a14:hiddenFill xmlns:a14="http://schemas.microsoft.com/office/drawing/2010/main" xmlns="">
                 <a:solidFill>
                   <a:schemeClr val="accent1"/>
                 </a:solidFill>
               </a14:hiddenFill>
             </a:ext>
             <a:ext uri="{91240B29-F687-4F45-9708-019B960494DF}">
-              <a14:hiddenLine xmlns:a14="http://schemas.microsoft.com/office/drawing/2010/main" w="9525">
+              <a14:hiddenLine xmlns:a14="http://schemas.microsoft.com/office/drawing/2010/main" xmlns="" w="9525">
                 <a:solidFill>
                   <a:schemeClr val="tx1"/>
                 </a:solidFill>
@@ -35426,7 +35897,7 @@
               </a14:hiddenLine>
             </a:ext>
             <a:ext uri="{AF507438-7753-43E0-B8FC-AC1667EBCBE1}">
-              <a14:hiddenEffects xmlns:a14="http://schemas.microsoft.com/office/drawing/2010/main">
+              <a14:hiddenEffects xmlns:a14="http://schemas.microsoft.com/office/drawing/2010/main" xmlns="">
                 <a:effectLst>
                   <a:outerShdw dist="35921" dir="2700000" algn="ctr" rotWithShape="0">
                     <a:schemeClr val="bg2"/>
@@ -35988,7 +36459,7 @@
     </p:spTree>
     <p:extLst>
       <p:ext uri="{BB962C8B-B14F-4D97-AF65-F5344CB8AC3E}">
-        <p14:creationId xmlns:p14="http://schemas.microsoft.com/office/powerpoint/2010/main" val="212948471"/>
+        <p14:creationId xmlns:p14="http://schemas.microsoft.com/office/powerpoint/2010/main" xmlns="" val="212948471"/>
       </p:ext>
     </p:extLst>
   </p:cSld>
@@ -36256,7 +36727,7 @@
         <a:effectLst/>
         <a:extLst>
           <a:ext uri="{AF507438-7753-43E0-B8FC-AC1667EBCBE1}">
-            <a14:hiddenEffects xmlns:a14="http://schemas.microsoft.com/office/drawing/2010/main">
+            <a14:hiddenEffects xmlns:a14="http://schemas.microsoft.com/office/drawing/2010/main" xmlns="">
               <a:effectLst>
                 <a:outerShdw dist="35921" dir="2700000" algn="ctr" rotWithShape="0">
                   <a:schemeClr val="bg2"/>
@@ -36329,7 +36800,7 @@
         <a:effectLst/>
         <a:extLst>
           <a:ext uri="{AF507438-7753-43E0-B8FC-AC1667EBCBE1}">
-            <a14:hiddenEffects xmlns:a14="http://schemas.microsoft.com/office/drawing/2010/main">
+            <a14:hiddenEffects xmlns:a14="http://schemas.microsoft.com/office/drawing/2010/main" xmlns="">
               <a:effectLst>
                 <a:outerShdw dist="35921" dir="2700000" algn="ctr" rotWithShape="0">
                   <a:schemeClr val="bg2"/>
